--- a/ckd_presentation.pptx
+++ b/ckd_presentation.pptx
@@ -5,7 +5,7 @@
     <p:sldMasterId id="2147483660" r:id="rId1"/>
   </p:sldMasterIdLst>
   <p:notesMasterIdLst>
-    <p:notesMasterId r:id="rId34"/>
+    <p:notesMasterId r:id="rId32"/>
   </p:notesMasterIdLst>
   <p:sldIdLst>
     <p:sldId id="256" r:id="rId2"/>
@@ -36,10 +36,8 @@
     <p:sldId id="289" r:id="rId27"/>
     <p:sldId id="290" r:id="rId28"/>
     <p:sldId id="272" r:id="rId29"/>
-    <p:sldId id="274" r:id="rId30"/>
-    <p:sldId id="275" r:id="rId31"/>
-    <p:sldId id="277" r:id="rId32"/>
-    <p:sldId id="276" r:id="rId33"/>
+    <p:sldId id="277" r:id="rId30"/>
+    <p:sldId id="276" r:id="rId31"/>
   </p:sldIdLst>
   <p:sldSz cx="12192000" cy="6858000"/>
   <p:notesSz cx="6858000" cy="9144000"/>
@@ -240,7 +238,7 @@
           <a:p>
             <a:fld id="{44E8D925-284F-4CB6-AE91-798A88322A32}" type="datetimeFigureOut">
               <a:rPr lang="en-US" smtClean="0"/>
-              <a:t>7/23/2020</a:t>
+              <a:t>7/24/2020</a:t>
             </a:fld>
             <a:endParaRPr lang="en-US"/>
           </a:p>
@@ -968,7 +966,7 @@
           <a:p>
             <a:fld id="{65160740-97AC-4316-BFBE-0130A5772187}" type="slidenum">
               <a:rPr lang="en-US" smtClean="0"/>
-              <a:t>31</a:t>
+              <a:t>29</a:t>
             </a:fld>
             <a:endParaRPr lang="en-US"/>
           </a:p>
@@ -2179,7 +2177,7 @@
           <a:p>
             <a:fld id="{DB69524A-C073-454F-AB03-A4CC800AABE5}" type="datetimeFigureOut">
               <a:rPr lang="en-US" smtClean="0"/>
-              <a:t>7/23/2020</a:t>
+              <a:t>7/24/2020</a:t>
             </a:fld>
             <a:endParaRPr lang="en-US"/>
           </a:p>
@@ -2349,7 +2347,7 @@
           <a:p>
             <a:fld id="{DB69524A-C073-454F-AB03-A4CC800AABE5}" type="datetimeFigureOut">
               <a:rPr lang="en-US" smtClean="0"/>
-              <a:t>7/23/2020</a:t>
+              <a:t>7/24/2020</a:t>
             </a:fld>
             <a:endParaRPr lang="en-US"/>
           </a:p>
@@ -2529,7 +2527,7 @@
           <a:p>
             <a:fld id="{DB69524A-C073-454F-AB03-A4CC800AABE5}" type="datetimeFigureOut">
               <a:rPr lang="en-US" smtClean="0"/>
-              <a:t>7/23/2020</a:t>
+              <a:t>7/24/2020</a:t>
             </a:fld>
             <a:endParaRPr lang="en-US"/>
           </a:p>
@@ -2699,7 +2697,7 @@
           <a:p>
             <a:fld id="{DB69524A-C073-454F-AB03-A4CC800AABE5}" type="datetimeFigureOut">
               <a:rPr lang="en-US" smtClean="0"/>
-              <a:t>7/23/2020</a:t>
+              <a:t>7/24/2020</a:t>
             </a:fld>
             <a:endParaRPr lang="en-US"/>
           </a:p>
@@ -2945,7 +2943,7 @@
           <a:p>
             <a:fld id="{DB69524A-C073-454F-AB03-A4CC800AABE5}" type="datetimeFigureOut">
               <a:rPr lang="en-US" smtClean="0"/>
-              <a:t>7/23/2020</a:t>
+              <a:t>7/24/2020</a:t>
             </a:fld>
             <a:endParaRPr lang="en-US"/>
           </a:p>
@@ -3177,7 +3175,7 @@
           <a:p>
             <a:fld id="{DB69524A-C073-454F-AB03-A4CC800AABE5}" type="datetimeFigureOut">
               <a:rPr lang="en-US" smtClean="0"/>
-              <a:t>7/23/2020</a:t>
+              <a:t>7/24/2020</a:t>
             </a:fld>
             <a:endParaRPr lang="en-US"/>
           </a:p>
@@ -3544,7 +3542,7 @@
           <a:p>
             <a:fld id="{DB69524A-C073-454F-AB03-A4CC800AABE5}" type="datetimeFigureOut">
               <a:rPr lang="en-US" smtClean="0"/>
-              <a:t>7/23/2020</a:t>
+              <a:t>7/24/2020</a:t>
             </a:fld>
             <a:endParaRPr lang="en-US"/>
           </a:p>
@@ -3662,7 +3660,7 @@
           <a:p>
             <a:fld id="{DB69524A-C073-454F-AB03-A4CC800AABE5}" type="datetimeFigureOut">
               <a:rPr lang="en-US" smtClean="0"/>
-              <a:t>7/23/2020</a:t>
+              <a:t>7/24/2020</a:t>
             </a:fld>
             <a:endParaRPr lang="en-US"/>
           </a:p>
@@ -3757,7 +3755,7 @@
           <a:p>
             <a:fld id="{DB69524A-C073-454F-AB03-A4CC800AABE5}" type="datetimeFigureOut">
               <a:rPr lang="en-US" smtClean="0"/>
-              <a:t>7/23/2020</a:t>
+              <a:t>7/24/2020</a:t>
             </a:fld>
             <a:endParaRPr lang="en-US"/>
           </a:p>
@@ -4034,7 +4032,7 @@
           <a:p>
             <a:fld id="{DB69524A-C073-454F-AB03-A4CC800AABE5}" type="datetimeFigureOut">
               <a:rPr lang="en-US" smtClean="0"/>
-              <a:t>7/23/2020</a:t>
+              <a:t>7/24/2020</a:t>
             </a:fld>
             <a:endParaRPr lang="en-US"/>
           </a:p>
@@ -4291,7 +4289,7 @@
           <a:p>
             <a:fld id="{DB69524A-C073-454F-AB03-A4CC800AABE5}" type="datetimeFigureOut">
               <a:rPr lang="en-US" smtClean="0"/>
-              <a:t>7/23/2020</a:t>
+              <a:t>7/24/2020</a:t>
             </a:fld>
             <a:endParaRPr lang="en-US"/>
           </a:p>
@@ -4504,7 +4502,7 @@
           <a:p>
             <a:fld id="{DB69524A-C073-454F-AB03-A4CC800AABE5}" type="datetimeFigureOut">
               <a:rPr lang="en-US" smtClean="0"/>
-              <a:t>7/23/2020</a:t>
+              <a:t>7/24/2020</a:t>
             </a:fld>
             <a:endParaRPr lang="en-US"/>
           </a:p>
@@ -11074,7 +11072,7 @@
                   <a:srgbClr val="FFFFFF"/>
                 </a:solidFill>
               </a:rPr>
-              <a:t>: Linear Regression</a:t>
+              <a:t>: Used Red Blood Cell Count </a:t>
             </a:r>
           </a:p>
         </p:txBody>
@@ -12758,13 +12756,13 @@
         </p:nvSpPr>
         <p:spPr>
           <a:xfrm>
-            <a:off x="4956703" y="614696"/>
-            <a:ext cx="6906491" cy="5430056"/>
+            <a:off x="4956704" y="614696"/>
+            <a:ext cx="6566940" cy="5430056"/>
           </a:xfrm>
         </p:spPr>
         <p:txBody>
           <a:bodyPr numCol="1" anchor="ctr">
-            <a:normAutofit/>
+            <a:normAutofit fontScale="92500" lnSpcReduction="10000"/>
           </a:bodyPr>
           <a:lstStyle/>
           <a:p>
@@ -12812,6 +12810,48 @@
             <a:r>
               <a:rPr lang="en-US" sz="3200" dirty="0"/>
               <a:t>Random Forest</a:t>
+            </a:r>
+          </a:p>
+          <a:p>
+            <a:r>
+              <a:rPr lang="en-US" sz="3600" dirty="0"/>
+              <a:t>Measures of Success:</a:t>
+            </a:r>
+          </a:p>
+          <a:p>
+            <a:pPr marL="971550" lvl="1" indent="-514350">
+              <a:buAutoNum type="arabicPeriod"/>
+            </a:pPr>
+            <a:r>
+              <a:rPr lang="en-US" sz="3200" dirty="0"/>
+              <a:t>Model beats Naïve Rule</a:t>
+            </a:r>
+          </a:p>
+          <a:p>
+            <a:pPr marL="971550" lvl="1" indent="-514350">
+              <a:buAutoNum type="arabicPeriod"/>
+            </a:pPr>
+            <a:r>
+              <a:rPr lang="en-US" sz="3200" dirty="0"/>
+              <a:t>Model validates</a:t>
+            </a:r>
+          </a:p>
+          <a:p>
+            <a:pPr marL="971550" lvl="1" indent="-514350">
+              <a:buAutoNum type="arabicPeriod"/>
+            </a:pPr>
+            <a:r>
+              <a:rPr lang="en-US" sz="3200" dirty="0"/>
+              <a:t>Model has highest validation/test hit rate</a:t>
+            </a:r>
+          </a:p>
+          <a:p>
+            <a:pPr marL="971550" lvl="1" indent="-514350">
+              <a:buAutoNum type="arabicPeriod"/>
+            </a:pPr>
+            <a:r>
+              <a:rPr lang="en-US" sz="3200" dirty="0"/>
+              <a:t>Model has high AUC </a:t>
             </a:r>
           </a:p>
         </p:txBody>
@@ -13162,10 +13202,10 @@
       </p:sp>
       <p:pic>
         <p:nvPicPr>
-          <p:cNvPr id="5" name="Picture 4">
-            <a:extLst>
-              <a:ext uri="{FF2B5EF4-FFF2-40B4-BE49-F238E27FC236}">
-                <a16:creationId xmlns:a16="http://schemas.microsoft.com/office/drawing/2014/main" id="{6701BA15-53BA-4015-9F83-E078B14963A1}"/>
+          <p:cNvPr id="4" name="Picture 3">
+            <a:extLst>
+              <a:ext uri="{FF2B5EF4-FFF2-40B4-BE49-F238E27FC236}">
+                <a16:creationId xmlns:a16="http://schemas.microsoft.com/office/drawing/2014/main" id="{1ACD7AEA-3917-42FC-B683-DE6231156324}"/>
               </a:ext>
             </a:extLst>
           </p:cNvPr>
@@ -13174,15 +13214,16 @@
           </p:cNvPicPr>
           <p:nvPr/>
         </p:nvPicPr>
-        <p:blipFill rotWithShape="1">
+        <p:blipFill>
           <a:blip r:embed="rId3"/>
-          <a:srcRect l="2341" t="3763" r="3161" b="2080"/>
-          <a:stretch/>
+          <a:stretch>
+            <a:fillRect/>
+          </a:stretch>
         </p:blipFill>
         <p:spPr>
           <a:xfrm>
-            <a:off x="4463142" y="783771"/>
-            <a:ext cx="6662057" cy="4680858"/>
+            <a:off x="4368875" y="319088"/>
+            <a:ext cx="6894468" cy="4582451"/>
           </a:xfrm>
           <a:prstGeom prst="rect">
             <a:avLst/>
@@ -13203,8 +13244,8 @@
         </p:nvSpPr>
         <p:spPr>
           <a:xfrm rot="10800000">
-            <a:off x="8681357" y="4286250"/>
-            <a:ext cx="195942" cy="549729"/>
+            <a:off x="9483997" y="4040194"/>
+            <a:ext cx="214010" cy="255417"/>
           </a:xfrm>
           <a:prstGeom prst="downArrow">
             <a:avLst/>
@@ -13249,7 +13290,7 @@
         </p:nvSpPr>
         <p:spPr>
           <a:xfrm>
-            <a:off x="8681357" y="3107871"/>
+            <a:off x="9483997" y="2610313"/>
             <a:ext cx="195942" cy="549729"/>
           </a:xfrm>
           <a:prstGeom prst="downArrow">
@@ -13823,35 +13864,6 @@
           </a:p>
         </p:txBody>
       </p:sp>
-      <p:pic>
-        <p:nvPicPr>
-          <p:cNvPr id="7" name="Picture 6">
-            <a:extLst>
-              <a:ext uri="{FF2B5EF4-FFF2-40B4-BE49-F238E27FC236}">
-                <a16:creationId xmlns:a16="http://schemas.microsoft.com/office/drawing/2014/main" id="{FB4D6FE4-B203-4911-B775-C5E796541622}"/>
-              </a:ext>
-            </a:extLst>
-          </p:cNvPr>
-          <p:cNvPicPr>
-            <a:picLocks noChangeAspect="1"/>
-          </p:cNvPicPr>
-          <p:nvPr/>
-        </p:nvPicPr>
-        <p:blipFill rotWithShape="1">
-          <a:blip r:embed="rId3"/>
-          <a:srcRect t="859"/>
-          <a:stretch/>
-        </p:blipFill>
-        <p:spPr>
-          <a:xfrm>
-            <a:off x="4865995" y="213377"/>
-            <a:ext cx="4907796" cy="6431246"/>
-          </a:xfrm>
-          <a:prstGeom prst="rect">
-            <a:avLst/>
-          </a:prstGeom>
-        </p:spPr>
-      </p:pic>
       <p:sp>
         <p:nvSpPr>
           <p:cNvPr id="3" name="Arrow: Right 2">
@@ -13866,7 +13878,7 @@
         </p:nvSpPr>
         <p:spPr>
           <a:xfrm>
-            <a:off x="4290352" y="3943349"/>
+            <a:off x="3805236" y="4632330"/>
             <a:ext cx="613303" cy="435429"/>
           </a:xfrm>
           <a:prstGeom prst="rightArrow">
@@ -13908,6 +13920,71 @@
       </p:sp>
       <p:sp>
         <p:nvSpPr>
+          <p:cNvPr id="6" name="TextBox 5">
+            <a:extLst>
+              <a:ext uri="{FF2B5EF4-FFF2-40B4-BE49-F238E27FC236}">
+                <a16:creationId xmlns:a16="http://schemas.microsoft.com/office/drawing/2014/main" id="{A2F738B0-AB80-4587-B539-2D697A5AA9AA}"/>
+              </a:ext>
+            </a:extLst>
+          </p:cNvPr>
+          <p:cNvSpPr txBox="1"/>
+          <p:nvPr/>
+        </p:nvSpPr>
+        <p:spPr>
+          <a:xfrm>
+            <a:off x="10291231" y="4497195"/>
+            <a:ext cx="1282231" cy="923330"/>
+          </a:xfrm>
+          <a:prstGeom prst="rect">
+            <a:avLst/>
+          </a:prstGeom>
+          <a:noFill/>
+        </p:spPr>
+        <p:txBody>
+          <a:bodyPr wrap="square" rtlCol="0">
+            <a:spAutoFit/>
+          </a:bodyPr>
+          <a:lstStyle/>
+          <a:p>
+            <a:r>
+              <a:rPr lang="en-US" b="1" dirty="0"/>
+              <a:t>This is the best K-NN model</a:t>
+            </a:r>
+          </a:p>
+        </p:txBody>
+      </p:sp>
+      <p:pic>
+        <p:nvPicPr>
+          <p:cNvPr id="8" name="Picture 7">
+            <a:extLst>
+              <a:ext uri="{FF2B5EF4-FFF2-40B4-BE49-F238E27FC236}">
+                <a16:creationId xmlns:a16="http://schemas.microsoft.com/office/drawing/2014/main" id="{04F689A6-1B03-42A3-87FA-0FB146C23393}"/>
+              </a:ext>
+            </a:extLst>
+          </p:cNvPr>
+          <p:cNvPicPr>
+            <a:picLocks noChangeAspect="1"/>
+          </p:cNvPicPr>
+          <p:nvPr/>
+        </p:nvPicPr>
+        <p:blipFill>
+          <a:blip r:embed="rId3"/>
+          <a:stretch>
+            <a:fillRect/>
+          </a:stretch>
+        </p:blipFill>
+        <p:spPr>
+          <a:xfrm>
+            <a:off x="4475433" y="319088"/>
+            <a:ext cx="5755425" cy="5892806"/>
+          </a:xfrm>
+          <a:prstGeom prst="rect">
+            <a:avLst/>
+          </a:prstGeom>
+        </p:spPr>
+      </p:pic>
+      <p:sp>
+        <p:nvSpPr>
           <p:cNvPr id="4" name="Rectangle: Rounded Corners 3">
             <a:extLst>
               <a:ext uri="{FF2B5EF4-FFF2-40B4-BE49-F238E27FC236}">
@@ -13920,14 +13997,14 @@
         </p:nvSpPr>
         <p:spPr>
           <a:xfrm>
-            <a:off x="4958443" y="4000498"/>
-            <a:ext cx="4713514" cy="321129"/>
+            <a:off x="4519038" y="4639912"/>
+            <a:ext cx="5582967" cy="427847"/>
           </a:xfrm>
           <a:prstGeom prst="roundRect">
             <a:avLst/>
           </a:prstGeom>
           <a:noFill/>
-          <a:ln w="38100">
+          <a:ln w="57150">
             <a:solidFill>
               <a:schemeClr val="accent2"/>
             </a:solidFill>
@@ -13955,41 +14032,6 @@
           <a:p>
             <a:pPr algn="ctr"/>
             <a:endParaRPr lang="en-US"/>
-          </a:p>
-        </p:txBody>
-      </p:sp>
-      <p:sp>
-        <p:nvSpPr>
-          <p:cNvPr id="6" name="TextBox 5">
-            <a:extLst>
-              <a:ext uri="{FF2B5EF4-FFF2-40B4-BE49-F238E27FC236}">
-                <a16:creationId xmlns:a16="http://schemas.microsoft.com/office/drawing/2014/main" id="{A2F738B0-AB80-4587-B539-2D697A5AA9AA}"/>
-              </a:ext>
-            </a:extLst>
-          </p:cNvPr>
-          <p:cNvSpPr txBox="1"/>
-          <p:nvPr/>
-        </p:nvSpPr>
-        <p:spPr>
-          <a:xfrm>
-            <a:off x="9773791" y="3850864"/>
-            <a:ext cx="2327739" cy="646331"/>
-          </a:xfrm>
-          <a:prstGeom prst="rect">
-            <a:avLst/>
-          </a:prstGeom>
-          <a:noFill/>
-        </p:spPr>
-        <p:txBody>
-          <a:bodyPr wrap="square" rtlCol="0">
-            <a:spAutoFit/>
-          </a:bodyPr>
-          <a:lstStyle/>
-          <a:p>
-            <a:r>
-              <a:rPr lang="en-US" b="1" dirty="0"/>
-              <a:t>This is the best K-NN model</a:t>
-            </a:r>
           </a:p>
         </p:txBody>
       </p:sp>
@@ -14563,13 +14605,13 @@
         </p:nvSpPr>
         <p:spPr>
           <a:xfrm>
-            <a:off x="4888179" y="591342"/>
-            <a:ext cx="6906491" cy="5585619"/>
+            <a:off x="4641599" y="88136"/>
+            <a:ext cx="7153071" cy="6769864"/>
           </a:xfrm>
         </p:spPr>
         <p:txBody>
           <a:bodyPr anchor="ctr">
-            <a:normAutofit fontScale="92500" lnSpcReduction="10000"/>
+            <a:normAutofit/>
           </a:bodyPr>
           <a:lstStyle/>
           <a:p>
@@ -14587,7 +14629,13 @@
           <a:p>
             <a:r>
               <a:rPr lang="en-US" sz="3200" dirty="0"/>
-              <a:t>Variable Analysis</a:t>
+              <a:t>Variable Analyses and Target Identification</a:t>
+            </a:r>
+          </a:p>
+          <a:p>
+            <a:r>
+              <a:rPr lang="en-US" sz="3200" dirty="0"/>
+              <a:t>Project Assumptions</a:t>
             </a:r>
           </a:p>
           <a:p>
@@ -14599,25 +14647,14 @@
           <a:p>
             <a:r>
               <a:rPr lang="en-US" sz="3200" dirty="0"/>
-              <a:t>Data Partition</a:t>
-            </a:r>
-          </a:p>
-          <a:p>
-            <a:r>
-              <a:rPr lang="en-US" sz="3200" dirty="0"/>
-              <a:t>Nearest Neighbor (K-NN)</a:t>
-            </a:r>
-          </a:p>
-          <a:p>
-            <a:r>
-              <a:rPr lang="en-US" sz="3200" dirty="0"/>
-              <a:t>Logistic Regression</a:t>
-            </a:r>
-          </a:p>
-          <a:p>
-            <a:r>
-              <a:rPr lang="en-US" sz="3200" dirty="0"/>
-              <a:t>Random Forest </a:t>
+              <a:t>Data Modeling</a:t>
+            </a:r>
+          </a:p>
+          <a:p>
+            <a:pPr lvl="1"/>
+            <a:r>
+              <a:rPr lang="en-US" sz="2800" dirty="0"/>
+              <a:t>Nearest Neighbor (K-NN), Logistic Regression, Random Forest </a:t>
             </a:r>
           </a:p>
           <a:p>
@@ -14975,12 +15012,106 @@
           </a:p>
         </p:txBody>
       </p:sp>
+      <p:sp>
+        <p:nvSpPr>
+          <p:cNvPr id="18" name="TextBox 17">
+            <a:extLst>
+              <a:ext uri="{FF2B5EF4-FFF2-40B4-BE49-F238E27FC236}">
+                <a16:creationId xmlns:a16="http://schemas.microsoft.com/office/drawing/2014/main" id="{1911CDBB-1989-4FFA-88FB-0B9EB9A4AB09}"/>
+              </a:ext>
+            </a:extLst>
+          </p:cNvPr>
+          <p:cNvSpPr txBox="1"/>
+          <p:nvPr/>
+        </p:nvSpPr>
+        <p:spPr>
+          <a:xfrm>
+            <a:off x="4849776" y="4180271"/>
+            <a:ext cx="5226346" cy="1815882"/>
+          </a:xfrm>
+          <a:prstGeom prst="rect">
+            <a:avLst/>
+          </a:prstGeom>
+          <a:noFill/>
+        </p:spPr>
+        <p:txBody>
+          <a:bodyPr wrap="square" rtlCol="0">
+            <a:spAutoFit/>
+          </a:bodyPr>
+          <a:lstStyle/>
+          <a:p>
+            <a:pPr marL="285750" indent="-285750">
+              <a:buFont typeface="Arial" panose="020B0604020202020204" pitchFamily="34" charset="0"/>
+              <a:buChar char="•"/>
+            </a:pPr>
+            <a:r>
+              <a:rPr lang="en-US" sz="2800" dirty="0"/>
+              <a:t>The best K-NN model at k = 15 </a:t>
+            </a:r>
+          </a:p>
+          <a:p>
+            <a:pPr marL="285750" indent="-285750">
+              <a:buFont typeface="Arial" panose="020B0604020202020204" pitchFamily="34" charset="0"/>
+              <a:buChar char="•"/>
+            </a:pPr>
+            <a:r>
+              <a:rPr lang="en-US" sz="2800" dirty="0"/>
+              <a:t>This model beats the Naïve Rule </a:t>
+            </a:r>
+          </a:p>
+          <a:p>
+            <a:pPr marL="285750" indent="-285750">
+              <a:buFont typeface="Arial" panose="020B0604020202020204" pitchFamily="34" charset="0"/>
+              <a:buChar char="•"/>
+            </a:pPr>
+            <a:r>
+              <a:rPr lang="en-US" sz="2800" dirty="0"/>
+              <a:t>However, this model does NOT validate</a:t>
+            </a:r>
+          </a:p>
+        </p:txBody>
+      </p:sp>
+      <p:sp>
+        <p:nvSpPr>
+          <p:cNvPr id="19" name="TextBox 18">
+            <a:extLst>
+              <a:ext uri="{FF2B5EF4-FFF2-40B4-BE49-F238E27FC236}">
+                <a16:creationId xmlns:a16="http://schemas.microsoft.com/office/drawing/2014/main" id="{7AB7607F-E0AF-44B3-BE2D-454036A357BD}"/>
+              </a:ext>
+            </a:extLst>
+          </p:cNvPr>
+          <p:cNvSpPr txBox="1"/>
+          <p:nvPr/>
+        </p:nvSpPr>
+        <p:spPr>
+          <a:xfrm>
+            <a:off x="6225245" y="521020"/>
+            <a:ext cx="2102102" cy="369332"/>
+          </a:xfrm>
+          <a:prstGeom prst="rect">
+            <a:avLst/>
+          </a:prstGeom>
+          <a:noFill/>
+        </p:spPr>
+        <p:txBody>
+          <a:bodyPr wrap="square" rtlCol="0">
+            <a:spAutoFit/>
+          </a:bodyPr>
+          <a:lstStyle/>
+          <a:p>
+            <a:r>
+              <a:rPr lang="en-US" b="1" dirty="0"/>
+              <a:t>ROC Plot</a:t>
+            </a:r>
+          </a:p>
+        </p:txBody>
+      </p:sp>
       <p:pic>
         <p:nvPicPr>
-          <p:cNvPr id="15" name="Picture 14">
-            <a:extLst>
-              <a:ext uri="{FF2B5EF4-FFF2-40B4-BE49-F238E27FC236}">
-                <a16:creationId xmlns:a16="http://schemas.microsoft.com/office/drawing/2014/main" id="{43DC5A4D-6620-4298-AEF5-FD5EC67291B6}"/>
+          <p:cNvPr id="12" name="Picture 11">
+            <a:extLst>
+              <a:ext uri="{FF2B5EF4-FFF2-40B4-BE49-F238E27FC236}">
+                <a16:creationId xmlns:a16="http://schemas.microsoft.com/office/drawing/2014/main" id="{3EA92138-B016-42BD-B569-BC2F59116B89}"/>
               </a:ext>
             </a:extLst>
           </p:cNvPr>
@@ -14989,15 +15120,16 @@
           </p:cNvPicPr>
           <p:nvPr/>
         </p:nvPicPr>
-        <p:blipFill rotWithShape="1">
+        <p:blipFill>
           <a:blip r:embed="rId3"/>
-          <a:srcRect l="3367"/>
-          <a:stretch/>
+          <a:stretch>
+            <a:fillRect/>
+          </a:stretch>
         </p:blipFill>
         <p:spPr>
           <a:xfrm>
-            <a:off x="4222833" y="479903"/>
-            <a:ext cx="4167271" cy="3397163"/>
+            <a:off x="8762459" y="890352"/>
+            <a:ext cx="3339135" cy="2538648"/>
           </a:xfrm>
           <a:prstGeom prst="rect">
             <a:avLst/>
@@ -15006,10 +15138,10 @@
       </p:pic>
       <p:pic>
         <p:nvPicPr>
-          <p:cNvPr id="11" name="Picture 10">
-            <a:extLst>
-              <a:ext uri="{FF2B5EF4-FFF2-40B4-BE49-F238E27FC236}">
-                <a16:creationId xmlns:a16="http://schemas.microsoft.com/office/drawing/2014/main" id="{6C812E38-6CA0-4C76-A31A-765FE2E52CA6}"/>
+          <p:cNvPr id="14" name="Picture 13">
+            <a:extLst>
+              <a:ext uri="{FF2B5EF4-FFF2-40B4-BE49-F238E27FC236}">
+                <a16:creationId xmlns:a16="http://schemas.microsoft.com/office/drawing/2014/main" id="{22BEEA55-29C8-43BB-BB7F-1C81DC33EC08}"/>
               </a:ext>
             </a:extLst>
           </p:cNvPr>
@@ -15026,8 +15158,8 @@
         </p:blipFill>
         <p:spPr>
           <a:xfrm>
-            <a:off x="8543136" y="362088"/>
-            <a:ext cx="3495833" cy="865652"/>
+            <a:off x="4163123" y="794914"/>
+            <a:ext cx="4599336" cy="3174763"/>
           </a:xfrm>
           <a:prstGeom prst="rect">
             <a:avLst/>
@@ -15036,10 +15168,10 @@
       </p:pic>
       <p:pic>
         <p:nvPicPr>
-          <p:cNvPr id="9" name="Picture 8">
-            <a:extLst>
-              <a:ext uri="{FF2B5EF4-FFF2-40B4-BE49-F238E27FC236}">
-                <a16:creationId xmlns:a16="http://schemas.microsoft.com/office/drawing/2014/main" id="{1B93CF7F-05D1-4700-84BB-FD62C77C8DBD}"/>
+          <p:cNvPr id="17" name="Picture 16">
+            <a:extLst>
+              <a:ext uri="{FF2B5EF4-FFF2-40B4-BE49-F238E27FC236}">
+                <a16:creationId xmlns:a16="http://schemas.microsoft.com/office/drawing/2014/main" id="{B4362CE7-2C67-440D-BA40-EF30CAB96E96}"/>
               </a:ext>
             </a:extLst>
           </p:cNvPr>
@@ -15056,108 +15188,14 @@
         </p:blipFill>
         <p:spPr>
           <a:xfrm>
-            <a:off x="8544755" y="1247348"/>
-            <a:ext cx="3494213" cy="2447507"/>
+            <a:off x="8762458" y="186692"/>
+            <a:ext cx="3339135" cy="680795"/>
           </a:xfrm>
           <a:prstGeom prst="rect">
             <a:avLst/>
           </a:prstGeom>
         </p:spPr>
       </p:pic>
-      <p:sp>
-        <p:nvSpPr>
-          <p:cNvPr id="18" name="TextBox 17">
-            <a:extLst>
-              <a:ext uri="{FF2B5EF4-FFF2-40B4-BE49-F238E27FC236}">
-                <a16:creationId xmlns:a16="http://schemas.microsoft.com/office/drawing/2014/main" id="{1911CDBB-1989-4FFA-88FB-0B9EB9A4AB09}"/>
-              </a:ext>
-            </a:extLst>
-          </p:cNvPr>
-          <p:cNvSpPr txBox="1"/>
-          <p:nvPr/>
-        </p:nvSpPr>
-        <p:spPr>
-          <a:xfrm>
-            <a:off x="4793954" y="4467647"/>
-            <a:ext cx="5226346" cy="1384995"/>
-          </a:xfrm>
-          <a:prstGeom prst="rect">
-            <a:avLst/>
-          </a:prstGeom>
-          <a:noFill/>
-        </p:spPr>
-        <p:txBody>
-          <a:bodyPr wrap="square" rtlCol="0">
-            <a:spAutoFit/>
-          </a:bodyPr>
-          <a:lstStyle/>
-          <a:p>
-            <a:pPr marL="285750" indent="-285750">
-              <a:buFont typeface="Arial" panose="020B0604020202020204" pitchFamily="34" charset="0"/>
-              <a:buChar char="•"/>
-            </a:pPr>
-            <a:r>
-              <a:rPr lang="en-US" sz="2800" dirty="0"/>
-              <a:t>The best K-NN model at k = 12 </a:t>
-            </a:r>
-          </a:p>
-          <a:p>
-            <a:pPr marL="285750" indent="-285750">
-              <a:buFont typeface="Arial" panose="020B0604020202020204" pitchFamily="34" charset="0"/>
-              <a:buChar char="•"/>
-            </a:pPr>
-            <a:r>
-              <a:rPr lang="en-US" sz="2800" dirty="0"/>
-              <a:t>This model beats the Naïve Rule </a:t>
-            </a:r>
-          </a:p>
-          <a:p>
-            <a:pPr marL="285750" indent="-285750">
-              <a:buFont typeface="Arial" panose="020B0604020202020204" pitchFamily="34" charset="0"/>
-              <a:buChar char="•"/>
-            </a:pPr>
-            <a:r>
-              <a:rPr lang="en-US" sz="2800" dirty="0"/>
-              <a:t>This model does NOT validate</a:t>
-            </a:r>
-          </a:p>
-        </p:txBody>
-      </p:sp>
-      <p:sp>
-        <p:nvSpPr>
-          <p:cNvPr id="19" name="TextBox 18">
-            <a:extLst>
-              <a:ext uri="{FF2B5EF4-FFF2-40B4-BE49-F238E27FC236}">
-                <a16:creationId xmlns:a16="http://schemas.microsoft.com/office/drawing/2014/main" id="{7AB7607F-E0AF-44B3-BE2D-454036A357BD}"/>
-              </a:ext>
-            </a:extLst>
-          </p:cNvPr>
-          <p:cNvSpPr txBox="1"/>
-          <p:nvPr/>
-        </p:nvSpPr>
-        <p:spPr>
-          <a:xfrm>
-            <a:off x="6019114" y="360047"/>
-            <a:ext cx="2102102" cy="369332"/>
-          </a:xfrm>
-          <a:prstGeom prst="rect">
-            <a:avLst/>
-          </a:prstGeom>
-          <a:noFill/>
-        </p:spPr>
-        <p:txBody>
-          <a:bodyPr wrap="square" rtlCol="0">
-            <a:spAutoFit/>
-          </a:bodyPr>
-          <a:lstStyle/>
-          <a:p>
-            <a:r>
-              <a:rPr lang="en-US" b="1" dirty="0"/>
-              <a:t>ROC Plot</a:t>
-            </a:r>
-          </a:p>
-        </p:txBody>
-      </p:sp>
     </p:spTree>
     <p:extLst>
       <p:ext uri="{BB962C8B-B14F-4D97-AF65-F5344CB8AC3E}">
@@ -16079,8 +16117,8 @@
         </p:nvSpPr>
         <p:spPr>
           <a:xfrm>
-            <a:off x="9250135" y="1001308"/>
-            <a:ext cx="2770414" cy="3970318"/>
+            <a:off x="9190140" y="862708"/>
+            <a:ext cx="2300453" cy="3416320"/>
           </a:xfrm>
           <a:prstGeom prst="rect">
             <a:avLst/>
@@ -16093,23 +16131,9 @@
           </a:bodyPr>
           <a:lstStyle/>
           <a:p>
-            <a:pPr marL="285750" indent="-285750">
-              <a:buFont typeface="Arial" panose="020B0604020202020204" pitchFamily="34" charset="0"/>
-              <a:buChar char="•"/>
-            </a:pPr>
-            <a:r>
-              <a:rPr lang="en-US" sz="2800" dirty="0"/>
-              <a:t>Many variables were included in the model</a:t>
-            </a:r>
-          </a:p>
-          <a:p>
-            <a:pPr marL="285750" indent="-285750">
-              <a:buFont typeface="Arial" panose="020B0604020202020204" pitchFamily="34" charset="0"/>
-              <a:buChar char="•"/>
-            </a:pPr>
-            <a:r>
-              <a:rPr lang="en-US" sz="2800" dirty="0"/>
-              <a:t>We may need to reduce the amount of variables for optimal ODDS ratio</a:t>
+            <a:r>
+              <a:rPr lang="en-US" sz="2400" b="1" dirty="0"/>
+              <a:t>We may need to reduce the amount of variables to lessen the impact of multicollinearity within the model</a:t>
             </a:r>
           </a:p>
         </p:txBody>
@@ -18966,12 +18990,50 @@
           </a:p>
         </p:txBody>
       </p:sp>
+      <p:sp>
+        <p:nvSpPr>
+          <p:cNvPr id="6" name="TextBox 5">
+            <a:extLst>
+              <a:ext uri="{FF2B5EF4-FFF2-40B4-BE49-F238E27FC236}">
+                <a16:creationId xmlns:a16="http://schemas.microsoft.com/office/drawing/2014/main" id="{3128BA56-567D-4724-B302-1967ED6685AF}"/>
+              </a:ext>
+            </a:extLst>
+          </p:cNvPr>
+          <p:cNvSpPr txBox="1"/>
+          <p:nvPr/>
+        </p:nvSpPr>
+        <p:spPr>
+          <a:xfrm>
+            <a:off x="4879611" y="56606"/>
+            <a:ext cx="1945732" cy="646331"/>
+          </a:xfrm>
+          <a:prstGeom prst="rect">
+            <a:avLst/>
+          </a:prstGeom>
+          <a:noFill/>
+        </p:spPr>
+        <p:txBody>
+          <a:bodyPr wrap="square" rtlCol="0">
+            <a:spAutoFit/>
+          </a:bodyPr>
+          <a:lstStyle/>
+          <a:p>
+            <a:r>
+              <a:rPr lang="en-US" b="1" dirty="0"/>
+              <a:t>Nearest Neighbor</a:t>
+            </a:r>
+          </a:p>
+          <a:p>
+            <a:endParaRPr lang="en-US" dirty="0"/>
+          </a:p>
+        </p:txBody>
+      </p:sp>
       <p:pic>
         <p:nvPicPr>
-          <p:cNvPr id="5" name="Picture 4">
-            <a:extLst>
-              <a:ext uri="{FF2B5EF4-FFF2-40B4-BE49-F238E27FC236}">
-                <a16:creationId xmlns:a16="http://schemas.microsoft.com/office/drawing/2014/main" id="{45ADB22F-120D-4073-B17A-0700F7CEB6DC}"/>
+          <p:cNvPr id="12" name="Picture 11">
+            <a:extLst>
+              <a:ext uri="{FF2B5EF4-FFF2-40B4-BE49-F238E27FC236}">
+                <a16:creationId xmlns:a16="http://schemas.microsoft.com/office/drawing/2014/main" id="{1E00C487-FC7A-45FD-9EB6-702E4C1A078D}"/>
               </a:ext>
             </a:extLst>
           </p:cNvPr>
@@ -18988,8 +19050,8 @@
         </p:blipFill>
         <p:spPr>
           <a:xfrm>
-            <a:off x="4452598" y="443968"/>
-            <a:ext cx="2697505" cy="2571773"/>
+            <a:off x="8697686" y="443969"/>
+            <a:ext cx="2771774" cy="2577062"/>
           </a:xfrm>
           <a:prstGeom prst="rect">
             <a:avLst/>
@@ -18998,48 +19060,44 @@
       </p:pic>
       <p:sp>
         <p:nvSpPr>
-          <p:cNvPr id="6" name="TextBox 5">
-            <a:extLst>
-              <a:ext uri="{FF2B5EF4-FFF2-40B4-BE49-F238E27FC236}">
-                <a16:creationId xmlns:a16="http://schemas.microsoft.com/office/drawing/2014/main" id="{3128BA56-567D-4724-B302-1967ED6685AF}"/>
-              </a:ext>
-            </a:extLst>
-          </p:cNvPr>
-          <p:cNvSpPr txBox="1"/>
+          <p:cNvPr id="13" name="Rectangle 12">
+            <a:extLst>
+              <a:ext uri="{FF2B5EF4-FFF2-40B4-BE49-F238E27FC236}">
+                <a16:creationId xmlns:a16="http://schemas.microsoft.com/office/drawing/2014/main" id="{C7BFBF60-F8EA-4A6B-89F9-3E082E114128}"/>
+              </a:ext>
+            </a:extLst>
+          </p:cNvPr>
+          <p:cNvSpPr/>
           <p:nvPr/>
         </p:nvSpPr>
         <p:spPr>
           <a:xfrm>
-            <a:off x="4879611" y="56606"/>
-            <a:ext cx="1945732" cy="646331"/>
+            <a:off x="9109588" y="56606"/>
+            <a:ext cx="2168012" cy="369332"/>
           </a:xfrm>
           <a:prstGeom prst="rect">
             <a:avLst/>
           </a:prstGeom>
-          <a:noFill/>
-        </p:spPr>
-        <p:txBody>
-          <a:bodyPr wrap="square" rtlCol="0">
+        </p:spPr>
+        <p:txBody>
+          <a:bodyPr wrap="square">
             <a:spAutoFit/>
           </a:bodyPr>
           <a:lstStyle/>
           <a:p>
             <a:r>
               <a:rPr lang="en-US" b="1" dirty="0"/>
-              <a:t>Nearest Neighbor</a:t>
-            </a:r>
-          </a:p>
-          <a:p>
-            <a:endParaRPr lang="en-US" dirty="0"/>
+              <a:t>Logistic Regression</a:t>
+            </a:r>
           </a:p>
         </p:txBody>
       </p:sp>
       <p:pic>
         <p:nvPicPr>
-          <p:cNvPr id="8" name="Picture 7">
-            <a:extLst>
-              <a:ext uri="{FF2B5EF4-FFF2-40B4-BE49-F238E27FC236}">
-                <a16:creationId xmlns:a16="http://schemas.microsoft.com/office/drawing/2014/main" id="{EFEA9AC5-D0FC-4D2C-B9BE-9DD3AD85569B}"/>
+          <p:cNvPr id="15" name="Picture 14">
+            <a:extLst>
+              <a:ext uri="{FF2B5EF4-FFF2-40B4-BE49-F238E27FC236}">
+                <a16:creationId xmlns:a16="http://schemas.microsoft.com/office/drawing/2014/main" id="{28059A91-9955-48B6-B716-C217E3957484}"/>
               </a:ext>
             </a:extLst>
           </p:cNvPr>
@@ -19056,8 +19114,8 @@
         </p:blipFill>
         <p:spPr>
           <a:xfrm>
-            <a:off x="4429899" y="3232163"/>
-            <a:ext cx="3054671" cy="686292"/>
+            <a:off x="8560301" y="3237209"/>
+            <a:ext cx="3469605" cy="681246"/>
           </a:xfrm>
           <a:prstGeom prst="rect">
             <a:avLst/>
@@ -19066,10 +19124,10 @@
       </p:pic>
       <p:pic>
         <p:nvPicPr>
-          <p:cNvPr id="10" name="Picture 9">
-            <a:extLst>
-              <a:ext uri="{FF2B5EF4-FFF2-40B4-BE49-F238E27FC236}">
-                <a16:creationId xmlns:a16="http://schemas.microsoft.com/office/drawing/2014/main" id="{B85DEC6A-88ED-48D4-A0DB-33892807DD55}"/>
+          <p:cNvPr id="17" name="Picture 16">
+            <a:extLst>
+              <a:ext uri="{FF2B5EF4-FFF2-40B4-BE49-F238E27FC236}">
+                <a16:creationId xmlns:a16="http://schemas.microsoft.com/office/drawing/2014/main" id="{C3EF01BD-99BD-4C8C-8252-F0FD19BE88F2}"/>
               </a:ext>
             </a:extLst>
           </p:cNvPr>
@@ -19086,8 +19144,8 @@
         </p:blipFill>
         <p:spPr>
           <a:xfrm>
-            <a:off x="4233104" y="4036181"/>
-            <a:ext cx="4017430" cy="2795540"/>
+            <a:off x="8226098" y="4019537"/>
+            <a:ext cx="3880322" cy="2750838"/>
           </a:xfrm>
           <a:prstGeom prst="rect">
             <a:avLst/>
@@ -19096,10 +19154,10 @@
       </p:pic>
       <p:pic>
         <p:nvPicPr>
-          <p:cNvPr id="12" name="Picture 11">
-            <a:extLst>
-              <a:ext uri="{FF2B5EF4-FFF2-40B4-BE49-F238E27FC236}">
-                <a16:creationId xmlns:a16="http://schemas.microsoft.com/office/drawing/2014/main" id="{1E00C487-FC7A-45FD-9EB6-702E4C1A078D}"/>
+          <p:cNvPr id="19" name="Picture 18">
+            <a:extLst>
+              <a:ext uri="{FF2B5EF4-FFF2-40B4-BE49-F238E27FC236}">
+                <a16:creationId xmlns:a16="http://schemas.microsoft.com/office/drawing/2014/main" id="{A7F602E5-5791-447D-B6AB-FAB5992A3419}"/>
               </a:ext>
             </a:extLst>
           </p:cNvPr>
@@ -19116,131 +19174,7 @@
         </p:blipFill>
         <p:spPr>
           <a:xfrm>
-            <a:off x="8697686" y="443969"/>
-            <a:ext cx="2771774" cy="2577062"/>
-          </a:xfrm>
-          <a:prstGeom prst="rect">
-            <a:avLst/>
-          </a:prstGeom>
-        </p:spPr>
-      </p:pic>
-      <p:sp>
-        <p:nvSpPr>
-          <p:cNvPr id="13" name="Rectangle 12">
-            <a:extLst>
-              <a:ext uri="{FF2B5EF4-FFF2-40B4-BE49-F238E27FC236}">
-                <a16:creationId xmlns:a16="http://schemas.microsoft.com/office/drawing/2014/main" id="{C7BFBF60-F8EA-4A6B-89F9-3E082E114128}"/>
-              </a:ext>
-            </a:extLst>
-          </p:cNvPr>
-          <p:cNvSpPr/>
-          <p:nvPr/>
-        </p:nvSpPr>
-        <p:spPr>
-          <a:xfrm>
-            <a:off x="9109588" y="56606"/>
-            <a:ext cx="2168012" cy="369332"/>
-          </a:xfrm>
-          <a:prstGeom prst="rect">
-            <a:avLst/>
-          </a:prstGeom>
-        </p:spPr>
-        <p:txBody>
-          <a:bodyPr wrap="square">
-            <a:spAutoFit/>
-          </a:bodyPr>
-          <a:lstStyle/>
-          <a:p>
-            <a:r>
-              <a:rPr lang="en-US" b="1" dirty="0"/>
-              <a:t>Logistic Regression</a:t>
-            </a:r>
-          </a:p>
-        </p:txBody>
-      </p:sp>
-      <p:pic>
-        <p:nvPicPr>
-          <p:cNvPr id="15" name="Picture 14">
-            <a:extLst>
-              <a:ext uri="{FF2B5EF4-FFF2-40B4-BE49-F238E27FC236}">
-                <a16:creationId xmlns:a16="http://schemas.microsoft.com/office/drawing/2014/main" id="{28059A91-9955-48B6-B716-C217E3957484}"/>
-              </a:ext>
-            </a:extLst>
-          </p:cNvPr>
-          <p:cNvPicPr>
-            <a:picLocks noChangeAspect="1"/>
-          </p:cNvPicPr>
-          <p:nvPr/>
-        </p:nvPicPr>
-        <p:blipFill>
-          <a:blip r:embed="rId6"/>
-          <a:stretch>
-            <a:fillRect/>
-          </a:stretch>
-        </p:blipFill>
-        <p:spPr>
-          <a:xfrm>
-            <a:off x="8560301" y="3237209"/>
-            <a:ext cx="3469605" cy="681246"/>
-          </a:xfrm>
-          <a:prstGeom prst="rect">
-            <a:avLst/>
-          </a:prstGeom>
-        </p:spPr>
-      </p:pic>
-      <p:pic>
-        <p:nvPicPr>
-          <p:cNvPr id="17" name="Picture 16">
-            <a:extLst>
-              <a:ext uri="{FF2B5EF4-FFF2-40B4-BE49-F238E27FC236}">
-                <a16:creationId xmlns:a16="http://schemas.microsoft.com/office/drawing/2014/main" id="{C3EF01BD-99BD-4C8C-8252-F0FD19BE88F2}"/>
-              </a:ext>
-            </a:extLst>
-          </p:cNvPr>
-          <p:cNvPicPr>
-            <a:picLocks noChangeAspect="1"/>
-          </p:cNvPicPr>
-          <p:nvPr/>
-        </p:nvPicPr>
-        <p:blipFill>
-          <a:blip r:embed="rId7"/>
-          <a:stretch>
-            <a:fillRect/>
-          </a:stretch>
-        </p:blipFill>
-        <p:spPr>
-          <a:xfrm>
-            <a:off x="8226098" y="4019537"/>
-            <a:ext cx="3880322" cy="2750838"/>
-          </a:xfrm>
-          <a:prstGeom prst="rect">
-            <a:avLst/>
-          </a:prstGeom>
-        </p:spPr>
-      </p:pic>
-      <p:pic>
-        <p:nvPicPr>
-          <p:cNvPr id="19" name="Picture 18">
-            <a:extLst>
-              <a:ext uri="{FF2B5EF4-FFF2-40B4-BE49-F238E27FC236}">
-                <a16:creationId xmlns:a16="http://schemas.microsoft.com/office/drawing/2014/main" id="{A7F602E5-5791-447D-B6AB-FAB5992A3419}"/>
-              </a:ext>
-            </a:extLst>
-          </p:cNvPr>
-          <p:cNvPicPr>
-            <a:picLocks noChangeAspect="1"/>
-          </p:cNvPicPr>
-          <p:nvPr/>
-        </p:nvPicPr>
-        <p:blipFill>
-          <a:blip r:embed="rId8"/>
-          <a:stretch>
-            <a:fillRect/>
-          </a:stretch>
-        </p:blipFill>
-        <p:spPr>
-          <a:xfrm>
-            <a:off x="6096000" y="3935100"/>
+            <a:off x="5747655" y="3942567"/>
             <a:ext cx="696686" cy="253340"/>
           </a:xfrm>
           <a:prstGeom prst="rect">
@@ -19352,6 +19286,96 @@
           </a:p>
         </p:txBody>
       </p:sp>
+      <p:pic>
+        <p:nvPicPr>
+          <p:cNvPr id="4" name="Picture 3">
+            <a:extLst>
+              <a:ext uri="{FF2B5EF4-FFF2-40B4-BE49-F238E27FC236}">
+                <a16:creationId xmlns:a16="http://schemas.microsoft.com/office/drawing/2014/main" id="{4DC20446-354A-4FAF-B06A-D2FE8BF62F0D}"/>
+              </a:ext>
+            </a:extLst>
+          </p:cNvPr>
+          <p:cNvPicPr>
+            <a:picLocks noChangeAspect="1"/>
+          </p:cNvPicPr>
+          <p:nvPr/>
+        </p:nvPicPr>
+        <p:blipFill>
+          <a:blip r:embed="rId6"/>
+          <a:stretch>
+            <a:fillRect/>
+          </a:stretch>
+        </p:blipFill>
+        <p:spPr>
+          <a:xfrm>
+            <a:off x="4469028" y="464193"/>
+            <a:ext cx="2916999" cy="2709107"/>
+          </a:xfrm>
+          <a:prstGeom prst="rect">
+            <a:avLst/>
+          </a:prstGeom>
+        </p:spPr>
+      </p:pic>
+      <p:pic>
+        <p:nvPicPr>
+          <p:cNvPr id="9" name="Picture 8">
+            <a:extLst>
+              <a:ext uri="{FF2B5EF4-FFF2-40B4-BE49-F238E27FC236}">
+                <a16:creationId xmlns:a16="http://schemas.microsoft.com/office/drawing/2014/main" id="{157CB55D-CB0C-423F-B0E3-1190DAB77E08}"/>
+              </a:ext>
+            </a:extLst>
+          </p:cNvPr>
+          <p:cNvPicPr>
+            <a:picLocks noChangeAspect="1"/>
+          </p:cNvPicPr>
+          <p:nvPr/>
+        </p:nvPicPr>
+        <p:blipFill>
+          <a:blip r:embed="rId7"/>
+          <a:stretch>
+            <a:fillRect/>
+          </a:stretch>
+        </p:blipFill>
+        <p:spPr>
+          <a:xfrm>
+            <a:off x="4492215" y="3228822"/>
+            <a:ext cx="3092885" cy="626120"/>
+          </a:xfrm>
+          <a:prstGeom prst="rect">
+            <a:avLst/>
+          </a:prstGeom>
+        </p:spPr>
+      </p:pic>
+      <p:pic>
+        <p:nvPicPr>
+          <p:cNvPr id="14" name="Picture 13">
+            <a:extLst>
+              <a:ext uri="{FF2B5EF4-FFF2-40B4-BE49-F238E27FC236}">
+                <a16:creationId xmlns:a16="http://schemas.microsoft.com/office/drawing/2014/main" id="{209BBDFC-2772-453B-8421-612E670E5AF5}"/>
+              </a:ext>
+            </a:extLst>
+          </p:cNvPr>
+          <p:cNvPicPr>
+            <a:picLocks noChangeAspect="1"/>
+          </p:cNvPicPr>
+          <p:nvPr/>
+        </p:nvPicPr>
+        <p:blipFill>
+          <a:blip r:embed="rId8"/>
+          <a:stretch>
+            <a:fillRect/>
+          </a:stretch>
+        </p:blipFill>
+        <p:spPr>
+          <a:xfrm>
+            <a:off x="4238265" y="4188440"/>
+            <a:ext cx="3715467" cy="2581935"/>
+          </a:xfrm>
+          <a:prstGeom prst="rect">
+            <a:avLst/>
+          </a:prstGeom>
+        </p:spPr>
+      </p:pic>
     </p:spTree>
     <p:extLst>
       <p:ext uri="{BB962C8B-B14F-4D97-AF65-F5344CB8AC3E}">
@@ -19940,8 +19964,8 @@
         </p:nvSpPr>
         <p:spPr>
           <a:xfrm>
-            <a:off x="4871357" y="2895600"/>
-            <a:ext cx="3970292" cy="2308324"/>
+            <a:off x="4695588" y="2917634"/>
+            <a:ext cx="4305300" cy="2308324"/>
           </a:xfrm>
           <a:prstGeom prst="rect">
             <a:avLst/>
@@ -19990,7 +20014,7 @@
           <a:p>
             <a:r>
               <a:rPr lang="en-US" sz="2400" dirty="0"/>
-              <a:t>	- Has the highest hit rate 		   and ROC</a:t>
+              <a:t>	- Has the highest validation 		   hit rate and ROC</a:t>
             </a:r>
           </a:p>
           <a:p>
@@ -20352,7 +20376,7 @@
         </p:nvSpPr>
         <p:spPr>
           <a:xfrm>
-            <a:off x="183672" y="1104586"/>
+            <a:off x="119028" y="1137243"/>
             <a:ext cx="3888378" cy="4461163"/>
           </a:xfrm>
         </p:spPr>
@@ -20363,27 +20387,12 @@
           <a:lstStyle/>
           <a:p>
             <a:r>
-              <a:rPr lang="en-US" sz="6000" b="1" dirty="0">
+              <a:rPr lang="en-US" sz="3800" b="1" dirty="0">
                 <a:solidFill>
                   <a:srgbClr val="FFFFFF"/>
                 </a:solidFill>
               </a:rPr>
-              <a:t>Conclusion:</a:t>
-            </a:r>
-            <a:br>
-              <a:rPr lang="en-US" sz="6000" b="1" dirty="0">
-                <a:solidFill>
-                  <a:srgbClr val="FFFFFF"/>
-                </a:solidFill>
-              </a:rPr>
-            </a:br>
-            <a:r>
-              <a:rPr lang="en-US" sz="6000" b="1" dirty="0">
-                <a:solidFill>
-                  <a:srgbClr val="FFFFFF"/>
-                </a:solidFill>
-              </a:rPr>
-              <a:t>Significant Findings</a:t>
+              <a:t>Model Improvement and Recommendations</a:t>
             </a:r>
           </a:p>
         </p:txBody>
@@ -20451,115 +20460,78 @@
       </p:sp>
       <p:sp>
         <p:nvSpPr>
-          <p:cNvPr id="4" name="TextBox 3">
-            <a:extLst>
-              <a:ext uri="{FF2B5EF4-FFF2-40B4-BE49-F238E27FC236}">
-                <a16:creationId xmlns:a16="http://schemas.microsoft.com/office/drawing/2014/main" id="{BCFD1A05-EEBA-4B3B-BC77-BECC40C12B42}"/>
-              </a:ext>
-            </a:extLst>
-          </p:cNvPr>
-          <p:cNvSpPr txBox="1"/>
-          <p:nvPr/>
-        </p:nvSpPr>
-        <p:spPr>
-          <a:xfrm>
-            <a:off x="4167272" y="100020"/>
-            <a:ext cx="6286501" cy="646331"/>
-          </a:xfrm>
-          <a:prstGeom prst="rect">
-            <a:avLst/>
-          </a:prstGeom>
-          <a:noFill/>
-        </p:spPr>
-        <p:txBody>
-          <a:bodyPr wrap="square" rtlCol="0">
-            <a:spAutoFit/>
+          <p:cNvPr id="3" name="Content Placeholder 2">
+            <a:extLst>
+              <a:ext uri="{FF2B5EF4-FFF2-40B4-BE49-F238E27FC236}">
+                <a16:creationId xmlns:a16="http://schemas.microsoft.com/office/drawing/2014/main" id="{4ECBC655-D844-4CCC-8C55-B25FDEA40DF1}"/>
+              </a:ext>
+            </a:extLst>
+          </p:cNvPr>
+          <p:cNvSpPr>
+            <a:spLocks noGrp="1"/>
+          </p:cNvSpPr>
+          <p:nvPr>
+            <p:ph idx="1"/>
+          </p:nvPr>
+        </p:nvSpPr>
+        <p:spPr>
+          <a:xfrm>
+            <a:off x="3476067" y="319088"/>
+            <a:ext cx="7665462" cy="6025242"/>
+          </a:xfrm>
+        </p:spPr>
+        <p:txBody>
+          <a:bodyPr numCol="1" anchor="ctr">
+            <a:normAutofit/>
           </a:bodyPr>
           <a:lstStyle/>
           <a:p>
-            <a:r>
-              <a:rPr lang="en-US" b="1" dirty="0"/>
-              <a:t>The most significant predictors for the Random Forest model:</a:t>
-            </a:r>
-          </a:p>
-          <a:p>
-            <a:endParaRPr lang="en-US" dirty="0"/>
-          </a:p>
-        </p:txBody>
-      </p:sp>
-      <p:pic>
-        <p:nvPicPr>
-          <p:cNvPr id="8" name="Picture 7">
-            <a:extLst>
-              <a:ext uri="{FF2B5EF4-FFF2-40B4-BE49-F238E27FC236}">
-                <a16:creationId xmlns:a16="http://schemas.microsoft.com/office/drawing/2014/main" id="{FB2FEDD8-5686-4881-B267-BFB6E24E5807}"/>
-              </a:ext>
-            </a:extLst>
-          </p:cNvPr>
-          <p:cNvPicPr>
-            <a:picLocks noChangeAspect="1"/>
-          </p:cNvPicPr>
-          <p:nvPr/>
-        </p:nvPicPr>
-        <p:blipFill>
-          <a:blip r:embed="rId2"/>
-          <a:stretch>
-            <a:fillRect/>
-          </a:stretch>
-        </p:blipFill>
-        <p:spPr>
-          <a:xfrm>
-            <a:off x="4072049" y="591915"/>
-            <a:ext cx="7621437" cy="1694835"/>
-          </a:xfrm>
-          <a:prstGeom prst="rect">
-            <a:avLst/>
-          </a:prstGeom>
-        </p:spPr>
-      </p:pic>
-      <p:sp>
-        <p:nvSpPr>
-          <p:cNvPr id="9" name="TextBox 8">
-            <a:extLst>
-              <a:ext uri="{FF2B5EF4-FFF2-40B4-BE49-F238E27FC236}">
-                <a16:creationId xmlns:a16="http://schemas.microsoft.com/office/drawing/2014/main" id="{D59EA12D-5BF4-48FF-9556-F83E949131DC}"/>
-              </a:ext>
-            </a:extLst>
-          </p:cNvPr>
-          <p:cNvSpPr txBox="1"/>
-          <p:nvPr/>
-        </p:nvSpPr>
-        <p:spPr>
-          <a:xfrm>
-            <a:off x="4347896" y="2431811"/>
-            <a:ext cx="6996028" cy="1200329"/>
-          </a:xfrm>
-          <a:prstGeom prst="rect">
-            <a:avLst/>
-          </a:prstGeom>
-          <a:noFill/>
-        </p:spPr>
-        <p:txBody>
-          <a:bodyPr wrap="square" rtlCol="0">
-            <a:spAutoFit/>
-          </a:bodyPr>
-          <a:lstStyle/>
-          <a:p>
-            <a:r>
-              <a:rPr lang="en-US" b="1" dirty="0"/>
-              <a:t>When trying to predict whether a patient has Chronic Kidney Disease, doctors should emphasize their focus on several different factors:</a:t>
-            </a:r>
-          </a:p>
-          <a:p>
-            <a:r>
-              <a:rPr lang="en-US" b="1" dirty="0"/>
-              <a:t>	1. Hemoglobin is the leading significant variable</a:t>
-            </a:r>
-          </a:p>
-          <a:p>
-            <a:r>
-              <a:rPr lang="en-US" b="1" dirty="0"/>
-              <a:t>	2. </a:t>
+            <a:pPr lvl="2"/>
+            <a:r>
+              <a:rPr lang="en-US" sz="3200" dirty="0"/>
+              <a:t>Data mining is an iterative process</a:t>
+            </a:r>
+          </a:p>
+          <a:p>
+            <a:pPr lvl="2"/>
+            <a:r>
+              <a:rPr lang="en-US" sz="3200" dirty="0"/>
+              <a:t>Remove multicollinearity</a:t>
+            </a:r>
+          </a:p>
+          <a:p>
+            <a:pPr lvl="2"/>
+            <a:r>
+              <a:rPr lang="en-US" sz="3200" dirty="0"/>
+              <a:t>Explore other data partitioning splits</a:t>
+            </a:r>
+          </a:p>
+          <a:p>
+            <a:pPr lvl="2"/>
+            <a:r>
+              <a:rPr lang="en-US" sz="3200" dirty="0"/>
+              <a:t>Evaluate other models, such as:</a:t>
+            </a:r>
+          </a:p>
+          <a:p>
+            <a:pPr lvl="3"/>
+            <a:r>
+              <a:rPr lang="en-US" sz="2800" dirty="0"/>
+              <a:t>Logistic Regression: Forward, Backward, Stepwise selection, and Best Subset</a:t>
+            </a:r>
+          </a:p>
+          <a:p>
+            <a:pPr lvl="3"/>
+            <a:r>
+              <a:rPr lang="en-US" sz="2800" dirty="0"/>
+              <a:t>QCF, LCF, and Ensemble method</a:t>
+            </a:r>
+          </a:p>
+          <a:p>
+            <a:pPr lvl="2"/>
+            <a:r>
+              <a:rPr lang="en-US" sz="3200" dirty="0"/>
+              <a:t>Overall, we want to increase sensitivity to have a better prediction for patients</a:t>
             </a:r>
           </a:p>
         </p:txBody>
@@ -20567,7 +20539,7 @@
     </p:spTree>
     <p:extLst>
       <p:ext uri="{BB962C8B-B14F-4D97-AF65-F5344CB8AC3E}">
-        <p14:creationId xmlns:p14="http://schemas.microsoft.com/office/powerpoint/2010/main" val="1567685754"/>
+        <p14:creationId xmlns:p14="http://schemas.microsoft.com/office/powerpoint/2010/main" val="742398242"/>
       </p:ext>
     </p:extLst>
   </p:cSld>
@@ -20939,13 +20911,7 @@
           <a:p>
             <a:r>
               <a:rPr lang="en-US" sz="3200" dirty="0"/>
-              <a:t>Clean the Data Set</a:t>
-            </a:r>
-          </a:p>
-          <a:p>
-            <a:r>
-              <a:rPr lang="en-US" sz="3200" dirty="0"/>
-              <a:t>Identify Target Variable</a:t>
+              <a:t>Work with a Clean Data Set</a:t>
             </a:r>
           </a:p>
           <a:p>
@@ -21232,12 +21198,12 @@
           <a:lstStyle/>
           <a:p>
             <a:r>
-              <a:rPr lang="en-US" sz="3800" b="1" dirty="0">
+              <a:rPr lang="en-US" sz="6600" b="1" dirty="0">
                 <a:solidFill>
                   <a:srgbClr val="FFFFFF"/>
                 </a:solidFill>
               </a:rPr>
-              <a:t>Recommendations</a:t>
+              <a:t>Questions? </a:t>
             </a:r>
           </a:p>
         </p:txBody>
@@ -21303,147 +21269,300 @@
           </a:p>
         </p:txBody>
       </p:sp>
-      <p:sp>
-        <p:nvSpPr>
-          <p:cNvPr id="3" name="Content Placeholder 2">
-            <a:extLst>
-              <a:ext uri="{FF2B5EF4-FFF2-40B4-BE49-F238E27FC236}">
-                <a16:creationId xmlns:a16="http://schemas.microsoft.com/office/drawing/2014/main" id="{4ECBC655-D844-4CCC-8C55-B25FDEA40DF1}"/>
-              </a:ext>
-            </a:extLst>
-          </p:cNvPr>
-          <p:cNvSpPr>
-            <a:spLocks noGrp="1"/>
-          </p:cNvSpPr>
+      <p:pic>
+        <p:nvPicPr>
+          <p:cNvPr id="5" name="Content Placeholder 4" descr="Badge Question Mark">
+            <a:extLst>
+              <a:ext uri="{FF2B5EF4-FFF2-40B4-BE49-F238E27FC236}">
+                <a16:creationId xmlns:a16="http://schemas.microsoft.com/office/drawing/2014/main" id="{D27E6CC3-DFA3-4102-A7D8-B5C0CD5C9ACD}"/>
+              </a:ext>
+            </a:extLst>
+          </p:cNvPr>
+          <p:cNvPicPr>
+            <a:picLocks noGrp="1" noChangeAspect="1"/>
+          </p:cNvPicPr>
           <p:nvPr>
             <p:ph idx="1"/>
           </p:nvPr>
-        </p:nvSpPr>
-        <p:spPr>
-          <a:xfrm>
-            <a:off x="3882430" y="252073"/>
-            <a:ext cx="7596555" cy="5856628"/>
-          </a:xfrm>
-        </p:spPr>
-        <p:txBody>
-          <a:bodyPr numCol="2" anchor="ctr">
-            <a:normAutofit/>
-          </a:bodyPr>
-          <a:lstStyle/>
-          <a:p>
-            <a:pPr lvl="1"/>
-            <a:r>
-              <a:rPr lang="en-US" dirty="0"/>
-              <a:t>Data mining is iterative process</a:t>
-            </a:r>
-          </a:p>
-          <a:p>
-            <a:pPr lvl="1"/>
-            <a:r>
-              <a:rPr lang="en-US" dirty="0"/>
-              <a:t>Missing data:</a:t>
-            </a:r>
-          </a:p>
-          <a:p>
-            <a:pPr lvl="2"/>
-            <a:r>
-              <a:rPr lang="en-US" dirty="0"/>
-              <a:t>Linear regression to predict the missing value input(s)</a:t>
-            </a:r>
-          </a:p>
-          <a:p>
-            <a:pPr lvl="2"/>
-            <a:r>
-              <a:rPr lang="en-US" dirty="0"/>
-              <a:t>There may be a pattern within the missing data that we can uncover to create a more precise/accurate missing value prediction</a:t>
-            </a:r>
-          </a:p>
-          <a:p>
-            <a:pPr lvl="1"/>
-            <a:r>
-              <a:rPr lang="en-US" dirty="0"/>
-              <a:t>Data partitioning:</a:t>
-            </a:r>
-          </a:p>
-          <a:p>
-            <a:pPr lvl="2"/>
-            <a:r>
-              <a:rPr lang="en-US" dirty="0"/>
-              <a:t>additional validation “test” data set to further test our validation results</a:t>
-            </a:r>
-          </a:p>
-          <a:p>
-            <a:pPr lvl="1"/>
-            <a:r>
-              <a:rPr lang="en-US" dirty="0"/>
-              <a:t>Oversampling method</a:t>
-            </a:r>
-          </a:p>
-          <a:p>
-            <a:pPr lvl="1"/>
-            <a:r>
-              <a:rPr lang="en-US" dirty="0"/>
-              <a:t>Standardization of the predictor variables</a:t>
-            </a:r>
-          </a:p>
-          <a:p>
-            <a:pPr lvl="2"/>
-            <a:r>
-              <a:rPr lang="en-US" dirty="0"/>
-              <a:t>Variable reduction</a:t>
-            </a:r>
-          </a:p>
-          <a:p>
-            <a:pPr lvl="3"/>
-            <a:r>
-              <a:rPr lang="en-US" dirty="0"/>
-              <a:t>i.e. PCA, Best Variable Analysis, Variable Clustering, ect.8 </a:t>
-            </a:r>
-          </a:p>
-          <a:p>
-            <a:pPr lvl="2"/>
-            <a:r>
-              <a:rPr lang="en-US" dirty="0"/>
-              <a:t>Identification of interacting variables with potential problematic correlations</a:t>
-            </a:r>
-          </a:p>
-          <a:p>
-            <a:pPr lvl="3"/>
-            <a:r>
-              <a:rPr lang="en-US" dirty="0"/>
-              <a:t>Perhaps, leading to the removal of specific variables to improve the overall fit / predicting power of our model</a:t>
-            </a:r>
-          </a:p>
-          <a:p>
-            <a:pPr lvl="1"/>
-            <a:r>
-              <a:rPr lang="en-US" dirty="0"/>
-              <a:t>Assess outliers </a:t>
-            </a:r>
-          </a:p>
-          <a:p>
-            <a:pPr lvl="2"/>
-            <a:endParaRPr lang="en-US" dirty="0"/>
-          </a:p>
-        </p:txBody>
-      </p:sp>
+        </p:nvPicPr>
+        <p:blipFill>
+          <a:blip r:embed="rId2">
+            <a:extLst>
+              <a:ext uri="{28A0092B-C50C-407E-A947-70E740481C1C}">
+                <a14:useLocalDpi xmlns:a14="http://schemas.microsoft.com/office/drawing/2010/main" val="0"/>
+              </a:ext>
+              <a:ext uri="{96DAC541-7B7A-43D3-8B79-37D633B846F1}">
+                <asvg:svgBlip xmlns:asvg="http://schemas.microsoft.com/office/drawing/2016/SVG/main" r:embed="rId3"/>
+              </a:ext>
+            </a:extLst>
+          </a:blip>
+          <a:stretch>
+            <a:fillRect/>
+          </a:stretch>
+        </p:blipFill>
+        <p:spPr>
+          <a:xfrm>
+            <a:off x="4499286" y="-487583"/>
+            <a:ext cx="7645499" cy="7645499"/>
+          </a:xfrm>
+        </p:spPr>
+      </p:pic>
     </p:spTree>
     <p:extLst>
       <p:ext uri="{BB962C8B-B14F-4D97-AF65-F5344CB8AC3E}">
-        <p14:creationId xmlns:p14="http://schemas.microsoft.com/office/powerpoint/2010/main" val="1683292068"/>
+        <p14:creationId xmlns:p14="http://schemas.microsoft.com/office/powerpoint/2010/main" val="333410195"/>
       </p:ext>
     </p:extLst>
   </p:cSld>
   <p:clrMapOvr>
     <a:masterClrMapping/>
   </p:clrMapOvr>
-  <p:transition spd="slow">
-    <p:push dir="u"/>
-  </p:transition>
+  <mc:AlternateContent xmlns:mc="http://schemas.openxmlformats.org/markup-compatibility/2006" xmlns:p14="http://schemas.microsoft.com/office/powerpoint/2010/main">
+    <mc:Choice Requires="p14">
+      <p:transition spd="slow" p14:dur="3400">
+        <p14:reveal/>
+      </p:transition>
+    </mc:Choice>
+    <mc:Fallback xmlns="">
+      <p:transition spd="slow">
+        <p:fade/>
+      </p:transition>
+    </mc:Fallback>
+  </mc:AlternateContent>
 </p:sld>
 </file>
 
-<file path=ppt/slides/slide31.xml><?xml version="1.0" encoding="utf-8"?>
+<file path=ppt/slides/slide4.xml><?xml version="1.0" encoding="utf-8"?>
+<p:sld xmlns:a="http://schemas.openxmlformats.org/drawingml/2006/main" xmlns:r="http://schemas.openxmlformats.org/officeDocument/2006/relationships" xmlns:p="http://schemas.openxmlformats.org/presentationml/2006/main">
+  <p:cSld>
+    <p:spTree>
+      <p:nvGrpSpPr>
+        <p:cNvPr id="1" name=""/>
+        <p:cNvGrpSpPr/>
+        <p:nvPr/>
+      </p:nvGrpSpPr>
+      <p:grpSpPr>
+        <a:xfrm>
+          <a:off x="0" y="0"/>
+          <a:ext cx="0" cy="0"/>
+          <a:chOff x="0" y="0"/>
+          <a:chExt cx="0" cy="0"/>
+        </a:xfrm>
+      </p:grpSpPr>
+      <p:pic>
+        <p:nvPicPr>
+          <p:cNvPr id="3" name="Picture 2">
+            <a:extLst>
+              <a:ext uri="{FF2B5EF4-FFF2-40B4-BE49-F238E27FC236}">
+                <a16:creationId xmlns:a16="http://schemas.microsoft.com/office/drawing/2014/main" id="{C5BBE9AC-065F-4CA8-8E67-5AB99264901A}"/>
+              </a:ext>
+            </a:extLst>
+          </p:cNvPr>
+          <p:cNvPicPr>
+            <a:picLocks noChangeAspect="1"/>
+          </p:cNvPicPr>
+          <p:nvPr/>
+        </p:nvPicPr>
+        <p:blipFill>
+          <a:blip r:embed="rId2"/>
+          <a:stretch>
+            <a:fillRect/>
+          </a:stretch>
+        </p:blipFill>
+        <p:spPr>
+          <a:xfrm>
+            <a:off x="316750" y="255790"/>
+            <a:ext cx="6343130" cy="6343130"/>
+          </a:xfrm>
+          <a:prstGeom prst="rect">
+            <a:avLst/>
+          </a:prstGeom>
+        </p:spPr>
+      </p:pic>
+      <p:sp>
+        <p:nvSpPr>
+          <p:cNvPr id="6" name="TextBox 5">
+            <a:extLst>
+              <a:ext uri="{FF2B5EF4-FFF2-40B4-BE49-F238E27FC236}">
+                <a16:creationId xmlns:a16="http://schemas.microsoft.com/office/drawing/2014/main" id="{833A8E39-8E4D-4D4A-B6B7-7E337A04690E}"/>
+              </a:ext>
+            </a:extLst>
+          </p:cNvPr>
+          <p:cNvSpPr txBox="1"/>
+          <p:nvPr/>
+        </p:nvSpPr>
+        <p:spPr>
+          <a:xfrm>
+            <a:off x="7254265" y="175274"/>
+            <a:ext cx="4485977" cy="5847755"/>
+          </a:xfrm>
+          <a:prstGeom prst="rect">
+            <a:avLst/>
+          </a:prstGeom>
+          <a:noFill/>
+        </p:spPr>
+        <p:txBody>
+          <a:bodyPr wrap="square" rtlCol="0">
+            <a:spAutoFit/>
+          </a:bodyPr>
+          <a:lstStyle/>
+          <a:p>
+            <a:r>
+              <a:rPr lang="en-US" sz="4000" b="1" dirty="0"/>
+              <a:t>According to the Mayo Clinic:</a:t>
+            </a:r>
+          </a:p>
+          <a:p>
+            <a:pPr marL="285750" indent="-285750">
+              <a:buFont typeface="Arial" panose="020B0604020202020204" pitchFamily="34" charset="0"/>
+              <a:buChar char="•"/>
+            </a:pPr>
+            <a:r>
+              <a:rPr lang="en-US" sz="2600" dirty="0"/>
+              <a:t>The gradual loss of kidney function</a:t>
+            </a:r>
+          </a:p>
+          <a:p>
+            <a:pPr marL="285750" indent="-285750">
+              <a:buFont typeface="Arial" panose="020B0604020202020204" pitchFamily="34" charset="0"/>
+              <a:buChar char="•"/>
+            </a:pPr>
+            <a:r>
+              <a:rPr lang="en-US" sz="2600" dirty="0"/>
+              <a:t>In advanced stages, dangerous levels of fluid, electrolytes and wastes can build up in the body</a:t>
+            </a:r>
+          </a:p>
+          <a:p>
+            <a:pPr marL="285750" indent="-285750">
+              <a:buFont typeface="Arial" panose="020B0604020202020204" pitchFamily="34" charset="0"/>
+              <a:buChar char="•"/>
+            </a:pPr>
+            <a:r>
+              <a:rPr lang="en-US" sz="2600" dirty="0"/>
+              <a:t>Treatment focuses on slowing the progression of the kidney damage</a:t>
+            </a:r>
+          </a:p>
+          <a:p>
+            <a:pPr marL="285750" indent="-285750">
+              <a:buFont typeface="Arial" panose="020B0604020202020204" pitchFamily="34" charset="0"/>
+              <a:buChar char="•"/>
+            </a:pPr>
+            <a:r>
+              <a:rPr lang="en-US" sz="2600" dirty="0"/>
+              <a:t>May lead to fatal kidney failure if untreated</a:t>
+            </a:r>
+          </a:p>
+        </p:txBody>
+      </p:sp>
+      <p:sp>
+        <p:nvSpPr>
+          <p:cNvPr id="7" name="Rectangle: Rounded Corners 6">
+            <a:extLst>
+              <a:ext uri="{FF2B5EF4-FFF2-40B4-BE49-F238E27FC236}">
+                <a16:creationId xmlns:a16="http://schemas.microsoft.com/office/drawing/2014/main" id="{84E8968C-5DAE-43F6-A230-42E0A69BAE26}"/>
+              </a:ext>
+            </a:extLst>
+          </p:cNvPr>
+          <p:cNvSpPr/>
+          <p:nvPr/>
+        </p:nvSpPr>
+        <p:spPr>
+          <a:xfrm>
+            <a:off x="6830785" y="175274"/>
+            <a:ext cx="5044465" cy="5769441"/>
+          </a:xfrm>
+          <a:prstGeom prst="roundRect">
+            <a:avLst/>
+          </a:prstGeom>
+          <a:noFill/>
+          <a:ln w="76200"/>
+        </p:spPr>
+        <p:style>
+          <a:lnRef idx="2">
+            <a:schemeClr val="accent2"/>
+          </a:lnRef>
+          <a:fillRef idx="1">
+            <a:schemeClr val="lt1"/>
+          </a:fillRef>
+          <a:effectRef idx="0">
+            <a:schemeClr val="accent2"/>
+          </a:effectRef>
+          <a:fontRef idx="minor">
+            <a:schemeClr val="dk1"/>
+          </a:fontRef>
+        </p:style>
+        <p:txBody>
+          <a:bodyPr rtlCol="0" anchor="ctr"/>
+          <a:lstStyle/>
+          <a:p>
+            <a:pPr algn="ctr"/>
+            <a:endParaRPr lang="en-US"/>
+          </a:p>
+        </p:txBody>
+      </p:sp>
+      <p:sp>
+        <p:nvSpPr>
+          <p:cNvPr id="8" name="Rectangle 7">
+            <a:extLst>
+              <a:ext uri="{FF2B5EF4-FFF2-40B4-BE49-F238E27FC236}">
+                <a16:creationId xmlns:a16="http://schemas.microsoft.com/office/drawing/2014/main" id="{8E072DFB-7616-448B-A4E6-F37D378D4330}"/>
+              </a:ext>
+            </a:extLst>
+          </p:cNvPr>
+          <p:cNvSpPr/>
+          <p:nvPr/>
+        </p:nvSpPr>
+        <p:spPr>
+          <a:xfrm>
+            <a:off x="6991895" y="6075700"/>
+            <a:ext cx="6096000" cy="523220"/>
+          </a:xfrm>
+          <a:prstGeom prst="rect">
+            <a:avLst/>
+          </a:prstGeom>
+        </p:spPr>
+        <p:txBody>
+          <a:bodyPr>
+            <a:spAutoFit/>
+          </a:bodyPr>
+          <a:lstStyle/>
+          <a:p>
+            <a:r>
+              <a:rPr lang="en-US" sz="1400" dirty="0">
+                <a:hlinkClick r:id="rId3"/>
+              </a:rPr>
+              <a:t>https://www.mayoclinic.org/diseases-conditions/chronic-kidney-disease/symptoms-causes/syc-20354521</a:t>
+            </a:r>
+            <a:endParaRPr lang="en-US" sz="1400" dirty="0"/>
+          </a:p>
+        </p:txBody>
+      </p:sp>
+    </p:spTree>
+    <p:extLst>
+      <p:ext uri="{BB962C8B-B14F-4D97-AF65-F5344CB8AC3E}">
+        <p14:creationId xmlns:p14="http://schemas.microsoft.com/office/powerpoint/2010/main" val="3917086069"/>
+      </p:ext>
+    </p:extLst>
+  </p:cSld>
+  <p:clrMapOvr>
+    <a:masterClrMapping/>
+  </p:clrMapOvr>
+  <mc:AlternateContent xmlns:mc="http://schemas.openxmlformats.org/markup-compatibility/2006" xmlns:p14="http://schemas.microsoft.com/office/powerpoint/2010/main">
+    <mc:Choice Requires="p14">
+      <p:transition spd="med" p14:dur="700">
+        <p:fade/>
+      </p:transition>
+    </mc:Choice>
+    <mc:Fallback xmlns="">
+      <p:transition spd="med">
+        <p:fade/>
+      </p:transition>
+    </mc:Fallback>
+  </mc:AlternateContent>
+</p:sld>
+</file>
+
+<file path=ppt/slides/slide5.xml><?xml version="1.0" encoding="utf-8"?>
 <p:sld xmlns:a="http://schemas.openxmlformats.org/drawingml/2006/main" xmlns:r="http://schemas.openxmlformats.org/officeDocument/2006/relationships" xmlns:p="http://schemas.openxmlformats.org/presentationml/2006/main">
   <p:cSld>
     <p:bg>
@@ -21680,23 +21799,38 @@
         </p:nvSpPr>
         <p:spPr>
           <a:xfrm>
-            <a:off x="119028" y="1137243"/>
-            <a:ext cx="3888378" cy="4461163"/>
+            <a:off x="33438" y="1198418"/>
+            <a:ext cx="4258494" cy="4461163"/>
           </a:xfrm>
         </p:spPr>
         <p:txBody>
           <a:bodyPr>
-            <a:normAutofit/>
+            <a:normAutofit fontScale="90000"/>
           </a:bodyPr>
           <a:lstStyle/>
           <a:p>
             <a:r>
-              <a:rPr lang="en-US" sz="5400" b="1" dirty="0">
+              <a:rPr lang="en-US" sz="7200" b="1" dirty="0">
                 <a:solidFill>
                   <a:srgbClr val="FFFFFF"/>
                 </a:solidFill>
               </a:rPr>
-              <a:t>Model Improvement</a:t>
+              <a:t>Data Dictionary</a:t>
+            </a:r>
+            <a:br>
+              <a:rPr lang="en-US" sz="7200" b="1" dirty="0">
+                <a:solidFill>
+                  <a:srgbClr val="FFFFFF"/>
+                </a:solidFill>
+              </a:rPr>
+            </a:br>
+            <a:r>
+              <a:rPr lang="en-US" sz="7200" b="1" dirty="0">
+                <a:solidFill>
+                  <a:srgbClr val="FFFFFF"/>
+                </a:solidFill>
+              </a:rPr>
+              <a:t>and Dummy Coding</a:t>
             </a:r>
           </a:p>
         </p:txBody>
@@ -21764,115 +21898,227 @@
       </p:sp>
       <p:sp>
         <p:nvSpPr>
-          <p:cNvPr id="3" name="Content Placeholder 2">
-            <a:extLst>
-              <a:ext uri="{FF2B5EF4-FFF2-40B4-BE49-F238E27FC236}">
-                <a16:creationId xmlns:a16="http://schemas.microsoft.com/office/drawing/2014/main" id="{4ECBC655-D844-4CCC-8C55-B25FDEA40DF1}"/>
-              </a:ext>
-            </a:extLst>
-          </p:cNvPr>
-          <p:cNvSpPr>
-            <a:spLocks noGrp="1"/>
-          </p:cNvSpPr>
-          <p:nvPr>
-            <p:ph idx="1"/>
-          </p:nvPr>
-        </p:nvSpPr>
-        <p:spPr>
-          <a:xfrm>
-            <a:off x="3476067" y="319088"/>
-            <a:ext cx="7665462" cy="6025242"/>
-          </a:xfrm>
-        </p:spPr>
-        <p:txBody>
-          <a:bodyPr numCol="1" anchor="ctr">
-            <a:normAutofit/>
+          <p:cNvPr id="9" name="Rectangle 8">
+            <a:extLst>
+              <a:ext uri="{FF2B5EF4-FFF2-40B4-BE49-F238E27FC236}">
+                <a16:creationId xmlns:a16="http://schemas.microsoft.com/office/drawing/2014/main" id="{6C3E3274-0E6A-4076-95EB-5B4B4022ADF2}"/>
+              </a:ext>
+            </a:extLst>
+          </p:cNvPr>
+          <p:cNvSpPr/>
+          <p:nvPr/>
+        </p:nvSpPr>
+        <p:spPr>
+          <a:xfrm>
+            <a:off x="7892278" y="5998707"/>
+            <a:ext cx="1967593" cy="646331"/>
+          </a:xfrm>
+          <a:prstGeom prst="rect">
+            <a:avLst/>
+          </a:prstGeom>
+        </p:spPr>
+        <p:txBody>
+          <a:bodyPr wrap="square">
+            <a:spAutoFit/>
           </a:bodyPr>
           <a:lstStyle/>
           <a:p>
-            <a:pPr lvl="2"/>
-            <a:r>
-              <a:rPr lang="en-US" sz="2800" dirty="0"/>
-              <a:t>Best subset analysis </a:t>
-            </a:r>
-          </a:p>
-          <a:p>
-            <a:pPr lvl="2"/>
-            <a:r>
-              <a:rPr lang="en-US" sz="2800" dirty="0"/>
-              <a:t>Explore other data partitioning splits</a:t>
-            </a:r>
-          </a:p>
-          <a:p>
-            <a:pPr lvl="2"/>
-            <a:r>
-              <a:rPr lang="en-US" sz="2800" dirty="0"/>
-              <a:t>Evaluate other models, such as:</a:t>
-            </a:r>
-          </a:p>
-          <a:p>
-            <a:pPr lvl="3"/>
-            <a:r>
-              <a:rPr lang="en-US" sz="2600" dirty="0"/>
-              <a:t>Logistic Regression: Forward, Backward, Stepwise selection </a:t>
-            </a:r>
-          </a:p>
-          <a:p>
-            <a:pPr lvl="3"/>
-            <a:r>
-              <a:rPr lang="en-US" sz="2600" dirty="0"/>
-              <a:t>QCF, LCF, analyzing the ‘K’ in K-NN </a:t>
-            </a:r>
-          </a:p>
-          <a:p>
-            <a:pPr lvl="3"/>
-            <a:r>
-              <a:rPr lang="en-US" sz="2600" dirty="0"/>
-              <a:t>Ensemble method</a:t>
-            </a:r>
-          </a:p>
-          <a:p>
-            <a:pPr lvl="2"/>
-            <a:r>
-              <a:rPr lang="en-US" sz="2800" dirty="0"/>
-              <a:t>Overall, we want to aim for improvement of the validation hit rate in addition to a higher ROC Curve index (industry standard)</a:t>
-            </a:r>
-          </a:p>
-          <a:p>
-            <a:pPr lvl="2"/>
-            <a:r>
-              <a:rPr lang="en-US" sz="2800" dirty="0"/>
-              <a:t>Aiming to reduce the amount of variables included in final model</a:t>
-            </a:r>
-          </a:p>
-        </p:txBody>
-      </p:sp>
+            <a:r>
+              <a:rPr lang="en-US" sz="1200" dirty="0">
+                <a:hlinkClick r:id="rId3"/>
+              </a:rPr>
+              <a:t>https://archive.ics.uci.edu/ml/datasets/Chronic_Kidney_Disease</a:t>
+            </a:r>
+            <a:endParaRPr lang="en-US" sz="1200" dirty="0"/>
+          </a:p>
+        </p:txBody>
+      </p:sp>
+      <p:pic>
+        <p:nvPicPr>
+          <p:cNvPr id="13" name="Picture 12">
+            <a:extLst>
+              <a:ext uri="{FF2B5EF4-FFF2-40B4-BE49-F238E27FC236}">
+                <a16:creationId xmlns:a16="http://schemas.microsoft.com/office/drawing/2014/main" id="{F804FE6C-E087-4E2B-BFF1-348017FA6DCC}"/>
+              </a:ext>
+            </a:extLst>
+          </p:cNvPr>
+          <p:cNvPicPr>
+            <a:picLocks noChangeAspect="1"/>
+          </p:cNvPicPr>
+          <p:nvPr/>
+        </p:nvPicPr>
+        <p:blipFill>
+          <a:blip r:embed="rId4"/>
+          <a:stretch>
+            <a:fillRect/>
+          </a:stretch>
+        </p:blipFill>
+        <p:spPr>
+          <a:xfrm>
+            <a:off x="7852696" y="80218"/>
+            <a:ext cx="2794908" cy="4010938"/>
+          </a:xfrm>
+          <a:prstGeom prst="rect">
+            <a:avLst/>
+          </a:prstGeom>
+        </p:spPr>
+      </p:pic>
+      <p:sp>
+        <p:nvSpPr>
+          <p:cNvPr id="15" name="TextBox 14">
+            <a:extLst>
+              <a:ext uri="{FF2B5EF4-FFF2-40B4-BE49-F238E27FC236}">
+                <a16:creationId xmlns:a16="http://schemas.microsoft.com/office/drawing/2014/main" id="{292A1E53-59D2-4B50-819C-0AA492E8F340}"/>
+              </a:ext>
+            </a:extLst>
+          </p:cNvPr>
+          <p:cNvSpPr txBox="1"/>
+          <p:nvPr/>
+        </p:nvSpPr>
+        <p:spPr>
+          <a:xfrm>
+            <a:off x="7795680" y="4304118"/>
+            <a:ext cx="3231550" cy="1661993"/>
+          </a:xfrm>
+          <a:prstGeom prst="rect">
+            <a:avLst/>
+          </a:prstGeom>
+          <a:noFill/>
+        </p:spPr>
+        <p:txBody>
+          <a:bodyPr wrap="square" rtlCol="0">
+            <a:spAutoFit/>
+          </a:bodyPr>
+          <a:lstStyle/>
+          <a:p>
+            <a:r>
+              <a:rPr lang="en-US" sz="1700" b="1" dirty="0"/>
+              <a:t>We removed one categorical variable for each dummy variable to avoid multicollinearity:</a:t>
+            </a:r>
+          </a:p>
+          <a:p>
+            <a:r>
+              <a:rPr lang="en-US" sz="1700" b="1" dirty="0"/>
+              <a:t>	- sg_1.005</a:t>
+            </a:r>
+          </a:p>
+          <a:p>
+            <a:r>
+              <a:rPr lang="en-US" sz="1700" b="1" dirty="0"/>
+              <a:t>	- al_0.0</a:t>
+            </a:r>
+          </a:p>
+          <a:p>
+            <a:r>
+              <a:rPr lang="en-US" sz="1700" b="1" dirty="0"/>
+              <a:t>	- su_0.0</a:t>
+            </a:r>
+          </a:p>
+        </p:txBody>
+      </p:sp>
+      <p:sp>
+        <p:nvSpPr>
+          <p:cNvPr id="16" name="Rectangle: Rounded Corners 15">
+            <a:extLst>
+              <a:ext uri="{FF2B5EF4-FFF2-40B4-BE49-F238E27FC236}">
+                <a16:creationId xmlns:a16="http://schemas.microsoft.com/office/drawing/2014/main" id="{D1853B7B-2D85-4C1B-9870-B13EA7A3DE54}"/>
+              </a:ext>
+            </a:extLst>
+          </p:cNvPr>
+          <p:cNvSpPr/>
+          <p:nvPr/>
+        </p:nvSpPr>
+        <p:spPr>
+          <a:xfrm>
+            <a:off x="7773021" y="4245365"/>
+            <a:ext cx="3231550" cy="1720746"/>
+          </a:xfrm>
+          <a:prstGeom prst="roundRect">
+            <a:avLst/>
+          </a:prstGeom>
+          <a:noFill/>
+          <a:ln w="38100">
+            <a:solidFill>
+              <a:schemeClr val="accent2"/>
+            </a:solidFill>
+          </a:ln>
+        </p:spPr>
+        <p:style>
+          <a:lnRef idx="2">
+            <a:schemeClr val="accent1">
+              <a:shade val="50000"/>
+            </a:schemeClr>
+          </a:lnRef>
+          <a:fillRef idx="1">
+            <a:schemeClr val="accent1"/>
+          </a:fillRef>
+          <a:effectRef idx="0">
+            <a:schemeClr val="accent1"/>
+          </a:effectRef>
+          <a:fontRef idx="minor">
+            <a:schemeClr val="lt1"/>
+          </a:fontRef>
+        </p:style>
+        <p:txBody>
+          <a:bodyPr rtlCol="0" anchor="ctr"/>
+          <a:lstStyle/>
+          <a:p>
+            <a:pPr algn="ctr"/>
+            <a:endParaRPr lang="en-US">
+              <a:solidFill>
+                <a:schemeClr val="accent2"/>
+              </a:solidFill>
+            </a:endParaRPr>
+          </a:p>
+        </p:txBody>
+      </p:sp>
+      <p:pic>
+        <p:nvPicPr>
+          <p:cNvPr id="3" name="Picture 2">
+            <a:extLst>
+              <a:ext uri="{FF2B5EF4-FFF2-40B4-BE49-F238E27FC236}">
+                <a16:creationId xmlns:a16="http://schemas.microsoft.com/office/drawing/2014/main" id="{48927B09-7CEA-4E2A-92E7-BCED88D75A37}"/>
+              </a:ext>
+            </a:extLst>
+          </p:cNvPr>
+          <p:cNvPicPr>
+            <a:picLocks noChangeAspect="1"/>
+          </p:cNvPicPr>
+          <p:nvPr/>
+        </p:nvPicPr>
+        <p:blipFill>
+          <a:blip r:embed="rId5"/>
+          <a:stretch>
+            <a:fillRect/>
+          </a:stretch>
+        </p:blipFill>
+        <p:spPr>
+          <a:xfrm>
+            <a:off x="4453200" y="75507"/>
+            <a:ext cx="3097202" cy="6569531"/>
+          </a:xfrm>
+          <a:prstGeom prst="rect">
+            <a:avLst/>
+          </a:prstGeom>
+        </p:spPr>
+      </p:pic>
     </p:spTree>
     <p:extLst>
       <p:ext uri="{BB962C8B-B14F-4D97-AF65-F5344CB8AC3E}">
-        <p14:creationId xmlns:p14="http://schemas.microsoft.com/office/powerpoint/2010/main" val="742398242"/>
+        <p14:creationId xmlns:p14="http://schemas.microsoft.com/office/powerpoint/2010/main" val="3449159388"/>
       </p:ext>
     </p:extLst>
   </p:cSld>
   <p:clrMapOvr>
     <a:masterClrMapping/>
   </p:clrMapOvr>
-  <mc:AlternateContent xmlns:mc="http://schemas.openxmlformats.org/markup-compatibility/2006" xmlns:p14="http://schemas.microsoft.com/office/powerpoint/2010/main">
-    <mc:Choice Requires="p14">
-      <p:transition spd="med" p14:dur="700">
-        <p:fade/>
-      </p:transition>
-    </mc:Choice>
-    <mc:Fallback xmlns="">
-      <p:transition spd="med">
-        <p:fade/>
-      </p:transition>
-    </mc:Fallback>
-  </mc:AlternateContent>
+  <p:transition spd="slow">
+    <p:push dir="u"/>
+  </p:transition>
 </p:sld>
 </file>
 
-<file path=ppt/slides/slide32.xml><?xml version="1.0" encoding="utf-8"?>
+<file path=ppt/slides/slide6.xml><?xml version="1.0" encoding="utf-8"?>
 <p:sld xmlns:a="http://schemas.openxmlformats.org/drawingml/2006/main" xmlns:r="http://schemas.openxmlformats.org/officeDocument/2006/relationships" xmlns:p="http://schemas.openxmlformats.org/presentationml/2006/main">
   <p:cSld>
     <p:bg>
@@ -22109,8 +22355,8 @@
         </p:nvSpPr>
         <p:spPr>
           <a:xfrm>
-            <a:off x="183672" y="1104586"/>
-            <a:ext cx="3888378" cy="4461163"/>
+            <a:off x="33438" y="1198418"/>
+            <a:ext cx="4258494" cy="4461163"/>
           </a:xfrm>
         </p:spPr>
         <p:txBody>
@@ -22120,12 +22366,12 @@
           <a:lstStyle/>
           <a:p>
             <a:r>
-              <a:rPr lang="en-US" sz="6600" b="1" dirty="0">
+              <a:rPr lang="en-US" sz="7200" b="1" dirty="0">
                 <a:solidFill>
                   <a:srgbClr val="FFFFFF"/>
                 </a:solidFill>
               </a:rPr>
-              <a:t>Questions? </a:t>
+              <a:t>Univariate Analysis Methods</a:t>
             </a:r>
           </a:p>
         </p:txBody>
@@ -22193,298 +22439,306 @@
       </p:sp>
       <p:pic>
         <p:nvPicPr>
-          <p:cNvPr id="5" name="Content Placeholder 4" descr="Badge Question Mark">
-            <a:extLst>
-              <a:ext uri="{FF2B5EF4-FFF2-40B4-BE49-F238E27FC236}">
-                <a16:creationId xmlns:a16="http://schemas.microsoft.com/office/drawing/2014/main" id="{D27E6CC3-DFA3-4102-A7D8-B5C0CD5C9ACD}"/>
+          <p:cNvPr id="5" name="Picture 4">
+            <a:extLst>
+              <a:ext uri="{FF2B5EF4-FFF2-40B4-BE49-F238E27FC236}">
+                <a16:creationId xmlns:a16="http://schemas.microsoft.com/office/drawing/2014/main" id="{A2574E70-A3B3-4F5D-96EB-F48DC84009F2}"/>
               </a:ext>
             </a:extLst>
           </p:cNvPr>
           <p:cNvPicPr>
-            <a:picLocks noGrp="1" noChangeAspect="1"/>
+            <a:picLocks noChangeAspect="1"/>
           </p:cNvPicPr>
-          <p:nvPr>
-            <p:ph idx="1"/>
-          </p:nvPr>
+          <p:nvPr/>
         </p:nvPicPr>
         <p:blipFill>
-          <a:blip r:embed="rId2">
-            <a:extLst>
-              <a:ext uri="{28A0092B-C50C-407E-A947-70E740481C1C}">
-                <a14:useLocalDpi xmlns:a14="http://schemas.microsoft.com/office/drawing/2010/main" val="0"/>
-              </a:ext>
-              <a:ext uri="{96DAC541-7B7A-43D3-8B79-37D633B846F1}">
-                <asvg:svgBlip xmlns:asvg="http://schemas.microsoft.com/office/drawing/2016/SVG/main" r:embed="rId3"/>
-              </a:ext>
-            </a:extLst>
-          </a:blip>
+          <a:blip r:embed="rId3"/>
           <a:stretch>
             <a:fillRect/>
           </a:stretch>
         </p:blipFill>
         <p:spPr>
           <a:xfrm>
-            <a:off x="4499286" y="-487583"/>
-            <a:ext cx="7645499" cy="7645499"/>
-          </a:xfrm>
+            <a:off x="5837227" y="109408"/>
+            <a:ext cx="3337849" cy="2236664"/>
+          </a:xfrm>
+          <a:prstGeom prst="rect">
+            <a:avLst/>
+          </a:prstGeom>
         </p:spPr>
       </p:pic>
+      <p:pic>
+        <p:nvPicPr>
+          <p:cNvPr id="7" name="Picture 6">
+            <a:extLst>
+              <a:ext uri="{FF2B5EF4-FFF2-40B4-BE49-F238E27FC236}">
+                <a16:creationId xmlns:a16="http://schemas.microsoft.com/office/drawing/2014/main" id="{5EA99836-93C4-4EB0-919E-532297856366}"/>
+              </a:ext>
+            </a:extLst>
+          </p:cNvPr>
+          <p:cNvPicPr>
+            <a:picLocks noChangeAspect="1"/>
+          </p:cNvPicPr>
+          <p:nvPr/>
+        </p:nvPicPr>
+        <p:blipFill>
+          <a:blip r:embed="rId4"/>
+          <a:stretch>
+            <a:fillRect/>
+          </a:stretch>
+        </p:blipFill>
+        <p:spPr>
+          <a:xfrm>
+            <a:off x="9299736" y="299581"/>
+            <a:ext cx="2461318" cy="1919984"/>
+          </a:xfrm>
+          <a:prstGeom prst="rect">
+            <a:avLst/>
+          </a:prstGeom>
+        </p:spPr>
+      </p:pic>
+      <p:pic>
+        <p:nvPicPr>
+          <p:cNvPr id="12" name="Picture 11">
+            <a:extLst>
+              <a:ext uri="{FF2B5EF4-FFF2-40B4-BE49-F238E27FC236}">
+                <a16:creationId xmlns:a16="http://schemas.microsoft.com/office/drawing/2014/main" id="{F8BA8467-3958-464A-B30C-EAD1316C4FEF}"/>
+              </a:ext>
+            </a:extLst>
+          </p:cNvPr>
+          <p:cNvPicPr>
+            <a:picLocks noChangeAspect="1"/>
+          </p:cNvPicPr>
+          <p:nvPr/>
+        </p:nvPicPr>
+        <p:blipFill>
+          <a:blip r:embed="rId5"/>
+          <a:stretch>
+            <a:fillRect/>
+          </a:stretch>
+        </p:blipFill>
+        <p:spPr>
+          <a:xfrm>
+            <a:off x="9252856" y="2877202"/>
+            <a:ext cx="2736757" cy="796727"/>
+          </a:xfrm>
+          <a:prstGeom prst="rect">
+            <a:avLst/>
+          </a:prstGeom>
+        </p:spPr>
+      </p:pic>
+      <p:pic>
+        <p:nvPicPr>
+          <p:cNvPr id="17" name="Picture 16">
+            <a:extLst>
+              <a:ext uri="{FF2B5EF4-FFF2-40B4-BE49-F238E27FC236}">
+                <a16:creationId xmlns:a16="http://schemas.microsoft.com/office/drawing/2014/main" id="{DD4CDF0F-D5C6-4D9B-8FC7-AC835D774D06}"/>
+              </a:ext>
+            </a:extLst>
+          </p:cNvPr>
+          <p:cNvPicPr>
+            <a:picLocks noChangeAspect="1"/>
+          </p:cNvPicPr>
+          <p:nvPr/>
+        </p:nvPicPr>
+        <p:blipFill>
+          <a:blip r:embed="rId6"/>
+          <a:stretch>
+            <a:fillRect/>
+          </a:stretch>
+        </p:blipFill>
+        <p:spPr>
+          <a:xfrm>
+            <a:off x="5966010" y="4449668"/>
+            <a:ext cx="3228826" cy="2298924"/>
+          </a:xfrm>
+          <a:prstGeom prst="rect">
+            <a:avLst/>
+          </a:prstGeom>
+        </p:spPr>
+      </p:pic>
+      <p:pic>
+        <p:nvPicPr>
+          <p:cNvPr id="19" name="Picture 18">
+            <a:extLst>
+              <a:ext uri="{FF2B5EF4-FFF2-40B4-BE49-F238E27FC236}">
+                <a16:creationId xmlns:a16="http://schemas.microsoft.com/office/drawing/2014/main" id="{A10DB28B-1D77-4699-9EA5-BAEDBB7C7619}"/>
+              </a:ext>
+            </a:extLst>
+          </p:cNvPr>
+          <p:cNvPicPr>
+            <a:picLocks noChangeAspect="1"/>
+          </p:cNvPicPr>
+          <p:nvPr/>
+        </p:nvPicPr>
+        <p:blipFill>
+          <a:blip r:embed="rId7"/>
+          <a:stretch>
+            <a:fillRect/>
+          </a:stretch>
+        </p:blipFill>
+        <p:spPr>
+          <a:xfrm>
+            <a:off x="9298306" y="4548355"/>
+            <a:ext cx="2790224" cy="2071828"/>
+          </a:xfrm>
+          <a:prstGeom prst="rect">
+            <a:avLst/>
+          </a:prstGeom>
+        </p:spPr>
+      </p:pic>
+      <p:sp>
+        <p:nvSpPr>
+          <p:cNvPr id="20" name="TextBox 19">
+            <a:extLst>
+              <a:ext uri="{FF2B5EF4-FFF2-40B4-BE49-F238E27FC236}">
+                <a16:creationId xmlns:a16="http://schemas.microsoft.com/office/drawing/2014/main" id="{FB7295E9-F7A0-4D80-942E-EDC549862049}"/>
+              </a:ext>
+            </a:extLst>
+          </p:cNvPr>
+          <p:cNvSpPr txBox="1"/>
+          <p:nvPr/>
+        </p:nvSpPr>
+        <p:spPr>
+          <a:xfrm>
+            <a:off x="4197662" y="936407"/>
+            <a:ext cx="1314211" cy="646331"/>
+          </a:xfrm>
+          <a:prstGeom prst="rect">
+            <a:avLst/>
+          </a:prstGeom>
+          <a:noFill/>
+        </p:spPr>
+        <p:txBody>
+          <a:bodyPr wrap="square" rtlCol="0">
+            <a:spAutoFit/>
+          </a:bodyPr>
+          <a:lstStyle/>
+          <a:p>
+            <a:r>
+              <a:rPr lang="en-US" b="1" dirty="0"/>
+              <a:t>Continuous Analysis:</a:t>
+            </a:r>
+          </a:p>
+        </p:txBody>
+      </p:sp>
+      <p:sp>
+        <p:nvSpPr>
+          <p:cNvPr id="21" name="TextBox 20">
+            <a:extLst>
+              <a:ext uri="{FF2B5EF4-FFF2-40B4-BE49-F238E27FC236}">
+                <a16:creationId xmlns:a16="http://schemas.microsoft.com/office/drawing/2014/main" id="{54D2EF1A-AFDA-4DF2-B28B-10C42DF7F00F}"/>
+              </a:ext>
+            </a:extLst>
+          </p:cNvPr>
+          <p:cNvSpPr txBox="1"/>
+          <p:nvPr/>
+        </p:nvSpPr>
+        <p:spPr>
+          <a:xfrm>
+            <a:off x="4322322" y="2981708"/>
+            <a:ext cx="1314211" cy="646331"/>
+          </a:xfrm>
+          <a:prstGeom prst="rect">
+            <a:avLst/>
+          </a:prstGeom>
+          <a:noFill/>
+        </p:spPr>
+        <p:txBody>
+          <a:bodyPr wrap="square" rtlCol="0">
+            <a:spAutoFit/>
+          </a:bodyPr>
+          <a:lstStyle/>
+          <a:p>
+            <a:r>
+              <a:rPr lang="en-US" b="1" dirty="0"/>
+              <a:t>Categorical Analysis:</a:t>
+            </a:r>
+          </a:p>
+        </p:txBody>
+      </p:sp>
+      <p:pic>
+        <p:nvPicPr>
+          <p:cNvPr id="10" name="Picture 9">
+            <a:extLst>
+              <a:ext uri="{FF2B5EF4-FFF2-40B4-BE49-F238E27FC236}">
+                <a16:creationId xmlns:a16="http://schemas.microsoft.com/office/drawing/2014/main" id="{AE3D9305-F979-4482-83FC-1D10AF907138}"/>
+              </a:ext>
+            </a:extLst>
+          </p:cNvPr>
+          <p:cNvPicPr>
+            <a:picLocks noChangeAspect="1"/>
+          </p:cNvPicPr>
+          <p:nvPr/>
+        </p:nvPicPr>
+        <p:blipFill>
+          <a:blip r:embed="rId8"/>
+          <a:stretch>
+            <a:fillRect/>
+          </a:stretch>
+        </p:blipFill>
+        <p:spPr>
+          <a:xfrm>
+            <a:off x="5869726" y="2346072"/>
+            <a:ext cx="3334039" cy="2202371"/>
+          </a:xfrm>
+          <a:prstGeom prst="rect">
+            <a:avLst/>
+          </a:prstGeom>
+        </p:spPr>
+      </p:pic>
+      <p:sp>
+        <p:nvSpPr>
+          <p:cNvPr id="22" name="TextBox 21">
+            <a:extLst>
+              <a:ext uri="{FF2B5EF4-FFF2-40B4-BE49-F238E27FC236}">
+                <a16:creationId xmlns:a16="http://schemas.microsoft.com/office/drawing/2014/main" id="{385C1630-071B-4D76-84F3-9060EF0EA482}"/>
+              </a:ext>
+            </a:extLst>
+          </p:cNvPr>
+          <p:cNvSpPr txBox="1"/>
+          <p:nvPr/>
+        </p:nvSpPr>
+        <p:spPr>
+          <a:xfrm>
+            <a:off x="4322322" y="5057475"/>
+            <a:ext cx="1314211" cy="646331"/>
+          </a:xfrm>
+          <a:prstGeom prst="rect">
+            <a:avLst/>
+          </a:prstGeom>
+          <a:noFill/>
+        </p:spPr>
+        <p:txBody>
+          <a:bodyPr wrap="square" rtlCol="0">
+            <a:spAutoFit/>
+          </a:bodyPr>
+          <a:lstStyle/>
+          <a:p>
+            <a:r>
+              <a:rPr lang="en-US" b="1" dirty="0"/>
+              <a:t>Target Analysis:</a:t>
+            </a:r>
+          </a:p>
+        </p:txBody>
+      </p:sp>
     </p:spTree>
     <p:extLst>
       <p:ext uri="{BB962C8B-B14F-4D97-AF65-F5344CB8AC3E}">
-        <p14:creationId xmlns:p14="http://schemas.microsoft.com/office/powerpoint/2010/main" val="333410195"/>
+        <p14:creationId xmlns:p14="http://schemas.microsoft.com/office/powerpoint/2010/main" val="3403200840"/>
       </p:ext>
     </p:extLst>
   </p:cSld>
   <p:clrMapOvr>
     <a:masterClrMapping/>
   </p:clrMapOvr>
-  <mc:AlternateContent xmlns:mc="http://schemas.openxmlformats.org/markup-compatibility/2006" xmlns:p14="http://schemas.microsoft.com/office/powerpoint/2010/main">
-    <mc:Choice Requires="p14">
-      <p:transition spd="slow" p14:dur="3400">
-        <p14:reveal/>
-      </p:transition>
-    </mc:Choice>
-    <mc:Fallback xmlns="">
-      <p:transition spd="slow">
-        <p:fade/>
-      </p:transition>
-    </mc:Fallback>
-  </mc:AlternateContent>
+  <p:transition spd="slow">
+    <p:push dir="u"/>
+  </p:transition>
 </p:sld>
 </file>
 
-<file path=ppt/slides/slide4.xml><?xml version="1.0" encoding="utf-8"?>
-<p:sld xmlns:a="http://schemas.openxmlformats.org/drawingml/2006/main" xmlns:r="http://schemas.openxmlformats.org/officeDocument/2006/relationships" xmlns:p="http://schemas.openxmlformats.org/presentationml/2006/main">
-  <p:cSld>
-    <p:spTree>
-      <p:nvGrpSpPr>
-        <p:cNvPr id="1" name=""/>
-        <p:cNvGrpSpPr/>
-        <p:nvPr/>
-      </p:nvGrpSpPr>
-      <p:grpSpPr>
-        <a:xfrm>
-          <a:off x="0" y="0"/>
-          <a:ext cx="0" cy="0"/>
-          <a:chOff x="0" y="0"/>
-          <a:chExt cx="0" cy="0"/>
-        </a:xfrm>
-      </p:grpSpPr>
-      <p:pic>
-        <p:nvPicPr>
-          <p:cNvPr id="3" name="Picture 2">
-            <a:extLst>
-              <a:ext uri="{FF2B5EF4-FFF2-40B4-BE49-F238E27FC236}">
-                <a16:creationId xmlns:a16="http://schemas.microsoft.com/office/drawing/2014/main" id="{C5BBE9AC-065F-4CA8-8E67-5AB99264901A}"/>
-              </a:ext>
-            </a:extLst>
-          </p:cNvPr>
-          <p:cNvPicPr>
-            <a:picLocks noChangeAspect="1"/>
-          </p:cNvPicPr>
-          <p:nvPr/>
-        </p:nvPicPr>
-        <p:blipFill>
-          <a:blip r:embed="rId2"/>
-          <a:stretch>
-            <a:fillRect/>
-          </a:stretch>
-        </p:blipFill>
-        <p:spPr>
-          <a:xfrm>
-            <a:off x="316750" y="255790"/>
-            <a:ext cx="6343130" cy="6343130"/>
-          </a:xfrm>
-          <a:prstGeom prst="rect">
-            <a:avLst/>
-          </a:prstGeom>
-        </p:spPr>
-      </p:pic>
-      <p:sp>
-        <p:nvSpPr>
-          <p:cNvPr id="6" name="TextBox 5">
-            <a:extLst>
-              <a:ext uri="{FF2B5EF4-FFF2-40B4-BE49-F238E27FC236}">
-                <a16:creationId xmlns:a16="http://schemas.microsoft.com/office/drawing/2014/main" id="{833A8E39-8E4D-4D4A-B6B7-7E337A04690E}"/>
-              </a:ext>
-            </a:extLst>
-          </p:cNvPr>
-          <p:cNvSpPr txBox="1"/>
-          <p:nvPr/>
-        </p:nvSpPr>
-        <p:spPr>
-          <a:xfrm>
-            <a:off x="7254265" y="175274"/>
-            <a:ext cx="4485977" cy="5847755"/>
-          </a:xfrm>
-          <a:prstGeom prst="rect">
-            <a:avLst/>
-          </a:prstGeom>
-          <a:noFill/>
-        </p:spPr>
-        <p:txBody>
-          <a:bodyPr wrap="square" rtlCol="0">
-            <a:spAutoFit/>
-          </a:bodyPr>
-          <a:lstStyle/>
-          <a:p>
-            <a:r>
-              <a:rPr lang="en-US" sz="4000" b="1" dirty="0"/>
-              <a:t>According to the Mayo Clinic:</a:t>
-            </a:r>
-          </a:p>
-          <a:p>
-            <a:pPr marL="285750" indent="-285750">
-              <a:buFont typeface="Arial" panose="020B0604020202020204" pitchFamily="34" charset="0"/>
-              <a:buChar char="•"/>
-            </a:pPr>
-            <a:r>
-              <a:rPr lang="en-US" sz="2600" dirty="0"/>
-              <a:t>The gradual loss of kidney function</a:t>
-            </a:r>
-          </a:p>
-          <a:p>
-            <a:pPr marL="285750" indent="-285750">
-              <a:buFont typeface="Arial" panose="020B0604020202020204" pitchFamily="34" charset="0"/>
-              <a:buChar char="•"/>
-            </a:pPr>
-            <a:r>
-              <a:rPr lang="en-US" sz="2600" dirty="0"/>
-              <a:t>In advanced stages, dangerous levels of fluid, electrolytes and wastes can build up in the body</a:t>
-            </a:r>
-          </a:p>
-          <a:p>
-            <a:pPr marL="285750" indent="-285750">
-              <a:buFont typeface="Arial" panose="020B0604020202020204" pitchFamily="34" charset="0"/>
-              <a:buChar char="•"/>
-            </a:pPr>
-            <a:r>
-              <a:rPr lang="en-US" sz="2600" dirty="0"/>
-              <a:t>Treatment focuses on slowing the progression of the kidney damage</a:t>
-            </a:r>
-          </a:p>
-          <a:p>
-            <a:pPr marL="285750" indent="-285750">
-              <a:buFont typeface="Arial" panose="020B0604020202020204" pitchFamily="34" charset="0"/>
-              <a:buChar char="•"/>
-            </a:pPr>
-            <a:r>
-              <a:rPr lang="en-US" sz="2600" dirty="0"/>
-              <a:t>May lead to fatal kidney failure if untreated</a:t>
-            </a:r>
-          </a:p>
-        </p:txBody>
-      </p:sp>
-      <p:sp>
-        <p:nvSpPr>
-          <p:cNvPr id="7" name="Rectangle: Rounded Corners 6">
-            <a:extLst>
-              <a:ext uri="{FF2B5EF4-FFF2-40B4-BE49-F238E27FC236}">
-                <a16:creationId xmlns:a16="http://schemas.microsoft.com/office/drawing/2014/main" id="{84E8968C-5DAE-43F6-A230-42E0A69BAE26}"/>
-              </a:ext>
-            </a:extLst>
-          </p:cNvPr>
-          <p:cNvSpPr/>
-          <p:nvPr/>
-        </p:nvSpPr>
-        <p:spPr>
-          <a:xfrm>
-            <a:off x="6830785" y="175274"/>
-            <a:ext cx="5044465" cy="5769441"/>
-          </a:xfrm>
-          <a:prstGeom prst="roundRect">
-            <a:avLst/>
-          </a:prstGeom>
-          <a:noFill/>
-          <a:ln w="76200"/>
-        </p:spPr>
-        <p:style>
-          <a:lnRef idx="2">
-            <a:schemeClr val="accent2"/>
-          </a:lnRef>
-          <a:fillRef idx="1">
-            <a:schemeClr val="lt1"/>
-          </a:fillRef>
-          <a:effectRef idx="0">
-            <a:schemeClr val="accent2"/>
-          </a:effectRef>
-          <a:fontRef idx="minor">
-            <a:schemeClr val="dk1"/>
-          </a:fontRef>
-        </p:style>
-        <p:txBody>
-          <a:bodyPr rtlCol="0" anchor="ctr"/>
-          <a:lstStyle/>
-          <a:p>
-            <a:pPr algn="ctr"/>
-            <a:endParaRPr lang="en-US"/>
-          </a:p>
-        </p:txBody>
-      </p:sp>
-      <p:sp>
-        <p:nvSpPr>
-          <p:cNvPr id="8" name="Rectangle 7">
-            <a:extLst>
-              <a:ext uri="{FF2B5EF4-FFF2-40B4-BE49-F238E27FC236}">
-                <a16:creationId xmlns:a16="http://schemas.microsoft.com/office/drawing/2014/main" id="{8E072DFB-7616-448B-A4E6-F37D378D4330}"/>
-              </a:ext>
-            </a:extLst>
-          </p:cNvPr>
-          <p:cNvSpPr/>
-          <p:nvPr/>
-        </p:nvSpPr>
-        <p:spPr>
-          <a:xfrm>
-            <a:off x="6991895" y="6075700"/>
-            <a:ext cx="6096000" cy="523220"/>
-          </a:xfrm>
-          <a:prstGeom prst="rect">
-            <a:avLst/>
-          </a:prstGeom>
-        </p:spPr>
-        <p:txBody>
-          <a:bodyPr>
-            <a:spAutoFit/>
-          </a:bodyPr>
-          <a:lstStyle/>
-          <a:p>
-            <a:r>
-              <a:rPr lang="en-US" sz="1400" dirty="0">
-                <a:hlinkClick r:id="rId3"/>
-              </a:rPr>
-              <a:t>https://www.mayoclinic.org/diseases-conditions/chronic-kidney-disease/symptoms-causes/syc-20354521</a:t>
-            </a:r>
-            <a:endParaRPr lang="en-US" sz="1400" dirty="0"/>
-          </a:p>
-        </p:txBody>
-      </p:sp>
-    </p:spTree>
-    <p:extLst>
-      <p:ext uri="{BB962C8B-B14F-4D97-AF65-F5344CB8AC3E}">
-        <p14:creationId xmlns:p14="http://schemas.microsoft.com/office/powerpoint/2010/main" val="3917086069"/>
-      </p:ext>
-    </p:extLst>
-  </p:cSld>
-  <p:clrMapOvr>
-    <a:masterClrMapping/>
-  </p:clrMapOvr>
-  <mc:AlternateContent xmlns:mc="http://schemas.openxmlformats.org/markup-compatibility/2006" xmlns:p14="http://schemas.microsoft.com/office/powerpoint/2010/main">
-    <mc:Choice Requires="p14">
-      <p:transition spd="med" p14:dur="700">
-        <p:fade/>
-      </p:transition>
-    </mc:Choice>
-    <mc:Fallback xmlns="">
-      <p:transition spd="med">
-        <p:fade/>
-      </p:transition>
-    </mc:Fallback>
-  </mc:AlternateContent>
-</p:sld>
-</file>
-
-<file path=ppt/slides/slide5.xml><?xml version="1.0" encoding="utf-8"?>
+<file path=ppt/slides/slide7.xml><?xml version="1.0" encoding="utf-8"?>
 <p:sld xmlns:a="http://schemas.openxmlformats.org/drawingml/2006/main" xmlns:r="http://schemas.openxmlformats.org/officeDocument/2006/relationships" xmlns:p="http://schemas.openxmlformats.org/presentationml/2006/main">
   <p:cSld>
     <p:bg>
@@ -22721,38 +22975,23 @@
         </p:nvSpPr>
         <p:spPr>
           <a:xfrm>
-            <a:off x="33438" y="1198418"/>
-            <a:ext cx="4258494" cy="4461163"/>
+            <a:off x="44598" y="1061043"/>
+            <a:ext cx="5102135" cy="4461163"/>
           </a:xfrm>
         </p:spPr>
         <p:txBody>
           <a:bodyPr>
-            <a:normAutofit fontScale="90000"/>
+            <a:normAutofit/>
           </a:bodyPr>
           <a:lstStyle/>
           <a:p>
             <a:r>
-              <a:rPr lang="en-US" sz="7200" b="1" dirty="0">
+              <a:rPr lang="en-US" sz="6000" b="1" dirty="0">
                 <a:solidFill>
                   <a:srgbClr val="FFFFFF"/>
                 </a:solidFill>
               </a:rPr>
-              <a:t>Data Dictionary</a:t>
-            </a:r>
-            <a:br>
-              <a:rPr lang="en-US" sz="7200" b="1" dirty="0">
-                <a:solidFill>
-                  <a:srgbClr val="FFFFFF"/>
-                </a:solidFill>
-              </a:rPr>
-            </a:br>
-            <a:r>
-              <a:rPr lang="en-US" sz="7200" b="1" dirty="0">
-                <a:solidFill>
-                  <a:srgbClr val="FFFFFF"/>
-                </a:solidFill>
-              </a:rPr>
-              <a:t>and Dummy Coding</a:t>
+              <a:t>Target Classification Variable</a:t>
             </a:r>
           </a:p>
         </p:txBody>
@@ -22820,10 +23059,46 @@
       </p:sp>
       <p:sp>
         <p:nvSpPr>
-          <p:cNvPr id="9" name="Rectangle 8">
-            <a:extLst>
-              <a:ext uri="{FF2B5EF4-FFF2-40B4-BE49-F238E27FC236}">
-                <a16:creationId xmlns:a16="http://schemas.microsoft.com/office/drawing/2014/main" id="{6C3E3274-0E6A-4076-95EB-5B4B4022ADF2}"/>
+          <p:cNvPr id="6" name="TextBox 5">
+            <a:extLst>
+              <a:ext uri="{FF2B5EF4-FFF2-40B4-BE49-F238E27FC236}">
+                <a16:creationId xmlns:a16="http://schemas.microsoft.com/office/drawing/2014/main" id="{3B9F0BEA-60D9-4946-A49A-950DF27E36D8}"/>
+              </a:ext>
+            </a:extLst>
+          </p:cNvPr>
+          <p:cNvSpPr txBox="1"/>
+          <p:nvPr/>
+        </p:nvSpPr>
+        <p:spPr>
+          <a:xfrm>
+            <a:off x="5048332" y="1335794"/>
+            <a:ext cx="5283145" cy="830997"/>
+          </a:xfrm>
+          <a:prstGeom prst="rect">
+            <a:avLst/>
+          </a:prstGeom>
+          <a:noFill/>
+        </p:spPr>
+        <p:txBody>
+          <a:bodyPr wrap="square" rtlCol="0">
+            <a:spAutoFit/>
+          </a:bodyPr>
+          <a:lstStyle/>
+          <a:p>
+            <a:pPr algn="ctr"/>
+            <a:r>
+              <a:rPr lang="en-US" sz="2400" b="1" i="1" dirty="0"/>
+              <a:t>Does this patient have chronic kidney disease or not?</a:t>
+            </a:r>
+          </a:p>
+        </p:txBody>
+      </p:sp>
+      <p:sp>
+        <p:nvSpPr>
+          <p:cNvPr id="7" name="Rectangle 6">
+            <a:extLst>
+              <a:ext uri="{FF2B5EF4-FFF2-40B4-BE49-F238E27FC236}">
+                <a16:creationId xmlns:a16="http://schemas.microsoft.com/office/drawing/2014/main" id="{DAF65C1C-9BF7-4D7C-9019-34D48402BFC2}"/>
               </a:ext>
             </a:extLst>
           </p:cNvPr>
@@ -22832,8 +23107,84 @@
         </p:nvSpPr>
         <p:spPr>
           <a:xfrm>
-            <a:off x="7892278" y="5998707"/>
-            <a:ext cx="1967593" cy="646331"/>
+            <a:off x="3502124" y="383179"/>
+            <a:ext cx="8375563" cy="1107996"/>
+          </a:xfrm>
+          <a:prstGeom prst="rect">
+            <a:avLst/>
+          </a:prstGeom>
+        </p:spPr>
+        <p:txBody>
+          <a:bodyPr wrap="none">
+            <a:spAutoFit/>
+          </a:bodyPr>
+          <a:lstStyle/>
+          <a:p>
+            <a:r>
+              <a:rPr lang="en-US" sz="4800" b="1" dirty="0">
+                <a:solidFill>
+                  <a:schemeClr val="accent2"/>
+                </a:solidFill>
+              </a:rPr>
+              <a:t>Target Variable = “classification”</a:t>
+            </a:r>
+          </a:p>
+          <a:p>
+            <a:endParaRPr lang="en-US" dirty="0"/>
+          </a:p>
+        </p:txBody>
+      </p:sp>
+      <p:sp>
+        <p:nvSpPr>
+          <p:cNvPr id="8" name="TextBox 7">
+            <a:extLst>
+              <a:ext uri="{FF2B5EF4-FFF2-40B4-BE49-F238E27FC236}">
+                <a16:creationId xmlns:a16="http://schemas.microsoft.com/office/drawing/2014/main" id="{7F8AB6E0-C612-49D2-8CF3-B9F409AA65A6}"/>
+              </a:ext>
+            </a:extLst>
+          </p:cNvPr>
+          <p:cNvSpPr txBox="1"/>
+          <p:nvPr/>
+        </p:nvSpPr>
+        <p:spPr>
+          <a:xfrm>
+            <a:off x="4398764" y="2459003"/>
+            <a:ext cx="3394471" cy="707886"/>
+          </a:xfrm>
+          <a:prstGeom prst="rect">
+            <a:avLst/>
+          </a:prstGeom>
+          <a:noFill/>
+        </p:spPr>
+        <p:txBody>
+          <a:bodyPr wrap="square" rtlCol="0">
+            <a:spAutoFit/>
+          </a:bodyPr>
+          <a:lstStyle/>
+          <a:p>
+            <a:r>
+              <a:rPr lang="en-US" sz="2000" dirty="0"/>
+              <a:t>Chronic Kidney Disease is present:</a:t>
+            </a:r>
+          </a:p>
+        </p:txBody>
+      </p:sp>
+      <p:sp>
+        <p:nvSpPr>
+          <p:cNvPr id="9" name="Rectangle 8">
+            <a:extLst>
+              <a:ext uri="{FF2B5EF4-FFF2-40B4-BE49-F238E27FC236}">
+                <a16:creationId xmlns:a16="http://schemas.microsoft.com/office/drawing/2014/main" id="{2DF411E6-6B4D-493D-8F20-E903B6F083BB}"/>
+              </a:ext>
+            </a:extLst>
+          </p:cNvPr>
+          <p:cNvSpPr/>
+          <p:nvPr/>
+        </p:nvSpPr>
+        <p:spPr>
+          <a:xfrm>
+            <a:off x="8082471" y="2447667"/>
+            <a:ext cx="2955643" cy="707886"/>
           </a:xfrm>
           <a:prstGeom prst="rect">
             <a:avLst/>
@@ -22846,21 +23197,96 @@
           <a:lstStyle/>
           <a:p>
             <a:r>
-              <a:rPr lang="en-US" sz="1200" dirty="0">
-                <a:hlinkClick r:id="rId3"/>
-              </a:rPr>
-              <a:t>https://archive.ics.uci.edu/ml/datasets/Chronic_Kidney_Disease</a:t>
-            </a:r>
-            <a:endParaRPr lang="en-US" sz="1200" dirty="0"/>
+              <a:rPr lang="en-US" sz="2000" dirty="0"/>
+              <a:t>Chronic Kidney Disease is </a:t>
+            </a:r>
+            <a:r>
+              <a:rPr lang="en-US" sz="2000" i="1" dirty="0"/>
+              <a:t>not</a:t>
+            </a:r>
+            <a:r>
+              <a:rPr lang="en-US" sz="2000" dirty="0"/>
+              <a:t> present:</a:t>
+            </a:r>
+          </a:p>
+        </p:txBody>
+      </p:sp>
+      <p:sp>
+        <p:nvSpPr>
+          <p:cNvPr id="10" name="TextBox 9">
+            <a:extLst>
+              <a:ext uri="{FF2B5EF4-FFF2-40B4-BE49-F238E27FC236}">
+                <a16:creationId xmlns:a16="http://schemas.microsoft.com/office/drawing/2014/main" id="{2049C0D5-8B93-467B-B948-F0BEDFCA49C7}"/>
+              </a:ext>
+            </a:extLst>
+          </p:cNvPr>
+          <p:cNvSpPr txBox="1"/>
+          <p:nvPr/>
+        </p:nvSpPr>
+        <p:spPr>
+          <a:xfrm>
+            <a:off x="4886476" y="3041311"/>
+            <a:ext cx="2351315" cy="369332"/>
+          </a:xfrm>
+          <a:prstGeom prst="rect">
+            <a:avLst/>
+          </a:prstGeom>
+          <a:noFill/>
+        </p:spPr>
+        <p:txBody>
+          <a:bodyPr wrap="square" rtlCol="0">
+            <a:spAutoFit/>
+          </a:bodyPr>
+          <a:lstStyle/>
+          <a:p>
+            <a:r>
+              <a:rPr lang="en-US" b="1" i="1" dirty="0"/>
+              <a:t>classification = 1</a:t>
+            </a:r>
+          </a:p>
+        </p:txBody>
+      </p:sp>
+      <p:sp>
+        <p:nvSpPr>
+          <p:cNvPr id="11" name="TextBox 10">
+            <a:extLst>
+              <a:ext uri="{FF2B5EF4-FFF2-40B4-BE49-F238E27FC236}">
+                <a16:creationId xmlns:a16="http://schemas.microsoft.com/office/drawing/2014/main" id="{A135DFAA-C568-49C3-B280-058B332AB6BD}"/>
+              </a:ext>
+            </a:extLst>
+          </p:cNvPr>
+          <p:cNvSpPr txBox="1"/>
+          <p:nvPr/>
+        </p:nvSpPr>
+        <p:spPr>
+          <a:xfrm>
+            <a:off x="8705199" y="3063792"/>
+            <a:ext cx="1959428" cy="369332"/>
+          </a:xfrm>
+          <a:prstGeom prst="rect">
+            <a:avLst/>
+          </a:prstGeom>
+          <a:noFill/>
+        </p:spPr>
+        <p:txBody>
+          <a:bodyPr wrap="square" rtlCol="0">
+            <a:spAutoFit/>
+          </a:bodyPr>
+          <a:lstStyle/>
+          <a:p>
+            <a:r>
+              <a:rPr lang="en-US" b="1" i="1" dirty="0"/>
+              <a:t>classification = 0</a:t>
+            </a:r>
           </a:p>
         </p:txBody>
       </p:sp>
       <p:pic>
         <p:nvPicPr>
-          <p:cNvPr id="13" name="Picture 12">
-            <a:extLst>
-              <a:ext uri="{FF2B5EF4-FFF2-40B4-BE49-F238E27FC236}">
-                <a16:creationId xmlns:a16="http://schemas.microsoft.com/office/drawing/2014/main" id="{F804FE6C-E087-4E2B-BFF1-348017FA6DCC}"/>
+          <p:cNvPr id="14" name="Graphic 13" descr="Kidneys">
+            <a:extLst>
+              <a:ext uri="{FF2B5EF4-FFF2-40B4-BE49-F238E27FC236}">
+                <a16:creationId xmlns:a16="http://schemas.microsoft.com/office/drawing/2014/main" id="{053DB75F-A93F-4D5F-9A4F-AF41ABEECA17}"/>
               </a:ext>
             </a:extLst>
           </p:cNvPr>
@@ -22870,136 +23296,36 @@
           <p:nvPr/>
         </p:nvPicPr>
         <p:blipFill>
-          <a:blip r:embed="rId4"/>
+          <a:blip r:embed="rId3">
+            <a:extLst>
+              <a:ext uri="{28A0092B-C50C-407E-A947-70E740481C1C}">
+                <a14:useLocalDpi xmlns:a14="http://schemas.microsoft.com/office/drawing/2010/main" val="0"/>
+              </a:ext>
+              <a:ext uri="{96DAC541-7B7A-43D3-8B79-37D633B846F1}">
+                <asvg:svgBlip xmlns:asvg="http://schemas.microsoft.com/office/drawing/2016/SVG/main" r:embed="rId4"/>
+              </a:ext>
+            </a:extLst>
+          </a:blip>
           <a:stretch>
             <a:fillRect/>
           </a:stretch>
         </p:blipFill>
         <p:spPr>
           <a:xfrm>
-            <a:off x="7851321" y="146955"/>
-            <a:ext cx="2794908" cy="4010938"/>
+            <a:off x="6632981" y="3260468"/>
+            <a:ext cx="2001794" cy="2001794"/>
           </a:xfrm>
           <a:prstGeom prst="rect">
             <a:avLst/>
           </a:prstGeom>
         </p:spPr>
       </p:pic>
-      <p:sp>
-        <p:nvSpPr>
-          <p:cNvPr id="15" name="TextBox 14">
-            <a:extLst>
-              <a:ext uri="{FF2B5EF4-FFF2-40B4-BE49-F238E27FC236}">
-                <a16:creationId xmlns:a16="http://schemas.microsoft.com/office/drawing/2014/main" id="{292A1E53-59D2-4B50-819C-0AA492E8F340}"/>
-              </a:ext>
-            </a:extLst>
-          </p:cNvPr>
-          <p:cNvSpPr txBox="1"/>
-          <p:nvPr/>
-        </p:nvSpPr>
-        <p:spPr>
-          <a:xfrm>
-            <a:off x="7795680" y="4304118"/>
-            <a:ext cx="3231550" cy="1661993"/>
-          </a:xfrm>
-          <a:prstGeom prst="rect">
-            <a:avLst/>
-          </a:prstGeom>
-          <a:noFill/>
-        </p:spPr>
-        <p:txBody>
-          <a:bodyPr wrap="square" rtlCol="0">
-            <a:spAutoFit/>
-          </a:bodyPr>
-          <a:lstStyle/>
-          <a:p>
-            <a:r>
-              <a:rPr lang="en-US" sz="1700" b="1" dirty="0"/>
-              <a:t>We removed one categorical variable for each dummy variable to avoid multicollinearity:</a:t>
-            </a:r>
-          </a:p>
-          <a:p>
-            <a:r>
-              <a:rPr lang="en-US" sz="1700" b="1" dirty="0"/>
-              <a:t>	- sg_1.005</a:t>
-            </a:r>
-          </a:p>
-          <a:p>
-            <a:r>
-              <a:rPr lang="en-US" sz="1700" b="1" dirty="0"/>
-              <a:t>	- al_0.0</a:t>
-            </a:r>
-          </a:p>
-          <a:p>
-            <a:r>
-              <a:rPr lang="en-US" sz="1700" b="1" dirty="0"/>
-              <a:t>	- su_0.0</a:t>
-            </a:r>
-          </a:p>
-        </p:txBody>
-      </p:sp>
-      <p:sp>
-        <p:nvSpPr>
-          <p:cNvPr id="16" name="Rectangle: Rounded Corners 15">
-            <a:extLst>
-              <a:ext uri="{FF2B5EF4-FFF2-40B4-BE49-F238E27FC236}">
-                <a16:creationId xmlns:a16="http://schemas.microsoft.com/office/drawing/2014/main" id="{D1853B7B-2D85-4C1B-9870-B13EA7A3DE54}"/>
-              </a:ext>
-            </a:extLst>
-          </p:cNvPr>
-          <p:cNvSpPr/>
-          <p:nvPr/>
-        </p:nvSpPr>
-        <p:spPr>
-          <a:xfrm>
-            <a:off x="7773021" y="4245365"/>
-            <a:ext cx="3231550" cy="1720746"/>
-          </a:xfrm>
-          <a:prstGeom prst="roundRect">
-            <a:avLst/>
-          </a:prstGeom>
-          <a:noFill/>
-          <a:ln w="38100">
-            <a:solidFill>
-              <a:schemeClr val="accent2"/>
-            </a:solidFill>
-          </a:ln>
-        </p:spPr>
-        <p:style>
-          <a:lnRef idx="2">
-            <a:schemeClr val="accent1">
-              <a:shade val="50000"/>
-            </a:schemeClr>
-          </a:lnRef>
-          <a:fillRef idx="1">
-            <a:schemeClr val="accent1"/>
-          </a:fillRef>
-          <a:effectRef idx="0">
-            <a:schemeClr val="accent1"/>
-          </a:effectRef>
-          <a:fontRef idx="minor">
-            <a:schemeClr val="lt1"/>
-          </a:fontRef>
-        </p:style>
-        <p:txBody>
-          <a:bodyPr rtlCol="0" anchor="ctr"/>
-          <a:lstStyle/>
-          <a:p>
-            <a:pPr algn="ctr"/>
-            <a:endParaRPr lang="en-US">
-              <a:solidFill>
-                <a:schemeClr val="accent2"/>
-              </a:solidFill>
-            </a:endParaRPr>
-          </a:p>
-        </p:txBody>
-      </p:sp>
       <p:pic>
         <p:nvPicPr>
-          <p:cNvPr id="3" name="Picture 2">
-            <a:extLst>
-              <a:ext uri="{FF2B5EF4-FFF2-40B4-BE49-F238E27FC236}">
-                <a16:creationId xmlns:a16="http://schemas.microsoft.com/office/drawing/2014/main" id="{48927B09-7CEA-4E2A-92E7-BCED88D75A37}"/>
+          <p:cNvPr id="23" name="Graphic 22" descr="Badge Question Mark">
+            <a:extLst>
+              <a:ext uri="{FF2B5EF4-FFF2-40B4-BE49-F238E27FC236}">
+                <a16:creationId xmlns:a16="http://schemas.microsoft.com/office/drawing/2014/main" id="{79CF974B-7BDD-42E7-B13A-863AF8381312}"/>
               </a:ext>
             </a:extLst>
           </p:cNvPr>
@@ -23009,38 +23335,633 @@
           <p:nvPr/>
         </p:nvPicPr>
         <p:blipFill>
-          <a:blip r:embed="rId5"/>
+          <a:blip r:embed="rId5">
+            <a:extLst>
+              <a:ext uri="{28A0092B-C50C-407E-A947-70E740481C1C}">
+                <a14:useLocalDpi xmlns:a14="http://schemas.microsoft.com/office/drawing/2010/main" val="0"/>
+              </a:ext>
+              <a:ext uri="{96DAC541-7B7A-43D3-8B79-37D633B846F1}">
+                <asvg:svgBlip xmlns:asvg="http://schemas.microsoft.com/office/drawing/2016/SVG/main" r:embed="rId6"/>
+              </a:ext>
+            </a:extLst>
+          </a:blip>
           <a:stretch>
             <a:fillRect/>
           </a:stretch>
         </p:blipFill>
         <p:spPr>
-          <a:xfrm>
-            <a:off x="4453200" y="75507"/>
-            <a:ext cx="3097202" cy="6569531"/>
+          <a:xfrm rot="21118047">
+            <a:off x="9561388" y="3672149"/>
+            <a:ext cx="914400" cy="914400"/>
           </a:xfrm>
           <a:prstGeom prst="rect">
             <a:avLst/>
           </a:prstGeom>
         </p:spPr>
       </p:pic>
+      <p:pic>
+        <p:nvPicPr>
+          <p:cNvPr id="28" name="Picture 27">
+            <a:extLst>
+              <a:ext uri="{FF2B5EF4-FFF2-40B4-BE49-F238E27FC236}">
+                <a16:creationId xmlns:a16="http://schemas.microsoft.com/office/drawing/2014/main" id="{9726213A-A0AB-4C4A-8A90-92295CF53CA6}"/>
+              </a:ext>
+            </a:extLst>
+          </p:cNvPr>
+          <p:cNvPicPr>
+            <a:picLocks noChangeAspect="1"/>
+          </p:cNvPicPr>
+          <p:nvPr/>
+        </p:nvPicPr>
+        <p:blipFill>
+          <a:blip r:embed="rId7"/>
+          <a:stretch>
+            <a:fillRect/>
+          </a:stretch>
+        </p:blipFill>
+        <p:spPr>
+          <a:xfrm rot="1659615">
+            <a:off x="8855223" y="5036771"/>
+            <a:ext cx="1036410" cy="1042506"/>
+          </a:xfrm>
+          <a:prstGeom prst="rect">
+            <a:avLst/>
+          </a:prstGeom>
+        </p:spPr>
+      </p:pic>
+      <p:pic>
+        <p:nvPicPr>
+          <p:cNvPr id="34" name="Picture 33">
+            <a:extLst>
+              <a:ext uri="{FF2B5EF4-FFF2-40B4-BE49-F238E27FC236}">
+                <a16:creationId xmlns:a16="http://schemas.microsoft.com/office/drawing/2014/main" id="{50AC4E3C-50D0-4F4D-9ED3-CCD2DFD576BA}"/>
+              </a:ext>
+            </a:extLst>
+          </p:cNvPr>
+          <p:cNvPicPr>
+            <a:picLocks noChangeAspect="1"/>
+          </p:cNvPicPr>
+          <p:nvPr/>
+        </p:nvPicPr>
+        <p:blipFill>
+          <a:blip r:embed="rId8"/>
+          <a:stretch>
+            <a:fillRect/>
+          </a:stretch>
+        </p:blipFill>
+        <p:spPr>
+          <a:xfrm rot="20310023">
+            <a:off x="6904918" y="5662257"/>
+            <a:ext cx="1457920" cy="1457920"/>
+          </a:xfrm>
+          <a:prstGeom prst="rect">
+            <a:avLst/>
+          </a:prstGeom>
+        </p:spPr>
+      </p:pic>
+      <p:pic>
+        <p:nvPicPr>
+          <p:cNvPr id="38" name="Picture 37">
+            <a:extLst>
+              <a:ext uri="{FF2B5EF4-FFF2-40B4-BE49-F238E27FC236}">
+                <a16:creationId xmlns:a16="http://schemas.microsoft.com/office/drawing/2014/main" id="{0F337893-D53E-4E6F-8CB7-88EC0D5AD93D}"/>
+              </a:ext>
+            </a:extLst>
+          </p:cNvPr>
+          <p:cNvPicPr>
+            <a:picLocks noChangeAspect="1"/>
+          </p:cNvPicPr>
+          <p:nvPr/>
+        </p:nvPicPr>
+        <p:blipFill>
+          <a:blip r:embed="rId9"/>
+          <a:stretch>
+            <a:fillRect/>
+          </a:stretch>
+        </p:blipFill>
+        <p:spPr>
+          <a:xfrm rot="857437">
+            <a:off x="4853469" y="3581218"/>
+            <a:ext cx="1042506" cy="1036410"/>
+          </a:xfrm>
+          <a:prstGeom prst="rect">
+            <a:avLst/>
+          </a:prstGeom>
+        </p:spPr>
+      </p:pic>
+      <p:pic>
+        <p:nvPicPr>
+          <p:cNvPr id="42" name="Picture 41">
+            <a:extLst>
+              <a:ext uri="{FF2B5EF4-FFF2-40B4-BE49-F238E27FC236}">
+                <a16:creationId xmlns:a16="http://schemas.microsoft.com/office/drawing/2014/main" id="{BB342EDE-63D3-43D7-8731-16E5A3C86C1A}"/>
+              </a:ext>
+            </a:extLst>
+          </p:cNvPr>
+          <p:cNvPicPr>
+            <a:picLocks noChangeAspect="1"/>
+          </p:cNvPicPr>
+          <p:nvPr/>
+        </p:nvPicPr>
+        <p:blipFill>
+          <a:blip r:embed="rId10"/>
+          <a:stretch>
+            <a:fillRect/>
+          </a:stretch>
+        </p:blipFill>
+        <p:spPr>
+          <a:xfrm rot="18906180">
+            <a:off x="5229257" y="5001612"/>
+            <a:ext cx="1408298" cy="1408298"/>
+          </a:xfrm>
+          <a:prstGeom prst="rect">
+            <a:avLst/>
+          </a:prstGeom>
+        </p:spPr>
+      </p:pic>
+      <p:pic>
+        <p:nvPicPr>
+          <p:cNvPr id="44" name="Graphic 43" descr="Adhesive Bandage">
+            <a:extLst>
+              <a:ext uri="{FF2B5EF4-FFF2-40B4-BE49-F238E27FC236}">
+                <a16:creationId xmlns:a16="http://schemas.microsoft.com/office/drawing/2014/main" id="{65A7DAC9-D1EA-4754-B4AF-396FE648D520}"/>
+              </a:ext>
+            </a:extLst>
+          </p:cNvPr>
+          <p:cNvPicPr>
+            <a:picLocks noChangeAspect="1"/>
+          </p:cNvPicPr>
+          <p:nvPr/>
+        </p:nvPicPr>
+        <p:blipFill>
+          <a:blip r:embed="rId11">
+            <a:extLst>
+              <a:ext uri="{28A0092B-C50C-407E-A947-70E740481C1C}">
+                <a14:useLocalDpi xmlns:a14="http://schemas.microsoft.com/office/drawing/2010/main" val="0"/>
+              </a:ext>
+              <a:ext uri="{96DAC541-7B7A-43D3-8B79-37D633B846F1}">
+                <asvg:svgBlip xmlns:asvg="http://schemas.microsoft.com/office/drawing/2016/SVG/main" r:embed="rId12"/>
+              </a:ext>
+            </a:extLst>
+          </a:blip>
+          <a:stretch>
+            <a:fillRect/>
+          </a:stretch>
+        </p:blipFill>
+        <p:spPr>
+          <a:xfrm rot="5400000">
+            <a:off x="7829220" y="3638548"/>
+            <a:ext cx="720069" cy="720069"/>
+          </a:xfrm>
+          <a:prstGeom prst="rect">
+            <a:avLst/>
+          </a:prstGeom>
+        </p:spPr>
+      </p:pic>
+      <p:pic>
+        <p:nvPicPr>
+          <p:cNvPr id="46" name="Picture 45">
+            <a:extLst>
+              <a:ext uri="{FF2B5EF4-FFF2-40B4-BE49-F238E27FC236}">
+                <a16:creationId xmlns:a16="http://schemas.microsoft.com/office/drawing/2014/main" id="{DCCF9EF3-9D17-4B08-A727-D2202B2A92DF}"/>
+              </a:ext>
+            </a:extLst>
+          </p:cNvPr>
+          <p:cNvPicPr>
+            <a:picLocks noChangeAspect="1"/>
+          </p:cNvPicPr>
+          <p:nvPr/>
+        </p:nvPicPr>
+        <p:blipFill>
+          <a:blip r:embed="rId13"/>
+          <a:stretch>
+            <a:fillRect/>
+          </a:stretch>
+        </p:blipFill>
+        <p:spPr>
+          <a:xfrm rot="5065270">
+            <a:off x="7811656" y="3760373"/>
+            <a:ext cx="719390" cy="719390"/>
+          </a:xfrm>
+          <a:prstGeom prst="rect">
+            <a:avLst/>
+          </a:prstGeom>
+        </p:spPr>
+      </p:pic>
+      <p:pic>
+        <p:nvPicPr>
+          <p:cNvPr id="48" name="Picture 47">
+            <a:extLst>
+              <a:ext uri="{FF2B5EF4-FFF2-40B4-BE49-F238E27FC236}">
+                <a16:creationId xmlns:a16="http://schemas.microsoft.com/office/drawing/2014/main" id="{4AB1BEA0-3EC3-46AF-8AF1-F9934D0C36CC}"/>
+              </a:ext>
+            </a:extLst>
+          </p:cNvPr>
+          <p:cNvPicPr>
+            <a:picLocks noChangeAspect="1"/>
+          </p:cNvPicPr>
+          <p:nvPr/>
+        </p:nvPicPr>
+        <p:blipFill>
+          <a:blip r:embed="rId13"/>
+          <a:stretch>
+            <a:fillRect/>
+          </a:stretch>
+        </p:blipFill>
+        <p:spPr>
+          <a:xfrm rot="726586">
+            <a:off x="6746783" y="3706483"/>
+            <a:ext cx="719390" cy="719390"/>
+          </a:xfrm>
+          <a:prstGeom prst="rect">
+            <a:avLst/>
+          </a:prstGeom>
+        </p:spPr>
+      </p:pic>
+      <p:pic>
+        <p:nvPicPr>
+          <p:cNvPr id="50" name="Picture 49">
+            <a:extLst>
+              <a:ext uri="{FF2B5EF4-FFF2-40B4-BE49-F238E27FC236}">
+                <a16:creationId xmlns:a16="http://schemas.microsoft.com/office/drawing/2014/main" id="{36FC039A-56FC-497B-8BF0-58BB74FA4416}"/>
+              </a:ext>
+            </a:extLst>
+          </p:cNvPr>
+          <p:cNvPicPr>
+            <a:picLocks noChangeAspect="1"/>
+          </p:cNvPicPr>
+          <p:nvPr/>
+        </p:nvPicPr>
+        <p:blipFill>
+          <a:blip r:embed="rId13"/>
+          <a:stretch>
+            <a:fillRect/>
+          </a:stretch>
+        </p:blipFill>
+        <p:spPr>
+          <a:xfrm rot="5400000">
+            <a:off x="6760548" y="3624296"/>
+            <a:ext cx="719390" cy="719390"/>
+          </a:xfrm>
+          <a:prstGeom prst="rect">
+            <a:avLst/>
+          </a:prstGeom>
+        </p:spPr>
+      </p:pic>
+      <p:sp>
+        <p:nvSpPr>
+          <p:cNvPr id="52" name="Arrow: Down 51">
+            <a:extLst>
+              <a:ext uri="{FF2B5EF4-FFF2-40B4-BE49-F238E27FC236}">
+                <a16:creationId xmlns:a16="http://schemas.microsoft.com/office/drawing/2014/main" id="{55367DAF-9F60-4345-9B74-0A4F7A6343C7}"/>
+              </a:ext>
+            </a:extLst>
+          </p:cNvPr>
+          <p:cNvSpPr/>
+          <p:nvPr/>
+        </p:nvSpPr>
+        <p:spPr>
+          <a:xfrm rot="16670240">
+            <a:off x="6108836" y="3799217"/>
+            <a:ext cx="312108" cy="804989"/>
+          </a:xfrm>
+          <a:prstGeom prst="downArrow">
+            <a:avLst/>
+          </a:prstGeom>
+        </p:spPr>
+        <p:style>
+          <a:lnRef idx="2">
+            <a:schemeClr val="dk1"/>
+          </a:lnRef>
+          <a:fillRef idx="1">
+            <a:schemeClr val="lt1"/>
+          </a:fillRef>
+          <a:effectRef idx="0">
+            <a:schemeClr val="dk1"/>
+          </a:effectRef>
+          <a:fontRef idx="minor">
+            <a:schemeClr val="dk1"/>
+          </a:fontRef>
+        </p:style>
+        <p:txBody>
+          <a:bodyPr rtlCol="0" anchor="ctr"/>
+          <a:lstStyle/>
+          <a:p>
+            <a:pPr algn="ctr"/>
+            <a:endParaRPr lang="en-US"/>
+          </a:p>
+        </p:txBody>
+      </p:sp>
+      <p:sp>
+        <p:nvSpPr>
+          <p:cNvPr id="54" name="Arrow: Down 53">
+            <a:extLst>
+              <a:ext uri="{FF2B5EF4-FFF2-40B4-BE49-F238E27FC236}">
+                <a16:creationId xmlns:a16="http://schemas.microsoft.com/office/drawing/2014/main" id="{F0FE94D4-A900-4301-B42D-D47055134801}"/>
+              </a:ext>
+            </a:extLst>
+          </p:cNvPr>
+          <p:cNvSpPr/>
+          <p:nvPr/>
+        </p:nvSpPr>
+        <p:spPr>
+          <a:xfrm rot="13484038">
+            <a:off x="6410112" y="4638725"/>
+            <a:ext cx="312108" cy="804989"/>
+          </a:xfrm>
+          <a:prstGeom prst="downArrow">
+            <a:avLst/>
+          </a:prstGeom>
+        </p:spPr>
+        <p:style>
+          <a:lnRef idx="2">
+            <a:schemeClr val="dk1"/>
+          </a:lnRef>
+          <a:fillRef idx="1">
+            <a:schemeClr val="lt1"/>
+          </a:fillRef>
+          <a:effectRef idx="0">
+            <a:schemeClr val="dk1"/>
+          </a:effectRef>
+          <a:fontRef idx="minor">
+            <a:schemeClr val="dk1"/>
+          </a:fontRef>
+        </p:style>
+        <p:txBody>
+          <a:bodyPr rtlCol="0" anchor="ctr"/>
+          <a:lstStyle/>
+          <a:p>
+            <a:pPr algn="ctr"/>
+            <a:endParaRPr lang="en-US"/>
+          </a:p>
+        </p:txBody>
+      </p:sp>
+      <p:sp>
+        <p:nvSpPr>
+          <p:cNvPr id="56" name="Arrow: Down 55">
+            <a:extLst>
+              <a:ext uri="{FF2B5EF4-FFF2-40B4-BE49-F238E27FC236}">
+                <a16:creationId xmlns:a16="http://schemas.microsoft.com/office/drawing/2014/main" id="{B5002F00-9908-4E69-8C0A-534AE0DB64AA}"/>
+              </a:ext>
+            </a:extLst>
+          </p:cNvPr>
+          <p:cNvSpPr/>
+          <p:nvPr/>
+        </p:nvSpPr>
+        <p:spPr>
+          <a:xfrm rot="10800000">
+            <a:off x="7479979" y="5119711"/>
+            <a:ext cx="312108" cy="767294"/>
+          </a:xfrm>
+          <a:prstGeom prst="downArrow">
+            <a:avLst/>
+          </a:prstGeom>
+        </p:spPr>
+        <p:style>
+          <a:lnRef idx="2">
+            <a:schemeClr val="dk1"/>
+          </a:lnRef>
+          <a:fillRef idx="1">
+            <a:schemeClr val="lt1"/>
+          </a:fillRef>
+          <a:effectRef idx="0">
+            <a:schemeClr val="dk1"/>
+          </a:effectRef>
+          <a:fontRef idx="minor">
+            <a:schemeClr val="dk1"/>
+          </a:fontRef>
+        </p:style>
+        <p:txBody>
+          <a:bodyPr rtlCol="0" anchor="ctr"/>
+          <a:lstStyle/>
+          <a:p>
+            <a:pPr algn="ctr"/>
+            <a:endParaRPr lang="en-US"/>
+          </a:p>
+        </p:txBody>
+      </p:sp>
+      <p:sp>
+        <p:nvSpPr>
+          <p:cNvPr id="58" name="Arrow: Down 57">
+            <a:extLst>
+              <a:ext uri="{FF2B5EF4-FFF2-40B4-BE49-F238E27FC236}">
+                <a16:creationId xmlns:a16="http://schemas.microsoft.com/office/drawing/2014/main" id="{E0CC6D43-DFBC-47EF-8B16-89906008DA94}"/>
+              </a:ext>
+            </a:extLst>
+          </p:cNvPr>
+          <p:cNvSpPr/>
+          <p:nvPr/>
+        </p:nvSpPr>
+        <p:spPr>
+          <a:xfrm rot="7645806">
+            <a:off x="8557023" y="4647942"/>
+            <a:ext cx="312108" cy="762350"/>
+          </a:xfrm>
+          <a:prstGeom prst="downArrow">
+            <a:avLst/>
+          </a:prstGeom>
+        </p:spPr>
+        <p:style>
+          <a:lnRef idx="2">
+            <a:schemeClr val="dk1"/>
+          </a:lnRef>
+          <a:fillRef idx="1">
+            <a:schemeClr val="lt1"/>
+          </a:fillRef>
+          <a:effectRef idx="0">
+            <a:schemeClr val="dk1"/>
+          </a:effectRef>
+          <a:fontRef idx="minor">
+            <a:schemeClr val="dk1"/>
+          </a:fontRef>
+        </p:style>
+        <p:txBody>
+          <a:bodyPr rtlCol="0" anchor="ctr"/>
+          <a:lstStyle/>
+          <a:p>
+            <a:pPr algn="ctr"/>
+            <a:endParaRPr lang="en-US"/>
+          </a:p>
+        </p:txBody>
+      </p:sp>
+      <p:sp>
+        <p:nvSpPr>
+          <p:cNvPr id="60" name="Arrow: Down 59">
+            <a:extLst>
+              <a:ext uri="{FF2B5EF4-FFF2-40B4-BE49-F238E27FC236}">
+                <a16:creationId xmlns:a16="http://schemas.microsoft.com/office/drawing/2014/main" id="{161A51EB-7400-4AFA-87A6-D4F8A3994BA2}"/>
+              </a:ext>
+            </a:extLst>
+          </p:cNvPr>
+          <p:cNvSpPr/>
+          <p:nvPr/>
+        </p:nvSpPr>
+        <p:spPr>
+          <a:xfrm rot="4920075">
+            <a:off x="8935004" y="3781190"/>
+            <a:ext cx="312108" cy="870694"/>
+          </a:xfrm>
+          <a:prstGeom prst="downArrow">
+            <a:avLst/>
+          </a:prstGeom>
+        </p:spPr>
+        <p:style>
+          <a:lnRef idx="2">
+            <a:schemeClr val="dk1"/>
+          </a:lnRef>
+          <a:fillRef idx="1">
+            <a:schemeClr val="lt1"/>
+          </a:fillRef>
+          <a:effectRef idx="0">
+            <a:schemeClr val="dk1"/>
+          </a:effectRef>
+          <a:fontRef idx="minor">
+            <a:schemeClr val="dk1"/>
+          </a:fontRef>
+        </p:style>
+        <p:txBody>
+          <a:bodyPr rtlCol="0" anchor="ctr"/>
+          <a:lstStyle/>
+          <a:p>
+            <a:pPr algn="ctr"/>
+            <a:endParaRPr lang="en-US"/>
+          </a:p>
+        </p:txBody>
+      </p:sp>
+      <p:sp>
+        <p:nvSpPr>
+          <p:cNvPr id="61" name="Rectangle: Rounded Corners 60">
+            <a:extLst>
+              <a:ext uri="{FF2B5EF4-FFF2-40B4-BE49-F238E27FC236}">
+                <a16:creationId xmlns:a16="http://schemas.microsoft.com/office/drawing/2014/main" id="{DBFCC006-313D-41B1-9466-E4E185308754}"/>
+              </a:ext>
+            </a:extLst>
+          </p:cNvPr>
+          <p:cNvSpPr/>
+          <p:nvPr/>
+        </p:nvSpPr>
+        <p:spPr>
+          <a:xfrm>
+            <a:off x="4330247" y="2387221"/>
+            <a:ext cx="2982686" cy="1085038"/>
+          </a:xfrm>
+          <a:prstGeom prst="roundRect">
+            <a:avLst/>
+          </a:prstGeom>
+          <a:noFill/>
+          <a:ln w="38100" cap="flat" cmpd="sng" algn="ctr">
+            <a:solidFill>
+              <a:schemeClr val="accent2"/>
+            </a:solidFill>
+            <a:prstDash val="solid"/>
+            <a:round/>
+            <a:headEnd type="none" w="med" len="med"/>
+            <a:tailEnd type="none" w="med" len="med"/>
+          </a:ln>
+        </p:spPr>
+        <p:style>
+          <a:lnRef idx="0">
+            <a:scrgbClr r="0" g="0" b="0"/>
+          </a:lnRef>
+          <a:fillRef idx="0">
+            <a:scrgbClr r="0" g="0" b="0"/>
+          </a:fillRef>
+          <a:effectRef idx="0">
+            <a:scrgbClr r="0" g="0" b="0"/>
+          </a:effectRef>
+          <a:fontRef idx="minor">
+            <a:schemeClr val="accent2"/>
+          </a:fontRef>
+        </p:style>
+        <p:txBody>
+          <a:bodyPr rtlCol="0" anchor="ctr"/>
+          <a:lstStyle/>
+          <a:p>
+            <a:pPr algn="ctr"/>
+            <a:endParaRPr lang="en-US"/>
+          </a:p>
+        </p:txBody>
+      </p:sp>
+      <p:sp>
+        <p:nvSpPr>
+          <p:cNvPr id="63" name="Rectangle: Rounded Corners 62">
+            <a:extLst>
+              <a:ext uri="{FF2B5EF4-FFF2-40B4-BE49-F238E27FC236}">
+                <a16:creationId xmlns:a16="http://schemas.microsoft.com/office/drawing/2014/main" id="{CD9EE2B4-7F40-4730-A9FF-8D694F866D00}"/>
+              </a:ext>
+            </a:extLst>
+          </p:cNvPr>
+          <p:cNvSpPr/>
+          <p:nvPr/>
+        </p:nvSpPr>
+        <p:spPr>
+          <a:xfrm>
+            <a:off x="8065583" y="2411818"/>
+            <a:ext cx="2867621" cy="1085038"/>
+          </a:xfrm>
+          <a:prstGeom prst="roundRect">
+            <a:avLst/>
+          </a:prstGeom>
+          <a:noFill/>
+          <a:ln w="38100" cap="flat" cmpd="sng" algn="ctr">
+            <a:solidFill>
+              <a:schemeClr val="accent2"/>
+            </a:solidFill>
+            <a:prstDash val="solid"/>
+            <a:round/>
+            <a:headEnd type="none" w="med" len="med"/>
+            <a:tailEnd type="none" w="med" len="med"/>
+          </a:ln>
+        </p:spPr>
+        <p:style>
+          <a:lnRef idx="0">
+            <a:scrgbClr r="0" g="0" b="0"/>
+          </a:lnRef>
+          <a:fillRef idx="0">
+            <a:scrgbClr r="0" g="0" b="0"/>
+          </a:fillRef>
+          <a:effectRef idx="0">
+            <a:scrgbClr r="0" g="0" b="0"/>
+          </a:effectRef>
+          <a:fontRef idx="minor">
+            <a:schemeClr val="accent2"/>
+          </a:fontRef>
+        </p:style>
+        <p:txBody>
+          <a:bodyPr rtlCol="0" anchor="ctr"/>
+          <a:lstStyle/>
+          <a:p>
+            <a:pPr algn="ctr"/>
+            <a:endParaRPr lang="en-US"/>
+          </a:p>
+        </p:txBody>
+      </p:sp>
     </p:spTree>
     <p:extLst>
       <p:ext uri="{BB962C8B-B14F-4D97-AF65-F5344CB8AC3E}">
-        <p14:creationId xmlns:p14="http://schemas.microsoft.com/office/powerpoint/2010/main" val="3449159388"/>
+        <p14:creationId xmlns:p14="http://schemas.microsoft.com/office/powerpoint/2010/main" val="2090651058"/>
       </p:ext>
     </p:extLst>
   </p:cSld>
   <p:clrMapOvr>
     <a:masterClrMapping/>
   </p:clrMapOvr>
-  <p:transition spd="slow">
-    <p:push dir="u"/>
-  </p:transition>
+  <mc:AlternateContent xmlns:mc="http://schemas.openxmlformats.org/markup-compatibility/2006" xmlns:p14="http://schemas.microsoft.com/office/powerpoint/2010/main">
+    <mc:Choice Requires="p14">
+      <p:transition spd="med" p14:dur="700">
+        <p:fade/>
+      </p:transition>
+    </mc:Choice>
+    <mc:Fallback xmlns="">
+      <p:transition spd="med">
+        <p:fade/>
+      </p:transition>
+    </mc:Fallback>
+  </mc:AlternateContent>
 </p:sld>
 </file>
 
-<file path=ppt/slides/slide6.xml><?xml version="1.0" encoding="utf-8"?>
+<file path=ppt/slides/slide8.xml><?xml version="1.0" encoding="utf-8"?>
 <p:sld xmlns:a="http://schemas.openxmlformats.org/drawingml/2006/main" xmlns:r="http://schemas.openxmlformats.org/officeDocument/2006/relationships" xmlns:p="http://schemas.openxmlformats.org/presentationml/2006/main">
   <p:cSld>
     <p:bg>
@@ -23277,8 +24198,8 @@
         </p:nvSpPr>
         <p:spPr>
           <a:xfrm>
-            <a:off x="33438" y="1198418"/>
-            <a:ext cx="4258494" cy="4461163"/>
+            <a:off x="54087" y="1153567"/>
+            <a:ext cx="4113185" cy="4461163"/>
           </a:xfrm>
         </p:spPr>
         <p:txBody>
@@ -23288,12 +24209,12 @@
           <a:lstStyle/>
           <a:p>
             <a:r>
-              <a:rPr lang="en-US" sz="7200" b="1" dirty="0">
+              <a:rPr lang="en-US" sz="6000" b="1" dirty="0">
                 <a:solidFill>
                   <a:srgbClr val="FFFFFF"/>
                 </a:solidFill>
               </a:rPr>
-              <a:t>Univariate Analysis Methods</a:t>
+              <a:t>Project Assumptions</a:t>
             </a:r>
           </a:p>
         </p:txBody>
@@ -23359,287 +24280,55 @@
           </a:p>
         </p:txBody>
       </p:sp>
-      <p:pic>
-        <p:nvPicPr>
-          <p:cNvPr id="5" name="Picture 4">
-            <a:extLst>
-              <a:ext uri="{FF2B5EF4-FFF2-40B4-BE49-F238E27FC236}">
-                <a16:creationId xmlns:a16="http://schemas.microsoft.com/office/drawing/2014/main" id="{A2574E70-A3B3-4F5D-96EB-F48DC84009F2}"/>
-              </a:ext>
-            </a:extLst>
-          </p:cNvPr>
-          <p:cNvPicPr>
-            <a:picLocks noChangeAspect="1"/>
-          </p:cNvPicPr>
-          <p:nvPr/>
-        </p:nvPicPr>
-        <p:blipFill>
-          <a:blip r:embed="rId3"/>
-          <a:stretch>
-            <a:fillRect/>
-          </a:stretch>
-        </p:blipFill>
-        <p:spPr>
-          <a:xfrm>
-            <a:off x="5837227" y="109408"/>
-            <a:ext cx="3337849" cy="2236664"/>
-          </a:xfrm>
-          <a:prstGeom prst="rect">
-            <a:avLst/>
-          </a:prstGeom>
-        </p:spPr>
-      </p:pic>
-      <p:pic>
-        <p:nvPicPr>
-          <p:cNvPr id="7" name="Picture 6">
-            <a:extLst>
-              <a:ext uri="{FF2B5EF4-FFF2-40B4-BE49-F238E27FC236}">
-                <a16:creationId xmlns:a16="http://schemas.microsoft.com/office/drawing/2014/main" id="{5EA99836-93C4-4EB0-919E-532297856366}"/>
-              </a:ext>
-            </a:extLst>
-          </p:cNvPr>
-          <p:cNvPicPr>
-            <a:picLocks noChangeAspect="1"/>
-          </p:cNvPicPr>
-          <p:nvPr/>
-        </p:nvPicPr>
-        <p:blipFill>
-          <a:blip r:embed="rId4"/>
-          <a:stretch>
-            <a:fillRect/>
-          </a:stretch>
-        </p:blipFill>
-        <p:spPr>
-          <a:xfrm>
-            <a:off x="9299736" y="299581"/>
-            <a:ext cx="2461318" cy="1919984"/>
-          </a:xfrm>
-          <a:prstGeom prst="rect">
-            <a:avLst/>
-          </a:prstGeom>
-        </p:spPr>
-      </p:pic>
-      <p:pic>
-        <p:nvPicPr>
-          <p:cNvPr id="12" name="Picture 11">
-            <a:extLst>
-              <a:ext uri="{FF2B5EF4-FFF2-40B4-BE49-F238E27FC236}">
-                <a16:creationId xmlns:a16="http://schemas.microsoft.com/office/drawing/2014/main" id="{F8BA8467-3958-464A-B30C-EAD1316C4FEF}"/>
-              </a:ext>
-            </a:extLst>
-          </p:cNvPr>
-          <p:cNvPicPr>
-            <a:picLocks noChangeAspect="1"/>
-          </p:cNvPicPr>
-          <p:nvPr/>
-        </p:nvPicPr>
-        <p:blipFill>
-          <a:blip r:embed="rId5"/>
-          <a:stretch>
-            <a:fillRect/>
-          </a:stretch>
-        </p:blipFill>
-        <p:spPr>
-          <a:xfrm>
-            <a:off x="9252856" y="2877202"/>
-            <a:ext cx="2736757" cy="796727"/>
-          </a:xfrm>
-          <a:prstGeom prst="rect">
-            <a:avLst/>
-          </a:prstGeom>
-        </p:spPr>
-      </p:pic>
-      <p:pic>
-        <p:nvPicPr>
-          <p:cNvPr id="17" name="Picture 16">
-            <a:extLst>
-              <a:ext uri="{FF2B5EF4-FFF2-40B4-BE49-F238E27FC236}">
-                <a16:creationId xmlns:a16="http://schemas.microsoft.com/office/drawing/2014/main" id="{DD4CDF0F-D5C6-4D9B-8FC7-AC835D774D06}"/>
-              </a:ext>
-            </a:extLst>
-          </p:cNvPr>
-          <p:cNvPicPr>
-            <a:picLocks noChangeAspect="1"/>
-          </p:cNvPicPr>
-          <p:nvPr/>
-        </p:nvPicPr>
-        <p:blipFill>
-          <a:blip r:embed="rId6"/>
-          <a:stretch>
-            <a:fillRect/>
-          </a:stretch>
-        </p:blipFill>
-        <p:spPr>
-          <a:xfrm>
-            <a:off x="5966010" y="4449668"/>
-            <a:ext cx="3228826" cy="2298924"/>
-          </a:xfrm>
-          <a:prstGeom prst="rect">
-            <a:avLst/>
-          </a:prstGeom>
-        </p:spPr>
-      </p:pic>
-      <p:pic>
-        <p:nvPicPr>
-          <p:cNvPr id="19" name="Picture 18">
-            <a:extLst>
-              <a:ext uri="{FF2B5EF4-FFF2-40B4-BE49-F238E27FC236}">
-                <a16:creationId xmlns:a16="http://schemas.microsoft.com/office/drawing/2014/main" id="{A10DB28B-1D77-4699-9EA5-BAEDBB7C7619}"/>
-              </a:ext>
-            </a:extLst>
-          </p:cNvPr>
-          <p:cNvPicPr>
-            <a:picLocks noChangeAspect="1"/>
-          </p:cNvPicPr>
-          <p:nvPr/>
-        </p:nvPicPr>
-        <p:blipFill>
-          <a:blip r:embed="rId7"/>
-          <a:stretch>
-            <a:fillRect/>
-          </a:stretch>
-        </p:blipFill>
-        <p:spPr>
-          <a:xfrm>
-            <a:off x="9298306" y="4548355"/>
-            <a:ext cx="2790224" cy="2071828"/>
-          </a:xfrm>
-          <a:prstGeom prst="rect">
-            <a:avLst/>
-          </a:prstGeom>
-        </p:spPr>
-      </p:pic>
-      <p:sp>
-        <p:nvSpPr>
-          <p:cNvPr id="20" name="TextBox 19">
-            <a:extLst>
-              <a:ext uri="{FF2B5EF4-FFF2-40B4-BE49-F238E27FC236}">
-                <a16:creationId xmlns:a16="http://schemas.microsoft.com/office/drawing/2014/main" id="{FB7295E9-F7A0-4D80-942E-EDC549862049}"/>
-              </a:ext>
-            </a:extLst>
-          </p:cNvPr>
-          <p:cNvSpPr txBox="1"/>
-          <p:nvPr/>
-        </p:nvSpPr>
-        <p:spPr>
-          <a:xfrm>
-            <a:off x="4197662" y="936407"/>
-            <a:ext cx="1314211" cy="646331"/>
-          </a:xfrm>
-          <a:prstGeom prst="rect">
-            <a:avLst/>
-          </a:prstGeom>
-          <a:noFill/>
-        </p:spPr>
-        <p:txBody>
-          <a:bodyPr wrap="square" rtlCol="0">
-            <a:spAutoFit/>
+      <p:sp>
+        <p:nvSpPr>
+          <p:cNvPr id="3" name="Content Placeholder 2">
+            <a:extLst>
+              <a:ext uri="{FF2B5EF4-FFF2-40B4-BE49-F238E27FC236}">
+                <a16:creationId xmlns:a16="http://schemas.microsoft.com/office/drawing/2014/main" id="{4ECBC655-D844-4CCC-8C55-B25FDEA40DF1}"/>
+              </a:ext>
+            </a:extLst>
+          </p:cNvPr>
+          <p:cNvSpPr>
+            <a:spLocks noGrp="1"/>
+          </p:cNvSpPr>
+          <p:nvPr>
+            <p:ph idx="1"/>
+          </p:nvPr>
+        </p:nvSpPr>
+        <p:spPr>
+          <a:xfrm>
+            <a:off x="4571484" y="591340"/>
+            <a:ext cx="6906491" cy="5585619"/>
+          </a:xfrm>
+        </p:spPr>
+        <p:txBody>
+          <a:bodyPr anchor="ctr">
+            <a:normAutofit/>
           </a:bodyPr>
           <a:lstStyle/>
           <a:p>
             <a:r>
-              <a:rPr lang="en-US" b="1" dirty="0"/>
-              <a:t>Continuous Analysis:</a:t>
-            </a:r>
-          </a:p>
-        </p:txBody>
-      </p:sp>
-      <p:sp>
-        <p:nvSpPr>
-          <p:cNvPr id="21" name="TextBox 20">
-            <a:extLst>
-              <a:ext uri="{FF2B5EF4-FFF2-40B4-BE49-F238E27FC236}">
-                <a16:creationId xmlns:a16="http://schemas.microsoft.com/office/drawing/2014/main" id="{54D2EF1A-AFDA-4DF2-B28B-10C42DF7F00F}"/>
-              </a:ext>
-            </a:extLst>
-          </p:cNvPr>
-          <p:cNvSpPr txBox="1"/>
-          <p:nvPr/>
-        </p:nvSpPr>
-        <p:spPr>
-          <a:xfrm>
-            <a:off x="4322322" y="2981708"/>
-            <a:ext cx="1314211" cy="646331"/>
-          </a:xfrm>
-          <a:prstGeom prst="rect">
-            <a:avLst/>
-          </a:prstGeom>
-          <a:noFill/>
-        </p:spPr>
-        <p:txBody>
-          <a:bodyPr wrap="square" rtlCol="0">
-            <a:spAutoFit/>
-          </a:bodyPr>
-          <a:lstStyle/>
-          <a:p>
-            <a:r>
-              <a:rPr lang="en-US" b="1" dirty="0"/>
-              <a:t>Categorical Analysis:</a:t>
-            </a:r>
-          </a:p>
-        </p:txBody>
-      </p:sp>
-      <p:pic>
-        <p:nvPicPr>
-          <p:cNvPr id="10" name="Picture 9">
-            <a:extLst>
-              <a:ext uri="{FF2B5EF4-FFF2-40B4-BE49-F238E27FC236}">
-                <a16:creationId xmlns:a16="http://schemas.microsoft.com/office/drawing/2014/main" id="{AE3D9305-F979-4482-83FC-1D10AF907138}"/>
-              </a:ext>
-            </a:extLst>
-          </p:cNvPr>
-          <p:cNvPicPr>
-            <a:picLocks noChangeAspect="1"/>
-          </p:cNvPicPr>
-          <p:nvPr/>
-        </p:nvPicPr>
-        <p:blipFill>
-          <a:blip r:embed="rId8"/>
-          <a:stretch>
-            <a:fillRect/>
-          </a:stretch>
-        </p:blipFill>
-        <p:spPr>
-          <a:xfrm>
-            <a:off x="5869726" y="2346072"/>
-            <a:ext cx="3334039" cy="2202371"/>
-          </a:xfrm>
-          <a:prstGeom prst="rect">
-            <a:avLst/>
-          </a:prstGeom>
-        </p:spPr>
-      </p:pic>
-      <p:sp>
-        <p:nvSpPr>
-          <p:cNvPr id="22" name="TextBox 21">
-            <a:extLst>
-              <a:ext uri="{FF2B5EF4-FFF2-40B4-BE49-F238E27FC236}">
-                <a16:creationId xmlns:a16="http://schemas.microsoft.com/office/drawing/2014/main" id="{385C1630-071B-4D76-84F3-9060EF0EA482}"/>
-              </a:ext>
-            </a:extLst>
-          </p:cNvPr>
-          <p:cNvSpPr txBox="1"/>
-          <p:nvPr/>
-        </p:nvSpPr>
-        <p:spPr>
-          <a:xfrm>
-            <a:off x="4322322" y="5057475"/>
-            <a:ext cx="1314211" cy="646331"/>
-          </a:xfrm>
-          <a:prstGeom prst="rect">
-            <a:avLst/>
-          </a:prstGeom>
-          <a:noFill/>
-        </p:spPr>
-        <p:txBody>
-          <a:bodyPr wrap="square" rtlCol="0">
-            <a:spAutoFit/>
-          </a:bodyPr>
-          <a:lstStyle/>
-          <a:p>
-            <a:r>
-              <a:rPr lang="en-US" b="1" dirty="0"/>
-              <a:t>Target Analysis:</a:t>
+              <a:rPr lang="en-US" sz="3200" dirty="0"/>
+              <a:t>Assume normality of data</a:t>
+            </a:r>
+          </a:p>
+          <a:p>
+            <a:r>
+              <a:rPr lang="en-US" sz="3200" dirty="0"/>
+              <a:t>Assume no multicollinearity exists</a:t>
+            </a:r>
+          </a:p>
+          <a:p>
+            <a:r>
+              <a:rPr lang="en-US" sz="3200" dirty="0"/>
+              <a:t>Assume data is in correct units</a:t>
+            </a:r>
+          </a:p>
+          <a:p>
+            <a:r>
+              <a:rPr lang="en-US" sz="3200" dirty="0"/>
+              <a:t>Assume data is not biased</a:t>
             </a:r>
           </a:p>
         </p:txBody>
@@ -23647,7 +24336,7 @@
     </p:spTree>
     <p:extLst>
       <p:ext uri="{BB962C8B-B14F-4D97-AF65-F5344CB8AC3E}">
-        <p14:creationId xmlns:p14="http://schemas.microsoft.com/office/powerpoint/2010/main" val="3403200840"/>
+        <p14:creationId xmlns:p14="http://schemas.microsoft.com/office/powerpoint/2010/main" val="1068172264"/>
       </p:ext>
     </p:extLst>
   </p:cSld>
@@ -23660,7 +24349,7 @@
 </p:sld>
 </file>
 
-<file path=ppt/slides/slide7.xml><?xml version="1.0" encoding="utf-8"?>
+<file path=ppt/slides/slide9.xml><?xml version="1.0" encoding="utf-8"?>
 <p:sld xmlns:a="http://schemas.openxmlformats.org/drawingml/2006/main" xmlns:r="http://schemas.openxmlformats.org/officeDocument/2006/relationships" xmlns:p="http://schemas.openxmlformats.org/presentationml/2006/main">
   <p:cSld>
     <p:bg>
@@ -23897,8 +24586,8 @@
         </p:nvSpPr>
         <p:spPr>
           <a:xfrm>
-            <a:off x="44598" y="1061043"/>
-            <a:ext cx="5102135" cy="4461163"/>
+            <a:off x="177437" y="938120"/>
+            <a:ext cx="3628154" cy="4461163"/>
           </a:xfrm>
         </p:spPr>
         <p:txBody>
@@ -23908,12 +24597,12 @@
           <a:lstStyle/>
           <a:p>
             <a:r>
-              <a:rPr lang="en-US" sz="6000" b="1" dirty="0">
+              <a:rPr lang="en-US" sz="7200" b="1" dirty="0">
                 <a:solidFill>
                   <a:srgbClr val="FFFFFF"/>
                 </a:solidFill>
               </a:rPr>
-              <a:t>Target Classification Variable</a:t>
+              <a:t>Missing Values</a:t>
             </a:r>
           </a:p>
         </p:txBody>
@@ -23981,1229 +24670,6 @@
       </p:sp>
       <p:sp>
         <p:nvSpPr>
-          <p:cNvPr id="6" name="TextBox 5">
-            <a:extLst>
-              <a:ext uri="{FF2B5EF4-FFF2-40B4-BE49-F238E27FC236}">
-                <a16:creationId xmlns:a16="http://schemas.microsoft.com/office/drawing/2014/main" id="{3B9F0BEA-60D9-4946-A49A-950DF27E36D8}"/>
-              </a:ext>
-            </a:extLst>
-          </p:cNvPr>
-          <p:cNvSpPr txBox="1"/>
-          <p:nvPr/>
-        </p:nvSpPr>
-        <p:spPr>
-          <a:xfrm>
-            <a:off x="5048332" y="1335794"/>
-            <a:ext cx="5283145" cy="830997"/>
-          </a:xfrm>
-          <a:prstGeom prst="rect">
-            <a:avLst/>
-          </a:prstGeom>
-          <a:noFill/>
-        </p:spPr>
-        <p:txBody>
-          <a:bodyPr wrap="square" rtlCol="0">
-            <a:spAutoFit/>
-          </a:bodyPr>
-          <a:lstStyle/>
-          <a:p>
-            <a:pPr algn="ctr"/>
-            <a:r>
-              <a:rPr lang="en-US" sz="2400" b="1" i="1" dirty="0"/>
-              <a:t>Does this patient have chronic kidney disease or not?</a:t>
-            </a:r>
-          </a:p>
-        </p:txBody>
-      </p:sp>
-      <p:sp>
-        <p:nvSpPr>
-          <p:cNvPr id="7" name="Rectangle 6">
-            <a:extLst>
-              <a:ext uri="{FF2B5EF4-FFF2-40B4-BE49-F238E27FC236}">
-                <a16:creationId xmlns:a16="http://schemas.microsoft.com/office/drawing/2014/main" id="{DAF65C1C-9BF7-4D7C-9019-34D48402BFC2}"/>
-              </a:ext>
-            </a:extLst>
-          </p:cNvPr>
-          <p:cNvSpPr/>
-          <p:nvPr/>
-        </p:nvSpPr>
-        <p:spPr>
-          <a:xfrm>
-            <a:off x="3502124" y="383179"/>
-            <a:ext cx="8375563" cy="1107996"/>
-          </a:xfrm>
-          <a:prstGeom prst="rect">
-            <a:avLst/>
-          </a:prstGeom>
-        </p:spPr>
-        <p:txBody>
-          <a:bodyPr wrap="none">
-            <a:spAutoFit/>
-          </a:bodyPr>
-          <a:lstStyle/>
-          <a:p>
-            <a:r>
-              <a:rPr lang="en-US" sz="4800" b="1" dirty="0">
-                <a:solidFill>
-                  <a:schemeClr val="accent2"/>
-                </a:solidFill>
-              </a:rPr>
-              <a:t>Target Variable = “classification”</a:t>
-            </a:r>
-          </a:p>
-          <a:p>
-            <a:endParaRPr lang="en-US" dirty="0"/>
-          </a:p>
-        </p:txBody>
-      </p:sp>
-      <p:sp>
-        <p:nvSpPr>
-          <p:cNvPr id="8" name="TextBox 7">
-            <a:extLst>
-              <a:ext uri="{FF2B5EF4-FFF2-40B4-BE49-F238E27FC236}">
-                <a16:creationId xmlns:a16="http://schemas.microsoft.com/office/drawing/2014/main" id="{7F8AB6E0-C612-49D2-8CF3-B9F409AA65A6}"/>
-              </a:ext>
-            </a:extLst>
-          </p:cNvPr>
-          <p:cNvSpPr txBox="1"/>
-          <p:nvPr/>
-        </p:nvSpPr>
-        <p:spPr>
-          <a:xfrm>
-            <a:off x="4398764" y="2459003"/>
-            <a:ext cx="3394471" cy="707886"/>
-          </a:xfrm>
-          <a:prstGeom prst="rect">
-            <a:avLst/>
-          </a:prstGeom>
-          <a:noFill/>
-        </p:spPr>
-        <p:txBody>
-          <a:bodyPr wrap="square" rtlCol="0">
-            <a:spAutoFit/>
-          </a:bodyPr>
-          <a:lstStyle/>
-          <a:p>
-            <a:r>
-              <a:rPr lang="en-US" sz="2000" dirty="0"/>
-              <a:t>Chronic Kidney Disease is present:</a:t>
-            </a:r>
-          </a:p>
-        </p:txBody>
-      </p:sp>
-      <p:sp>
-        <p:nvSpPr>
-          <p:cNvPr id="9" name="Rectangle 8">
-            <a:extLst>
-              <a:ext uri="{FF2B5EF4-FFF2-40B4-BE49-F238E27FC236}">
-                <a16:creationId xmlns:a16="http://schemas.microsoft.com/office/drawing/2014/main" id="{2DF411E6-6B4D-493D-8F20-E903B6F083BB}"/>
-              </a:ext>
-            </a:extLst>
-          </p:cNvPr>
-          <p:cNvSpPr/>
-          <p:nvPr/>
-        </p:nvSpPr>
-        <p:spPr>
-          <a:xfrm>
-            <a:off x="8082471" y="2447667"/>
-            <a:ext cx="2955643" cy="707886"/>
-          </a:xfrm>
-          <a:prstGeom prst="rect">
-            <a:avLst/>
-          </a:prstGeom>
-        </p:spPr>
-        <p:txBody>
-          <a:bodyPr wrap="square">
-            <a:spAutoFit/>
-          </a:bodyPr>
-          <a:lstStyle/>
-          <a:p>
-            <a:r>
-              <a:rPr lang="en-US" sz="2000" dirty="0"/>
-              <a:t>Chronic Kidney Disease is </a:t>
-            </a:r>
-            <a:r>
-              <a:rPr lang="en-US" sz="2000" i="1" dirty="0"/>
-              <a:t>not</a:t>
-            </a:r>
-            <a:r>
-              <a:rPr lang="en-US" sz="2000" dirty="0"/>
-              <a:t> present:</a:t>
-            </a:r>
-          </a:p>
-        </p:txBody>
-      </p:sp>
-      <p:sp>
-        <p:nvSpPr>
-          <p:cNvPr id="10" name="TextBox 9">
-            <a:extLst>
-              <a:ext uri="{FF2B5EF4-FFF2-40B4-BE49-F238E27FC236}">
-                <a16:creationId xmlns:a16="http://schemas.microsoft.com/office/drawing/2014/main" id="{2049C0D5-8B93-467B-B948-F0BEDFCA49C7}"/>
-              </a:ext>
-            </a:extLst>
-          </p:cNvPr>
-          <p:cNvSpPr txBox="1"/>
-          <p:nvPr/>
-        </p:nvSpPr>
-        <p:spPr>
-          <a:xfrm>
-            <a:off x="5249167" y="3062194"/>
-            <a:ext cx="2351315" cy="369332"/>
-          </a:xfrm>
-          <a:prstGeom prst="rect">
-            <a:avLst/>
-          </a:prstGeom>
-          <a:noFill/>
-        </p:spPr>
-        <p:txBody>
-          <a:bodyPr wrap="square" rtlCol="0">
-            <a:spAutoFit/>
-          </a:bodyPr>
-          <a:lstStyle/>
-          <a:p>
-            <a:r>
-              <a:rPr lang="en-US" b="1" i="1" dirty="0"/>
-              <a:t>class = 1</a:t>
-            </a:r>
-          </a:p>
-        </p:txBody>
-      </p:sp>
-      <p:sp>
-        <p:nvSpPr>
-          <p:cNvPr id="11" name="TextBox 10">
-            <a:extLst>
-              <a:ext uri="{FF2B5EF4-FFF2-40B4-BE49-F238E27FC236}">
-                <a16:creationId xmlns:a16="http://schemas.microsoft.com/office/drawing/2014/main" id="{A135DFAA-C568-49C3-B280-058B332AB6BD}"/>
-              </a:ext>
-            </a:extLst>
-          </p:cNvPr>
-          <p:cNvSpPr txBox="1"/>
-          <p:nvPr/>
-        </p:nvSpPr>
-        <p:spPr>
-          <a:xfrm>
-            <a:off x="8973776" y="3061158"/>
-            <a:ext cx="1959428" cy="369332"/>
-          </a:xfrm>
-          <a:prstGeom prst="rect">
-            <a:avLst/>
-          </a:prstGeom>
-          <a:noFill/>
-        </p:spPr>
-        <p:txBody>
-          <a:bodyPr wrap="square" rtlCol="0">
-            <a:spAutoFit/>
-          </a:bodyPr>
-          <a:lstStyle/>
-          <a:p>
-            <a:r>
-              <a:rPr lang="en-US" b="1" i="1" dirty="0"/>
-              <a:t>class = 0</a:t>
-            </a:r>
-          </a:p>
-        </p:txBody>
-      </p:sp>
-      <p:pic>
-        <p:nvPicPr>
-          <p:cNvPr id="14" name="Graphic 13" descr="Kidneys">
-            <a:extLst>
-              <a:ext uri="{FF2B5EF4-FFF2-40B4-BE49-F238E27FC236}">
-                <a16:creationId xmlns:a16="http://schemas.microsoft.com/office/drawing/2014/main" id="{053DB75F-A93F-4D5F-9A4F-AF41ABEECA17}"/>
-              </a:ext>
-            </a:extLst>
-          </p:cNvPr>
-          <p:cNvPicPr>
-            <a:picLocks noChangeAspect="1"/>
-          </p:cNvPicPr>
-          <p:nvPr/>
-        </p:nvPicPr>
-        <p:blipFill>
-          <a:blip r:embed="rId3">
-            <a:extLst>
-              <a:ext uri="{28A0092B-C50C-407E-A947-70E740481C1C}">
-                <a14:useLocalDpi xmlns:a14="http://schemas.microsoft.com/office/drawing/2010/main" val="0"/>
-              </a:ext>
-              <a:ext uri="{96DAC541-7B7A-43D3-8B79-37D633B846F1}">
-                <asvg:svgBlip xmlns:asvg="http://schemas.microsoft.com/office/drawing/2016/SVG/main" r:embed="rId4"/>
-              </a:ext>
-            </a:extLst>
-          </a:blip>
-          <a:stretch>
-            <a:fillRect/>
-          </a:stretch>
-        </p:blipFill>
-        <p:spPr>
-          <a:xfrm>
-            <a:off x="6632981" y="3260468"/>
-            <a:ext cx="2001794" cy="2001794"/>
-          </a:xfrm>
-          <a:prstGeom prst="rect">
-            <a:avLst/>
-          </a:prstGeom>
-        </p:spPr>
-      </p:pic>
-      <p:pic>
-        <p:nvPicPr>
-          <p:cNvPr id="23" name="Graphic 22" descr="Badge Question Mark">
-            <a:extLst>
-              <a:ext uri="{FF2B5EF4-FFF2-40B4-BE49-F238E27FC236}">
-                <a16:creationId xmlns:a16="http://schemas.microsoft.com/office/drawing/2014/main" id="{79CF974B-7BDD-42E7-B13A-863AF8381312}"/>
-              </a:ext>
-            </a:extLst>
-          </p:cNvPr>
-          <p:cNvPicPr>
-            <a:picLocks noChangeAspect="1"/>
-          </p:cNvPicPr>
-          <p:nvPr/>
-        </p:nvPicPr>
-        <p:blipFill>
-          <a:blip r:embed="rId5">
-            <a:extLst>
-              <a:ext uri="{28A0092B-C50C-407E-A947-70E740481C1C}">
-                <a14:useLocalDpi xmlns:a14="http://schemas.microsoft.com/office/drawing/2010/main" val="0"/>
-              </a:ext>
-              <a:ext uri="{96DAC541-7B7A-43D3-8B79-37D633B846F1}">
-                <asvg:svgBlip xmlns:asvg="http://schemas.microsoft.com/office/drawing/2016/SVG/main" r:embed="rId6"/>
-              </a:ext>
-            </a:extLst>
-          </a:blip>
-          <a:stretch>
-            <a:fillRect/>
-          </a:stretch>
-        </p:blipFill>
-        <p:spPr>
-          <a:xfrm rot="21118047">
-            <a:off x="9561388" y="3672149"/>
-            <a:ext cx="914400" cy="914400"/>
-          </a:xfrm>
-          <a:prstGeom prst="rect">
-            <a:avLst/>
-          </a:prstGeom>
-        </p:spPr>
-      </p:pic>
-      <p:pic>
-        <p:nvPicPr>
-          <p:cNvPr id="28" name="Picture 27">
-            <a:extLst>
-              <a:ext uri="{FF2B5EF4-FFF2-40B4-BE49-F238E27FC236}">
-                <a16:creationId xmlns:a16="http://schemas.microsoft.com/office/drawing/2014/main" id="{9726213A-A0AB-4C4A-8A90-92295CF53CA6}"/>
-              </a:ext>
-            </a:extLst>
-          </p:cNvPr>
-          <p:cNvPicPr>
-            <a:picLocks noChangeAspect="1"/>
-          </p:cNvPicPr>
-          <p:nvPr/>
-        </p:nvPicPr>
-        <p:blipFill>
-          <a:blip r:embed="rId7"/>
-          <a:stretch>
-            <a:fillRect/>
-          </a:stretch>
-        </p:blipFill>
-        <p:spPr>
-          <a:xfrm rot="1659615">
-            <a:off x="8855223" y="5036771"/>
-            <a:ext cx="1036410" cy="1042506"/>
-          </a:xfrm>
-          <a:prstGeom prst="rect">
-            <a:avLst/>
-          </a:prstGeom>
-        </p:spPr>
-      </p:pic>
-      <p:pic>
-        <p:nvPicPr>
-          <p:cNvPr id="34" name="Picture 33">
-            <a:extLst>
-              <a:ext uri="{FF2B5EF4-FFF2-40B4-BE49-F238E27FC236}">
-                <a16:creationId xmlns:a16="http://schemas.microsoft.com/office/drawing/2014/main" id="{50AC4E3C-50D0-4F4D-9ED3-CCD2DFD576BA}"/>
-              </a:ext>
-            </a:extLst>
-          </p:cNvPr>
-          <p:cNvPicPr>
-            <a:picLocks noChangeAspect="1"/>
-          </p:cNvPicPr>
-          <p:nvPr/>
-        </p:nvPicPr>
-        <p:blipFill>
-          <a:blip r:embed="rId8"/>
-          <a:stretch>
-            <a:fillRect/>
-          </a:stretch>
-        </p:blipFill>
-        <p:spPr>
-          <a:xfrm rot="20310023">
-            <a:off x="6904918" y="5662257"/>
-            <a:ext cx="1457920" cy="1457920"/>
-          </a:xfrm>
-          <a:prstGeom prst="rect">
-            <a:avLst/>
-          </a:prstGeom>
-        </p:spPr>
-      </p:pic>
-      <p:pic>
-        <p:nvPicPr>
-          <p:cNvPr id="38" name="Picture 37">
-            <a:extLst>
-              <a:ext uri="{FF2B5EF4-FFF2-40B4-BE49-F238E27FC236}">
-                <a16:creationId xmlns:a16="http://schemas.microsoft.com/office/drawing/2014/main" id="{0F337893-D53E-4E6F-8CB7-88EC0D5AD93D}"/>
-              </a:ext>
-            </a:extLst>
-          </p:cNvPr>
-          <p:cNvPicPr>
-            <a:picLocks noChangeAspect="1"/>
-          </p:cNvPicPr>
-          <p:nvPr/>
-        </p:nvPicPr>
-        <p:blipFill>
-          <a:blip r:embed="rId9"/>
-          <a:stretch>
-            <a:fillRect/>
-          </a:stretch>
-        </p:blipFill>
-        <p:spPr>
-          <a:xfrm rot="857437">
-            <a:off x="4853469" y="3581218"/>
-            <a:ext cx="1042506" cy="1036410"/>
-          </a:xfrm>
-          <a:prstGeom prst="rect">
-            <a:avLst/>
-          </a:prstGeom>
-        </p:spPr>
-      </p:pic>
-      <p:pic>
-        <p:nvPicPr>
-          <p:cNvPr id="42" name="Picture 41">
-            <a:extLst>
-              <a:ext uri="{FF2B5EF4-FFF2-40B4-BE49-F238E27FC236}">
-                <a16:creationId xmlns:a16="http://schemas.microsoft.com/office/drawing/2014/main" id="{BB342EDE-63D3-43D7-8731-16E5A3C86C1A}"/>
-              </a:ext>
-            </a:extLst>
-          </p:cNvPr>
-          <p:cNvPicPr>
-            <a:picLocks noChangeAspect="1"/>
-          </p:cNvPicPr>
-          <p:nvPr/>
-        </p:nvPicPr>
-        <p:blipFill>
-          <a:blip r:embed="rId10"/>
-          <a:stretch>
-            <a:fillRect/>
-          </a:stretch>
-        </p:blipFill>
-        <p:spPr>
-          <a:xfrm rot="18906180">
-            <a:off x="5229257" y="5001612"/>
-            <a:ext cx="1408298" cy="1408298"/>
-          </a:xfrm>
-          <a:prstGeom prst="rect">
-            <a:avLst/>
-          </a:prstGeom>
-        </p:spPr>
-      </p:pic>
-      <p:pic>
-        <p:nvPicPr>
-          <p:cNvPr id="44" name="Graphic 43" descr="Adhesive Bandage">
-            <a:extLst>
-              <a:ext uri="{FF2B5EF4-FFF2-40B4-BE49-F238E27FC236}">
-                <a16:creationId xmlns:a16="http://schemas.microsoft.com/office/drawing/2014/main" id="{65A7DAC9-D1EA-4754-B4AF-396FE648D520}"/>
-              </a:ext>
-            </a:extLst>
-          </p:cNvPr>
-          <p:cNvPicPr>
-            <a:picLocks noChangeAspect="1"/>
-          </p:cNvPicPr>
-          <p:nvPr/>
-        </p:nvPicPr>
-        <p:blipFill>
-          <a:blip r:embed="rId11">
-            <a:extLst>
-              <a:ext uri="{28A0092B-C50C-407E-A947-70E740481C1C}">
-                <a14:useLocalDpi xmlns:a14="http://schemas.microsoft.com/office/drawing/2010/main" val="0"/>
-              </a:ext>
-              <a:ext uri="{96DAC541-7B7A-43D3-8B79-37D633B846F1}">
-                <asvg:svgBlip xmlns:asvg="http://schemas.microsoft.com/office/drawing/2016/SVG/main" r:embed="rId12"/>
-              </a:ext>
-            </a:extLst>
-          </a:blip>
-          <a:stretch>
-            <a:fillRect/>
-          </a:stretch>
-        </p:blipFill>
-        <p:spPr>
-          <a:xfrm rot="5400000">
-            <a:off x="7829220" y="3638548"/>
-            <a:ext cx="720069" cy="720069"/>
-          </a:xfrm>
-          <a:prstGeom prst="rect">
-            <a:avLst/>
-          </a:prstGeom>
-        </p:spPr>
-      </p:pic>
-      <p:pic>
-        <p:nvPicPr>
-          <p:cNvPr id="46" name="Picture 45">
-            <a:extLst>
-              <a:ext uri="{FF2B5EF4-FFF2-40B4-BE49-F238E27FC236}">
-                <a16:creationId xmlns:a16="http://schemas.microsoft.com/office/drawing/2014/main" id="{DCCF9EF3-9D17-4B08-A727-D2202B2A92DF}"/>
-              </a:ext>
-            </a:extLst>
-          </p:cNvPr>
-          <p:cNvPicPr>
-            <a:picLocks noChangeAspect="1"/>
-          </p:cNvPicPr>
-          <p:nvPr/>
-        </p:nvPicPr>
-        <p:blipFill>
-          <a:blip r:embed="rId13"/>
-          <a:stretch>
-            <a:fillRect/>
-          </a:stretch>
-        </p:blipFill>
-        <p:spPr>
-          <a:xfrm rot="5065270">
-            <a:off x="7811656" y="3760373"/>
-            <a:ext cx="719390" cy="719390"/>
-          </a:xfrm>
-          <a:prstGeom prst="rect">
-            <a:avLst/>
-          </a:prstGeom>
-        </p:spPr>
-      </p:pic>
-      <p:pic>
-        <p:nvPicPr>
-          <p:cNvPr id="48" name="Picture 47">
-            <a:extLst>
-              <a:ext uri="{FF2B5EF4-FFF2-40B4-BE49-F238E27FC236}">
-                <a16:creationId xmlns:a16="http://schemas.microsoft.com/office/drawing/2014/main" id="{4AB1BEA0-3EC3-46AF-8AF1-F9934D0C36CC}"/>
-              </a:ext>
-            </a:extLst>
-          </p:cNvPr>
-          <p:cNvPicPr>
-            <a:picLocks noChangeAspect="1"/>
-          </p:cNvPicPr>
-          <p:nvPr/>
-        </p:nvPicPr>
-        <p:blipFill>
-          <a:blip r:embed="rId13"/>
-          <a:stretch>
-            <a:fillRect/>
-          </a:stretch>
-        </p:blipFill>
-        <p:spPr>
-          <a:xfrm rot="726586">
-            <a:off x="6746783" y="3706483"/>
-            <a:ext cx="719390" cy="719390"/>
-          </a:xfrm>
-          <a:prstGeom prst="rect">
-            <a:avLst/>
-          </a:prstGeom>
-        </p:spPr>
-      </p:pic>
-      <p:pic>
-        <p:nvPicPr>
-          <p:cNvPr id="50" name="Picture 49">
-            <a:extLst>
-              <a:ext uri="{FF2B5EF4-FFF2-40B4-BE49-F238E27FC236}">
-                <a16:creationId xmlns:a16="http://schemas.microsoft.com/office/drawing/2014/main" id="{36FC039A-56FC-497B-8BF0-58BB74FA4416}"/>
-              </a:ext>
-            </a:extLst>
-          </p:cNvPr>
-          <p:cNvPicPr>
-            <a:picLocks noChangeAspect="1"/>
-          </p:cNvPicPr>
-          <p:nvPr/>
-        </p:nvPicPr>
-        <p:blipFill>
-          <a:blip r:embed="rId13"/>
-          <a:stretch>
-            <a:fillRect/>
-          </a:stretch>
-        </p:blipFill>
-        <p:spPr>
-          <a:xfrm rot="5400000">
-            <a:off x="6760548" y="3624296"/>
-            <a:ext cx="719390" cy="719390"/>
-          </a:xfrm>
-          <a:prstGeom prst="rect">
-            <a:avLst/>
-          </a:prstGeom>
-        </p:spPr>
-      </p:pic>
-      <p:sp>
-        <p:nvSpPr>
-          <p:cNvPr id="52" name="Arrow: Down 51">
-            <a:extLst>
-              <a:ext uri="{FF2B5EF4-FFF2-40B4-BE49-F238E27FC236}">
-                <a16:creationId xmlns:a16="http://schemas.microsoft.com/office/drawing/2014/main" id="{55367DAF-9F60-4345-9B74-0A4F7A6343C7}"/>
-              </a:ext>
-            </a:extLst>
-          </p:cNvPr>
-          <p:cNvSpPr/>
-          <p:nvPr/>
-        </p:nvSpPr>
-        <p:spPr>
-          <a:xfrm rot="16670240">
-            <a:off x="6108836" y="3799217"/>
-            <a:ext cx="312108" cy="804989"/>
-          </a:xfrm>
-          <a:prstGeom prst="downArrow">
-            <a:avLst/>
-          </a:prstGeom>
-        </p:spPr>
-        <p:style>
-          <a:lnRef idx="2">
-            <a:schemeClr val="dk1"/>
-          </a:lnRef>
-          <a:fillRef idx="1">
-            <a:schemeClr val="lt1"/>
-          </a:fillRef>
-          <a:effectRef idx="0">
-            <a:schemeClr val="dk1"/>
-          </a:effectRef>
-          <a:fontRef idx="minor">
-            <a:schemeClr val="dk1"/>
-          </a:fontRef>
-        </p:style>
-        <p:txBody>
-          <a:bodyPr rtlCol="0" anchor="ctr"/>
-          <a:lstStyle/>
-          <a:p>
-            <a:pPr algn="ctr"/>
-            <a:endParaRPr lang="en-US"/>
-          </a:p>
-        </p:txBody>
-      </p:sp>
-      <p:sp>
-        <p:nvSpPr>
-          <p:cNvPr id="54" name="Arrow: Down 53">
-            <a:extLst>
-              <a:ext uri="{FF2B5EF4-FFF2-40B4-BE49-F238E27FC236}">
-                <a16:creationId xmlns:a16="http://schemas.microsoft.com/office/drawing/2014/main" id="{F0FE94D4-A900-4301-B42D-D47055134801}"/>
-              </a:ext>
-            </a:extLst>
-          </p:cNvPr>
-          <p:cNvSpPr/>
-          <p:nvPr/>
-        </p:nvSpPr>
-        <p:spPr>
-          <a:xfrm rot="13484038">
-            <a:off x="6410112" y="4638725"/>
-            <a:ext cx="312108" cy="804989"/>
-          </a:xfrm>
-          <a:prstGeom prst="downArrow">
-            <a:avLst/>
-          </a:prstGeom>
-        </p:spPr>
-        <p:style>
-          <a:lnRef idx="2">
-            <a:schemeClr val="dk1"/>
-          </a:lnRef>
-          <a:fillRef idx="1">
-            <a:schemeClr val="lt1"/>
-          </a:fillRef>
-          <a:effectRef idx="0">
-            <a:schemeClr val="dk1"/>
-          </a:effectRef>
-          <a:fontRef idx="minor">
-            <a:schemeClr val="dk1"/>
-          </a:fontRef>
-        </p:style>
-        <p:txBody>
-          <a:bodyPr rtlCol="0" anchor="ctr"/>
-          <a:lstStyle/>
-          <a:p>
-            <a:pPr algn="ctr"/>
-            <a:endParaRPr lang="en-US"/>
-          </a:p>
-        </p:txBody>
-      </p:sp>
-      <p:sp>
-        <p:nvSpPr>
-          <p:cNvPr id="56" name="Arrow: Down 55">
-            <a:extLst>
-              <a:ext uri="{FF2B5EF4-FFF2-40B4-BE49-F238E27FC236}">
-                <a16:creationId xmlns:a16="http://schemas.microsoft.com/office/drawing/2014/main" id="{B5002F00-9908-4E69-8C0A-534AE0DB64AA}"/>
-              </a:ext>
-            </a:extLst>
-          </p:cNvPr>
-          <p:cNvSpPr/>
-          <p:nvPr/>
-        </p:nvSpPr>
-        <p:spPr>
-          <a:xfrm rot="10800000">
-            <a:off x="7479979" y="5119711"/>
-            <a:ext cx="312108" cy="767294"/>
-          </a:xfrm>
-          <a:prstGeom prst="downArrow">
-            <a:avLst/>
-          </a:prstGeom>
-        </p:spPr>
-        <p:style>
-          <a:lnRef idx="2">
-            <a:schemeClr val="dk1"/>
-          </a:lnRef>
-          <a:fillRef idx="1">
-            <a:schemeClr val="lt1"/>
-          </a:fillRef>
-          <a:effectRef idx="0">
-            <a:schemeClr val="dk1"/>
-          </a:effectRef>
-          <a:fontRef idx="minor">
-            <a:schemeClr val="dk1"/>
-          </a:fontRef>
-        </p:style>
-        <p:txBody>
-          <a:bodyPr rtlCol="0" anchor="ctr"/>
-          <a:lstStyle/>
-          <a:p>
-            <a:pPr algn="ctr"/>
-            <a:endParaRPr lang="en-US"/>
-          </a:p>
-        </p:txBody>
-      </p:sp>
-      <p:sp>
-        <p:nvSpPr>
-          <p:cNvPr id="58" name="Arrow: Down 57">
-            <a:extLst>
-              <a:ext uri="{FF2B5EF4-FFF2-40B4-BE49-F238E27FC236}">
-                <a16:creationId xmlns:a16="http://schemas.microsoft.com/office/drawing/2014/main" id="{E0CC6D43-DFBC-47EF-8B16-89906008DA94}"/>
-              </a:ext>
-            </a:extLst>
-          </p:cNvPr>
-          <p:cNvSpPr/>
-          <p:nvPr/>
-        </p:nvSpPr>
-        <p:spPr>
-          <a:xfrm rot="7645806">
-            <a:off x="8557023" y="4647942"/>
-            <a:ext cx="312108" cy="762350"/>
-          </a:xfrm>
-          <a:prstGeom prst="downArrow">
-            <a:avLst/>
-          </a:prstGeom>
-        </p:spPr>
-        <p:style>
-          <a:lnRef idx="2">
-            <a:schemeClr val="dk1"/>
-          </a:lnRef>
-          <a:fillRef idx="1">
-            <a:schemeClr val="lt1"/>
-          </a:fillRef>
-          <a:effectRef idx="0">
-            <a:schemeClr val="dk1"/>
-          </a:effectRef>
-          <a:fontRef idx="minor">
-            <a:schemeClr val="dk1"/>
-          </a:fontRef>
-        </p:style>
-        <p:txBody>
-          <a:bodyPr rtlCol="0" anchor="ctr"/>
-          <a:lstStyle/>
-          <a:p>
-            <a:pPr algn="ctr"/>
-            <a:endParaRPr lang="en-US"/>
-          </a:p>
-        </p:txBody>
-      </p:sp>
-      <p:sp>
-        <p:nvSpPr>
-          <p:cNvPr id="60" name="Arrow: Down 59">
-            <a:extLst>
-              <a:ext uri="{FF2B5EF4-FFF2-40B4-BE49-F238E27FC236}">
-                <a16:creationId xmlns:a16="http://schemas.microsoft.com/office/drawing/2014/main" id="{161A51EB-7400-4AFA-87A6-D4F8A3994BA2}"/>
-              </a:ext>
-            </a:extLst>
-          </p:cNvPr>
-          <p:cNvSpPr/>
-          <p:nvPr/>
-        </p:nvSpPr>
-        <p:spPr>
-          <a:xfrm rot="4920075">
-            <a:off x="8935004" y="3781190"/>
-            <a:ext cx="312108" cy="870694"/>
-          </a:xfrm>
-          <a:prstGeom prst="downArrow">
-            <a:avLst/>
-          </a:prstGeom>
-        </p:spPr>
-        <p:style>
-          <a:lnRef idx="2">
-            <a:schemeClr val="dk1"/>
-          </a:lnRef>
-          <a:fillRef idx="1">
-            <a:schemeClr val="lt1"/>
-          </a:fillRef>
-          <a:effectRef idx="0">
-            <a:schemeClr val="dk1"/>
-          </a:effectRef>
-          <a:fontRef idx="minor">
-            <a:schemeClr val="dk1"/>
-          </a:fontRef>
-        </p:style>
-        <p:txBody>
-          <a:bodyPr rtlCol="0" anchor="ctr"/>
-          <a:lstStyle/>
-          <a:p>
-            <a:pPr algn="ctr"/>
-            <a:endParaRPr lang="en-US"/>
-          </a:p>
-        </p:txBody>
-      </p:sp>
-      <p:sp>
-        <p:nvSpPr>
-          <p:cNvPr id="61" name="Rectangle: Rounded Corners 60">
-            <a:extLst>
-              <a:ext uri="{FF2B5EF4-FFF2-40B4-BE49-F238E27FC236}">
-                <a16:creationId xmlns:a16="http://schemas.microsoft.com/office/drawing/2014/main" id="{DBFCC006-313D-41B1-9466-E4E185308754}"/>
-              </a:ext>
-            </a:extLst>
-          </p:cNvPr>
-          <p:cNvSpPr/>
-          <p:nvPr/>
-        </p:nvSpPr>
-        <p:spPr>
-          <a:xfrm>
-            <a:off x="4330247" y="2387221"/>
-            <a:ext cx="2982686" cy="1085038"/>
-          </a:xfrm>
-          <a:prstGeom prst="roundRect">
-            <a:avLst/>
-          </a:prstGeom>
-          <a:noFill/>
-          <a:ln w="38100" cap="flat" cmpd="sng" algn="ctr">
-            <a:solidFill>
-              <a:schemeClr val="accent2"/>
-            </a:solidFill>
-            <a:prstDash val="solid"/>
-            <a:round/>
-            <a:headEnd type="none" w="med" len="med"/>
-            <a:tailEnd type="none" w="med" len="med"/>
-          </a:ln>
-        </p:spPr>
-        <p:style>
-          <a:lnRef idx="0">
-            <a:scrgbClr r="0" g="0" b="0"/>
-          </a:lnRef>
-          <a:fillRef idx="0">
-            <a:scrgbClr r="0" g="0" b="0"/>
-          </a:fillRef>
-          <a:effectRef idx="0">
-            <a:scrgbClr r="0" g="0" b="0"/>
-          </a:effectRef>
-          <a:fontRef idx="minor">
-            <a:schemeClr val="accent2"/>
-          </a:fontRef>
-        </p:style>
-        <p:txBody>
-          <a:bodyPr rtlCol="0" anchor="ctr"/>
-          <a:lstStyle/>
-          <a:p>
-            <a:pPr algn="ctr"/>
-            <a:endParaRPr lang="en-US"/>
-          </a:p>
-        </p:txBody>
-      </p:sp>
-      <p:sp>
-        <p:nvSpPr>
-          <p:cNvPr id="63" name="Rectangle: Rounded Corners 62">
-            <a:extLst>
-              <a:ext uri="{FF2B5EF4-FFF2-40B4-BE49-F238E27FC236}">
-                <a16:creationId xmlns:a16="http://schemas.microsoft.com/office/drawing/2014/main" id="{CD9EE2B4-7F40-4730-A9FF-8D694F866D00}"/>
-              </a:ext>
-            </a:extLst>
-          </p:cNvPr>
-          <p:cNvSpPr/>
-          <p:nvPr/>
-        </p:nvSpPr>
-        <p:spPr>
-          <a:xfrm>
-            <a:off x="8065583" y="2411818"/>
-            <a:ext cx="2867621" cy="1085038"/>
-          </a:xfrm>
-          <a:prstGeom prst="roundRect">
-            <a:avLst/>
-          </a:prstGeom>
-          <a:noFill/>
-          <a:ln w="38100" cap="flat" cmpd="sng" algn="ctr">
-            <a:solidFill>
-              <a:schemeClr val="accent2"/>
-            </a:solidFill>
-            <a:prstDash val="solid"/>
-            <a:round/>
-            <a:headEnd type="none" w="med" len="med"/>
-            <a:tailEnd type="none" w="med" len="med"/>
-          </a:ln>
-        </p:spPr>
-        <p:style>
-          <a:lnRef idx="0">
-            <a:scrgbClr r="0" g="0" b="0"/>
-          </a:lnRef>
-          <a:fillRef idx="0">
-            <a:scrgbClr r="0" g="0" b="0"/>
-          </a:fillRef>
-          <a:effectRef idx="0">
-            <a:scrgbClr r="0" g="0" b="0"/>
-          </a:effectRef>
-          <a:fontRef idx="minor">
-            <a:schemeClr val="accent2"/>
-          </a:fontRef>
-        </p:style>
-        <p:txBody>
-          <a:bodyPr rtlCol="0" anchor="ctr"/>
-          <a:lstStyle/>
-          <a:p>
-            <a:pPr algn="ctr"/>
-            <a:endParaRPr lang="en-US"/>
-          </a:p>
-        </p:txBody>
-      </p:sp>
-    </p:spTree>
-    <p:extLst>
-      <p:ext uri="{BB962C8B-B14F-4D97-AF65-F5344CB8AC3E}">
-        <p14:creationId xmlns:p14="http://schemas.microsoft.com/office/powerpoint/2010/main" val="2090651058"/>
-      </p:ext>
-    </p:extLst>
-  </p:cSld>
-  <p:clrMapOvr>
-    <a:masterClrMapping/>
-  </p:clrMapOvr>
-  <mc:AlternateContent xmlns:mc="http://schemas.openxmlformats.org/markup-compatibility/2006" xmlns:p14="http://schemas.microsoft.com/office/powerpoint/2010/main">
-    <mc:Choice Requires="p14">
-      <p:transition spd="med" p14:dur="700">
-        <p:fade/>
-      </p:transition>
-    </mc:Choice>
-    <mc:Fallback xmlns="">
-      <p:transition spd="med">
-        <p:fade/>
-      </p:transition>
-    </mc:Fallback>
-  </mc:AlternateContent>
-</p:sld>
-</file>
-
-<file path=ppt/slides/slide8.xml><?xml version="1.0" encoding="utf-8"?>
-<p:sld xmlns:a="http://schemas.openxmlformats.org/drawingml/2006/main" xmlns:r="http://schemas.openxmlformats.org/officeDocument/2006/relationships" xmlns:p="http://schemas.openxmlformats.org/presentationml/2006/main">
-  <p:cSld>
-    <p:bg>
-      <p:bgPr>
-        <a:solidFill>
-          <a:schemeClr val="bg1"/>
-        </a:solidFill>
-        <a:effectLst/>
-      </p:bgPr>
-    </p:bg>
-    <p:spTree>
-      <p:nvGrpSpPr>
-        <p:cNvPr id="1" name=""/>
-        <p:cNvGrpSpPr/>
-        <p:nvPr/>
-      </p:nvGrpSpPr>
-      <p:grpSpPr>
-        <a:xfrm>
-          <a:off x="0" y="0"/>
-          <a:ext cx="0" cy="0"/>
-          <a:chOff x="0" y="0"/>
-          <a:chExt cx="0" cy="0"/>
-        </a:xfrm>
-      </p:grpSpPr>
-      <p:sp useBgFill="1">
-        <p:nvSpPr>
-          <p:cNvPr id="27" name="Rectangle 26">
-            <a:extLst>
-              <a:ext uri="{FF2B5EF4-FFF2-40B4-BE49-F238E27FC236}">
-                <a16:creationId xmlns:a16="http://schemas.microsoft.com/office/drawing/2014/main" id="{907EF6B7-1338-4443-8C46-6A318D952DFD}"/>
-              </a:ext>
-              <a:ext uri="{C183D7F6-B498-43B3-948B-1728B52AA6E4}">
-                <adec:decorative xmlns:adec="http://schemas.microsoft.com/office/drawing/2017/decorative" val="1"/>
-              </a:ext>
-            </a:extLst>
-          </p:cNvPr>
-          <p:cNvSpPr>
-            <a:spLocks noGrp="1" noRot="1" noChangeAspect="1" noMove="1" noResize="1" noEditPoints="1" noAdjustHandles="1" noChangeArrowheads="1" noChangeShapeType="1" noTextEdit="1"/>
-          </p:cNvSpPr>
-          <p:nvPr>
-            <p:extLst>
-              <p:ext uri="{386F3935-93C4-4BCD-93E2-E3B085C9AB24}">
-                <p16:designElem xmlns:p16="http://schemas.microsoft.com/office/powerpoint/2015/main" val="1"/>
-              </p:ext>
-            </p:extLst>
-          </p:nvPr>
-        </p:nvSpPr>
-        <p:spPr>
-          <a:xfrm>
-            <a:off x="3048" y="0"/>
-            <a:ext cx="12188952" cy="6858000"/>
-          </a:xfrm>
-          <a:prstGeom prst="rect">
-            <a:avLst/>
-          </a:prstGeom>
-          <a:ln>
-            <a:noFill/>
-          </a:ln>
-        </p:spPr>
-        <p:style>
-          <a:lnRef idx="2">
-            <a:schemeClr val="accent1">
-              <a:shade val="50000"/>
-            </a:schemeClr>
-          </a:lnRef>
-          <a:fillRef idx="1">
-            <a:schemeClr val="accent1"/>
-          </a:fillRef>
-          <a:effectRef idx="0">
-            <a:schemeClr val="accent1"/>
-          </a:effectRef>
-          <a:fontRef idx="minor">
-            <a:schemeClr val="lt1"/>
-          </a:fontRef>
-        </p:style>
-        <p:txBody>
-          <a:bodyPr rtlCol="0" anchor="ctr"/>
-          <a:lstStyle/>
-          <a:p>
-            <a:pPr algn="ctr"/>
-            <a:endParaRPr lang="en-US"/>
-          </a:p>
-        </p:txBody>
-      </p:sp>
-      <p:sp>
-        <p:nvSpPr>
-          <p:cNvPr id="29" name="Freeform: Shape 28">
-            <a:extLst>
-              <a:ext uri="{FF2B5EF4-FFF2-40B4-BE49-F238E27FC236}">
-                <a16:creationId xmlns:a16="http://schemas.microsoft.com/office/drawing/2014/main" id="{DAAE4CDD-124C-4DCF-9584-B6033B545DD5}"/>
-              </a:ext>
-              <a:ext uri="{C183D7F6-B498-43B3-948B-1728B52AA6E4}">
-                <adec:decorative xmlns:adec="http://schemas.microsoft.com/office/drawing/2017/decorative" val="1"/>
-              </a:ext>
-            </a:extLst>
-          </p:cNvPr>
-          <p:cNvSpPr>
-            <a:spLocks noGrp="1" noRot="1" noChangeAspect="1" noMove="1" noResize="1" noEditPoints="1" noAdjustHandles="1" noChangeArrowheads="1" noChangeShapeType="1" noTextEdit="1"/>
-          </p:cNvSpPr>
-          <p:nvPr>
-            <p:extLst>
-              <p:ext uri="{386F3935-93C4-4BCD-93E2-E3B085C9AB24}">
-                <p16:designElem xmlns:p16="http://schemas.microsoft.com/office/powerpoint/2015/main" val="1"/>
-              </p:ext>
-            </p:extLst>
-          </p:nvPr>
-        </p:nvSpPr>
-        <p:spPr>
-          <a:xfrm>
-            <a:off x="1" y="0"/>
-            <a:ext cx="4167271" cy="6858000"/>
-          </a:xfrm>
-          <a:custGeom>
-            <a:avLst/>
-            <a:gdLst>
-              <a:gd name="connsiteX0" fmla="*/ 0 w 4167271"/>
-              <a:gd name="connsiteY0" fmla="*/ 0 h 6858000"/>
-              <a:gd name="connsiteX1" fmla="*/ 2259550 w 4167271"/>
-              <a:gd name="connsiteY1" fmla="*/ 0 h 6858000"/>
-              <a:gd name="connsiteX2" fmla="*/ 2387803 w 4167271"/>
-              <a:gd name="connsiteY2" fmla="*/ 82222 h 6858000"/>
-              <a:gd name="connsiteX3" fmla="*/ 4167271 w 4167271"/>
-              <a:gd name="connsiteY3" fmla="*/ 3429000 h 6858000"/>
-              <a:gd name="connsiteX4" fmla="*/ 2387803 w 4167271"/>
-              <a:gd name="connsiteY4" fmla="*/ 6775779 h 6858000"/>
-              <a:gd name="connsiteX5" fmla="*/ 2259550 w 4167271"/>
-              <a:gd name="connsiteY5" fmla="*/ 6858000 h 6858000"/>
-              <a:gd name="connsiteX6" fmla="*/ 0 w 4167271"/>
-              <a:gd name="connsiteY6" fmla="*/ 6858000 h 6858000"/>
-            </a:gdLst>
-            <a:ahLst/>
-            <a:cxnLst>
-              <a:cxn ang="0">
-                <a:pos x="connsiteX0" y="connsiteY0"/>
-              </a:cxn>
-              <a:cxn ang="0">
-                <a:pos x="connsiteX1" y="connsiteY1"/>
-              </a:cxn>
-              <a:cxn ang="0">
-                <a:pos x="connsiteX2" y="connsiteY2"/>
-              </a:cxn>
-              <a:cxn ang="0">
-                <a:pos x="connsiteX3" y="connsiteY3"/>
-              </a:cxn>
-              <a:cxn ang="0">
-                <a:pos x="connsiteX4" y="connsiteY4"/>
-              </a:cxn>
-              <a:cxn ang="0">
-                <a:pos x="connsiteX5" y="connsiteY5"/>
-              </a:cxn>
-              <a:cxn ang="0">
-                <a:pos x="connsiteX6" y="connsiteY6"/>
-              </a:cxn>
-            </a:cxnLst>
-            <a:rect l="l" t="t" r="r" b="b"/>
-            <a:pathLst>
-              <a:path w="4167271" h="6858000">
-                <a:moveTo>
-                  <a:pt x="0" y="0"/>
-                </a:moveTo>
-                <a:lnTo>
-                  <a:pt x="2259550" y="0"/>
-                </a:lnTo>
-                <a:lnTo>
-                  <a:pt x="2387803" y="82222"/>
-                </a:lnTo>
-                <a:cubicBezTo>
-                  <a:pt x="3461407" y="807534"/>
-                  <a:pt x="4167271" y="2035835"/>
-                  <a:pt x="4167271" y="3429000"/>
-                </a:cubicBezTo>
-                <a:cubicBezTo>
-                  <a:pt x="4167271" y="4822165"/>
-                  <a:pt x="3461407" y="6050467"/>
-                  <a:pt x="2387803" y="6775779"/>
-                </a:cubicBezTo>
-                <a:lnTo>
-                  <a:pt x="2259550" y="6858000"/>
-                </a:lnTo>
-                <a:lnTo>
-                  <a:pt x="0" y="6858000"/>
-                </a:lnTo>
-                <a:close/>
-              </a:path>
-            </a:pathLst>
-          </a:custGeom>
-          <a:solidFill>
-            <a:schemeClr val="accent2"/>
-          </a:solidFill>
-          <a:ln>
-            <a:noFill/>
-          </a:ln>
-        </p:spPr>
-        <p:style>
-          <a:lnRef idx="2">
-            <a:schemeClr val="accent1">
-              <a:shade val="50000"/>
-            </a:schemeClr>
-          </a:lnRef>
-          <a:fillRef idx="1">
-            <a:schemeClr val="accent1"/>
-          </a:fillRef>
-          <a:effectRef idx="0">
-            <a:schemeClr val="accent1"/>
-          </a:effectRef>
-          <a:fontRef idx="minor">
-            <a:schemeClr val="lt1"/>
-          </a:fontRef>
-        </p:style>
-        <p:txBody>
-          <a:bodyPr rtlCol="0" anchor="ctr"/>
-          <a:lstStyle/>
-          <a:p>
-            <a:pPr algn="ctr"/>
-            <a:endParaRPr lang="en-US"/>
-          </a:p>
-        </p:txBody>
-      </p:sp>
-      <p:sp>
-        <p:nvSpPr>
-          <p:cNvPr id="2" name="Title 1">
-            <a:extLst>
-              <a:ext uri="{FF2B5EF4-FFF2-40B4-BE49-F238E27FC236}">
-                <a16:creationId xmlns:a16="http://schemas.microsoft.com/office/drawing/2014/main" id="{B6ACB9E9-35E8-48C3-AFEC-ABEF7BFC7788}"/>
-              </a:ext>
-            </a:extLst>
-          </p:cNvPr>
-          <p:cNvSpPr>
-            <a:spLocks noGrp="1"/>
-          </p:cNvSpPr>
-          <p:nvPr>
-            <p:ph type="title"/>
-          </p:nvPr>
-        </p:nvSpPr>
-        <p:spPr>
-          <a:xfrm>
-            <a:off x="54087" y="1153567"/>
-            <a:ext cx="4113185" cy="4461163"/>
-          </a:xfrm>
-        </p:spPr>
-        <p:txBody>
-          <a:bodyPr>
-            <a:normAutofit/>
-          </a:bodyPr>
-          <a:lstStyle/>
-          <a:p>
-            <a:r>
-              <a:rPr lang="en-US" sz="6000" b="1" dirty="0">
-                <a:solidFill>
-                  <a:srgbClr val="FFFFFF"/>
-                </a:solidFill>
-              </a:rPr>
-              <a:t>Project Assumptions</a:t>
-            </a:r>
-          </a:p>
-        </p:txBody>
-      </p:sp>
-      <p:sp>
-        <p:nvSpPr>
-          <p:cNvPr id="31" name="Arc 30">
-            <a:extLst>
-              <a:ext uri="{FF2B5EF4-FFF2-40B4-BE49-F238E27FC236}">
-                <a16:creationId xmlns:a16="http://schemas.microsoft.com/office/drawing/2014/main" id="{081E4A58-353D-44AE-B2FC-2A74E2E400F7}"/>
-              </a:ext>
-              <a:ext uri="{C183D7F6-B498-43B3-948B-1728B52AA6E4}">
-                <adec:decorative xmlns:adec="http://schemas.microsoft.com/office/drawing/2017/decorative" val="1"/>
-              </a:ext>
-            </a:extLst>
-          </p:cNvPr>
-          <p:cNvSpPr>
-            <a:spLocks noGrp="1" noRot="1" noChangeAspect="1" noMove="1" noResize="1" noEditPoints="1" noAdjustHandles="1" noChangeArrowheads="1" noChangeShapeType="1" noTextEdit="1"/>
-          </p:cNvSpPr>
-          <p:nvPr>
-            <p:extLst>
-              <p:ext uri="{386F3935-93C4-4BCD-93E2-E3B085C9AB24}">
-                <p16:designElem xmlns:p16="http://schemas.microsoft.com/office/powerpoint/2015/main" val="1"/>
-              </p:ext>
-            </p:extLst>
-          </p:nvPr>
-        </p:nvSpPr>
-        <p:spPr>
-          <a:xfrm flipV="1">
-            <a:off x="7550402" y="2455479"/>
-            <a:ext cx="4083433" cy="4083433"/>
-          </a:xfrm>
-          <a:prstGeom prst="arc">
-            <a:avLst/>
-          </a:prstGeom>
-          <a:ln w="127000" cap="rnd">
-            <a:solidFill>
-              <a:schemeClr val="accent4"/>
-            </a:solidFill>
-            <a:prstDash val="dash"/>
-          </a:ln>
-        </p:spPr>
-        <p:style>
-          <a:lnRef idx="1">
-            <a:schemeClr val="accent1"/>
-          </a:lnRef>
-          <a:fillRef idx="0">
-            <a:schemeClr val="accent1"/>
-          </a:fillRef>
-          <a:effectRef idx="0">
-            <a:schemeClr val="accent1"/>
-          </a:effectRef>
-          <a:fontRef idx="minor">
-            <a:schemeClr val="tx1"/>
-          </a:fontRef>
-        </p:style>
-        <p:txBody>
-          <a:bodyPr rtlCol="0" anchor="ctr"/>
-          <a:lstStyle/>
-          <a:p>
-            <a:pPr algn="ctr"/>
-            <a:endParaRPr lang="en-US" dirty="0"/>
-          </a:p>
-        </p:txBody>
-      </p:sp>
-      <p:sp>
-        <p:nvSpPr>
           <p:cNvPr id="3" name="Content Placeholder 2">
             <a:extLst>
               <a:ext uri="{FF2B5EF4-FFF2-40B4-BE49-F238E27FC236}">
@@ -25220,406 +24686,18 @@
         </p:nvSpPr>
         <p:spPr>
           <a:xfrm>
-            <a:off x="4571484" y="591340"/>
-            <a:ext cx="6906491" cy="5585619"/>
-          </a:xfrm>
-        </p:spPr>
-        <p:txBody>
-          <a:bodyPr anchor="ctr">
-            <a:normAutofit/>
+            <a:off x="4341661" y="453673"/>
+            <a:ext cx="6906491" cy="5430056"/>
+          </a:xfrm>
+        </p:spPr>
+        <p:txBody>
+          <a:bodyPr numCol="1" anchor="ctr">
+            <a:normAutofit fontScale="92500"/>
           </a:bodyPr>
           <a:lstStyle/>
           <a:p>
             <a:r>
               <a:rPr lang="en-US" sz="3200" dirty="0"/>
-              <a:t>Assume normality of data</a:t>
-            </a:r>
-          </a:p>
-          <a:p>
-            <a:r>
-              <a:rPr lang="en-US" sz="3200" dirty="0"/>
-              <a:t>Assume no multicollinearity exists</a:t>
-            </a:r>
-          </a:p>
-          <a:p>
-            <a:r>
-              <a:rPr lang="en-US" sz="3200" dirty="0"/>
-              <a:t>Assume data is in correct units</a:t>
-            </a:r>
-          </a:p>
-          <a:p>
-            <a:r>
-              <a:rPr lang="en-US" sz="3200" dirty="0"/>
-              <a:t>Assume data is not biased</a:t>
-            </a:r>
-          </a:p>
-        </p:txBody>
-      </p:sp>
-    </p:spTree>
-    <p:extLst>
-      <p:ext uri="{BB962C8B-B14F-4D97-AF65-F5344CB8AC3E}">
-        <p14:creationId xmlns:p14="http://schemas.microsoft.com/office/powerpoint/2010/main" val="1068172264"/>
-      </p:ext>
-    </p:extLst>
-  </p:cSld>
-  <p:clrMapOvr>
-    <a:masterClrMapping/>
-  </p:clrMapOvr>
-  <p:transition spd="slow">
-    <p:push dir="u"/>
-  </p:transition>
-</p:sld>
-</file>
-
-<file path=ppt/slides/slide9.xml><?xml version="1.0" encoding="utf-8"?>
-<p:sld xmlns:a="http://schemas.openxmlformats.org/drawingml/2006/main" xmlns:r="http://schemas.openxmlformats.org/officeDocument/2006/relationships" xmlns:p="http://schemas.openxmlformats.org/presentationml/2006/main">
-  <p:cSld>
-    <p:bg>
-      <p:bgPr>
-        <a:solidFill>
-          <a:schemeClr val="bg1"/>
-        </a:solidFill>
-        <a:effectLst/>
-      </p:bgPr>
-    </p:bg>
-    <p:spTree>
-      <p:nvGrpSpPr>
-        <p:cNvPr id="1" name=""/>
-        <p:cNvGrpSpPr/>
-        <p:nvPr/>
-      </p:nvGrpSpPr>
-      <p:grpSpPr>
-        <a:xfrm>
-          <a:off x="0" y="0"/>
-          <a:ext cx="0" cy="0"/>
-          <a:chOff x="0" y="0"/>
-          <a:chExt cx="0" cy="0"/>
-        </a:xfrm>
-      </p:grpSpPr>
-      <p:sp useBgFill="1">
-        <p:nvSpPr>
-          <p:cNvPr id="27" name="Rectangle 26">
-            <a:extLst>
-              <a:ext uri="{FF2B5EF4-FFF2-40B4-BE49-F238E27FC236}">
-                <a16:creationId xmlns:a16="http://schemas.microsoft.com/office/drawing/2014/main" id="{907EF6B7-1338-4443-8C46-6A318D952DFD}"/>
-              </a:ext>
-              <a:ext uri="{C183D7F6-B498-43B3-948B-1728B52AA6E4}">
-                <adec:decorative xmlns:adec="http://schemas.microsoft.com/office/drawing/2017/decorative" val="1"/>
-              </a:ext>
-            </a:extLst>
-          </p:cNvPr>
-          <p:cNvSpPr>
-            <a:spLocks noGrp="1" noRot="1" noChangeAspect="1" noMove="1" noResize="1" noEditPoints="1" noAdjustHandles="1" noChangeArrowheads="1" noChangeShapeType="1" noTextEdit="1"/>
-          </p:cNvSpPr>
-          <p:nvPr>
-            <p:extLst>
-              <p:ext uri="{386F3935-93C4-4BCD-93E2-E3B085C9AB24}">
-                <p16:designElem xmlns:p16="http://schemas.microsoft.com/office/powerpoint/2015/main" val="1"/>
-              </p:ext>
-            </p:extLst>
-          </p:nvPr>
-        </p:nvSpPr>
-        <p:spPr>
-          <a:xfrm>
-            <a:off x="3048" y="0"/>
-            <a:ext cx="12188952" cy="6858000"/>
-          </a:xfrm>
-          <a:prstGeom prst="rect">
-            <a:avLst/>
-          </a:prstGeom>
-          <a:ln>
-            <a:noFill/>
-          </a:ln>
-        </p:spPr>
-        <p:style>
-          <a:lnRef idx="2">
-            <a:schemeClr val="accent1">
-              <a:shade val="50000"/>
-            </a:schemeClr>
-          </a:lnRef>
-          <a:fillRef idx="1">
-            <a:schemeClr val="accent1"/>
-          </a:fillRef>
-          <a:effectRef idx="0">
-            <a:schemeClr val="accent1"/>
-          </a:effectRef>
-          <a:fontRef idx="minor">
-            <a:schemeClr val="lt1"/>
-          </a:fontRef>
-        </p:style>
-        <p:txBody>
-          <a:bodyPr rtlCol="0" anchor="ctr"/>
-          <a:lstStyle/>
-          <a:p>
-            <a:pPr algn="ctr"/>
-            <a:endParaRPr lang="en-US"/>
-          </a:p>
-        </p:txBody>
-      </p:sp>
-      <p:sp>
-        <p:nvSpPr>
-          <p:cNvPr id="29" name="Freeform: Shape 28">
-            <a:extLst>
-              <a:ext uri="{FF2B5EF4-FFF2-40B4-BE49-F238E27FC236}">
-                <a16:creationId xmlns:a16="http://schemas.microsoft.com/office/drawing/2014/main" id="{DAAE4CDD-124C-4DCF-9584-B6033B545DD5}"/>
-              </a:ext>
-              <a:ext uri="{C183D7F6-B498-43B3-948B-1728B52AA6E4}">
-                <adec:decorative xmlns:adec="http://schemas.microsoft.com/office/drawing/2017/decorative" val="1"/>
-              </a:ext>
-            </a:extLst>
-          </p:cNvPr>
-          <p:cNvSpPr>
-            <a:spLocks noGrp="1" noRot="1" noChangeAspect="1" noMove="1" noResize="1" noEditPoints="1" noAdjustHandles="1" noChangeArrowheads="1" noChangeShapeType="1" noTextEdit="1"/>
-          </p:cNvSpPr>
-          <p:nvPr>
-            <p:extLst>
-              <p:ext uri="{386F3935-93C4-4BCD-93E2-E3B085C9AB24}">
-                <p16:designElem xmlns:p16="http://schemas.microsoft.com/office/powerpoint/2015/main" val="1"/>
-              </p:ext>
-            </p:extLst>
-          </p:nvPr>
-        </p:nvSpPr>
-        <p:spPr>
-          <a:xfrm>
-            <a:off x="1" y="0"/>
-            <a:ext cx="4167271" cy="6858000"/>
-          </a:xfrm>
-          <a:custGeom>
-            <a:avLst/>
-            <a:gdLst>
-              <a:gd name="connsiteX0" fmla="*/ 0 w 4167271"/>
-              <a:gd name="connsiteY0" fmla="*/ 0 h 6858000"/>
-              <a:gd name="connsiteX1" fmla="*/ 2259550 w 4167271"/>
-              <a:gd name="connsiteY1" fmla="*/ 0 h 6858000"/>
-              <a:gd name="connsiteX2" fmla="*/ 2387803 w 4167271"/>
-              <a:gd name="connsiteY2" fmla="*/ 82222 h 6858000"/>
-              <a:gd name="connsiteX3" fmla="*/ 4167271 w 4167271"/>
-              <a:gd name="connsiteY3" fmla="*/ 3429000 h 6858000"/>
-              <a:gd name="connsiteX4" fmla="*/ 2387803 w 4167271"/>
-              <a:gd name="connsiteY4" fmla="*/ 6775779 h 6858000"/>
-              <a:gd name="connsiteX5" fmla="*/ 2259550 w 4167271"/>
-              <a:gd name="connsiteY5" fmla="*/ 6858000 h 6858000"/>
-              <a:gd name="connsiteX6" fmla="*/ 0 w 4167271"/>
-              <a:gd name="connsiteY6" fmla="*/ 6858000 h 6858000"/>
-            </a:gdLst>
-            <a:ahLst/>
-            <a:cxnLst>
-              <a:cxn ang="0">
-                <a:pos x="connsiteX0" y="connsiteY0"/>
-              </a:cxn>
-              <a:cxn ang="0">
-                <a:pos x="connsiteX1" y="connsiteY1"/>
-              </a:cxn>
-              <a:cxn ang="0">
-                <a:pos x="connsiteX2" y="connsiteY2"/>
-              </a:cxn>
-              <a:cxn ang="0">
-                <a:pos x="connsiteX3" y="connsiteY3"/>
-              </a:cxn>
-              <a:cxn ang="0">
-                <a:pos x="connsiteX4" y="connsiteY4"/>
-              </a:cxn>
-              <a:cxn ang="0">
-                <a:pos x="connsiteX5" y="connsiteY5"/>
-              </a:cxn>
-              <a:cxn ang="0">
-                <a:pos x="connsiteX6" y="connsiteY6"/>
-              </a:cxn>
-            </a:cxnLst>
-            <a:rect l="l" t="t" r="r" b="b"/>
-            <a:pathLst>
-              <a:path w="4167271" h="6858000">
-                <a:moveTo>
-                  <a:pt x="0" y="0"/>
-                </a:moveTo>
-                <a:lnTo>
-                  <a:pt x="2259550" y="0"/>
-                </a:lnTo>
-                <a:lnTo>
-                  <a:pt x="2387803" y="82222"/>
-                </a:lnTo>
-                <a:cubicBezTo>
-                  <a:pt x="3461407" y="807534"/>
-                  <a:pt x="4167271" y="2035835"/>
-                  <a:pt x="4167271" y="3429000"/>
-                </a:cubicBezTo>
-                <a:cubicBezTo>
-                  <a:pt x="4167271" y="4822165"/>
-                  <a:pt x="3461407" y="6050467"/>
-                  <a:pt x="2387803" y="6775779"/>
-                </a:cubicBezTo>
-                <a:lnTo>
-                  <a:pt x="2259550" y="6858000"/>
-                </a:lnTo>
-                <a:lnTo>
-                  <a:pt x="0" y="6858000"/>
-                </a:lnTo>
-                <a:close/>
-              </a:path>
-            </a:pathLst>
-          </a:custGeom>
-          <a:solidFill>
-            <a:schemeClr val="accent2"/>
-          </a:solidFill>
-          <a:ln>
-            <a:noFill/>
-          </a:ln>
-        </p:spPr>
-        <p:style>
-          <a:lnRef idx="2">
-            <a:schemeClr val="accent1">
-              <a:shade val="50000"/>
-            </a:schemeClr>
-          </a:lnRef>
-          <a:fillRef idx="1">
-            <a:schemeClr val="accent1"/>
-          </a:fillRef>
-          <a:effectRef idx="0">
-            <a:schemeClr val="accent1"/>
-          </a:effectRef>
-          <a:fontRef idx="minor">
-            <a:schemeClr val="lt1"/>
-          </a:fontRef>
-        </p:style>
-        <p:txBody>
-          <a:bodyPr rtlCol="0" anchor="ctr"/>
-          <a:lstStyle/>
-          <a:p>
-            <a:pPr algn="ctr"/>
-            <a:endParaRPr lang="en-US"/>
-          </a:p>
-        </p:txBody>
-      </p:sp>
-      <p:sp>
-        <p:nvSpPr>
-          <p:cNvPr id="2" name="Title 1">
-            <a:extLst>
-              <a:ext uri="{FF2B5EF4-FFF2-40B4-BE49-F238E27FC236}">
-                <a16:creationId xmlns:a16="http://schemas.microsoft.com/office/drawing/2014/main" id="{B6ACB9E9-35E8-48C3-AFEC-ABEF7BFC7788}"/>
-              </a:ext>
-            </a:extLst>
-          </p:cNvPr>
-          <p:cNvSpPr>
-            <a:spLocks noGrp="1"/>
-          </p:cNvSpPr>
-          <p:nvPr>
-            <p:ph type="title"/>
-          </p:nvPr>
-        </p:nvSpPr>
-        <p:spPr>
-          <a:xfrm>
-            <a:off x="177437" y="938120"/>
-            <a:ext cx="3628154" cy="4461163"/>
-          </a:xfrm>
-        </p:spPr>
-        <p:txBody>
-          <a:bodyPr>
-            <a:normAutofit/>
-          </a:bodyPr>
-          <a:lstStyle/>
-          <a:p>
-            <a:r>
-              <a:rPr lang="en-US" sz="7200" b="1" dirty="0">
-                <a:solidFill>
-                  <a:srgbClr val="FFFFFF"/>
-                </a:solidFill>
-              </a:rPr>
-              <a:t>Missing Values</a:t>
-            </a:r>
-          </a:p>
-        </p:txBody>
-      </p:sp>
-      <p:sp>
-        <p:nvSpPr>
-          <p:cNvPr id="31" name="Arc 30">
-            <a:extLst>
-              <a:ext uri="{FF2B5EF4-FFF2-40B4-BE49-F238E27FC236}">
-                <a16:creationId xmlns:a16="http://schemas.microsoft.com/office/drawing/2014/main" id="{081E4A58-353D-44AE-B2FC-2A74E2E400F7}"/>
-              </a:ext>
-              <a:ext uri="{C183D7F6-B498-43B3-948B-1728B52AA6E4}">
-                <adec:decorative xmlns:adec="http://schemas.microsoft.com/office/drawing/2017/decorative" val="1"/>
-              </a:ext>
-            </a:extLst>
-          </p:cNvPr>
-          <p:cNvSpPr>
-            <a:spLocks noGrp="1" noRot="1" noChangeAspect="1" noMove="1" noResize="1" noEditPoints="1" noAdjustHandles="1" noChangeArrowheads="1" noChangeShapeType="1" noTextEdit="1"/>
-          </p:cNvSpPr>
-          <p:nvPr>
-            <p:extLst>
-              <p:ext uri="{386F3935-93C4-4BCD-93E2-E3B085C9AB24}">
-                <p16:designElem xmlns:p16="http://schemas.microsoft.com/office/powerpoint/2015/main" val="1"/>
-              </p:ext>
-            </p:extLst>
-          </p:nvPr>
-        </p:nvSpPr>
-        <p:spPr>
-          <a:xfrm flipV="1">
-            <a:off x="7550402" y="2455479"/>
-            <a:ext cx="4083433" cy="4083433"/>
-          </a:xfrm>
-          <a:prstGeom prst="arc">
-            <a:avLst/>
-          </a:prstGeom>
-          <a:ln w="127000" cap="rnd">
-            <a:solidFill>
-              <a:schemeClr val="accent4"/>
-            </a:solidFill>
-            <a:prstDash val="dash"/>
-          </a:ln>
-        </p:spPr>
-        <p:style>
-          <a:lnRef idx="1">
-            <a:schemeClr val="accent1"/>
-          </a:lnRef>
-          <a:fillRef idx="0">
-            <a:schemeClr val="accent1"/>
-          </a:fillRef>
-          <a:effectRef idx="0">
-            <a:schemeClr val="accent1"/>
-          </a:effectRef>
-          <a:fontRef idx="minor">
-            <a:schemeClr val="tx1"/>
-          </a:fontRef>
-        </p:style>
-        <p:txBody>
-          <a:bodyPr rtlCol="0" anchor="ctr"/>
-          <a:lstStyle/>
-          <a:p>
-            <a:pPr algn="ctr"/>
-            <a:endParaRPr lang="en-US" dirty="0"/>
-          </a:p>
-        </p:txBody>
-      </p:sp>
-      <p:sp>
-        <p:nvSpPr>
-          <p:cNvPr id="3" name="Content Placeholder 2">
-            <a:extLst>
-              <a:ext uri="{FF2B5EF4-FFF2-40B4-BE49-F238E27FC236}">
-                <a16:creationId xmlns:a16="http://schemas.microsoft.com/office/drawing/2014/main" id="{4ECBC655-D844-4CCC-8C55-B25FDEA40DF1}"/>
-              </a:ext>
-            </a:extLst>
-          </p:cNvPr>
-          <p:cNvSpPr>
-            <a:spLocks noGrp="1"/>
-          </p:cNvSpPr>
-          <p:nvPr>
-            <p:ph idx="1"/>
-          </p:nvPr>
-        </p:nvSpPr>
-        <p:spPr>
-          <a:xfrm>
-            <a:off x="4434190" y="453673"/>
-            <a:ext cx="6906491" cy="5430056"/>
-          </a:xfrm>
-        </p:spPr>
-        <p:txBody>
-          <a:bodyPr numCol="1" anchor="ctr">
-            <a:normAutofit/>
-          </a:bodyPr>
-          <a:lstStyle/>
-          <a:p>
-            <a:r>
-              <a:rPr lang="en-US" dirty="0"/>
               <a:t>We removed any row that had more than 30% missing data</a:t>
             </a:r>
           </a:p>
@@ -25629,38 +24707,38 @@
               <a:buChar char="o"/>
             </a:pPr>
             <a:r>
-              <a:rPr lang="en-US" dirty="0"/>
+              <a:rPr lang="en-US" sz="2800" dirty="0"/>
               <a:t> </a:t>
             </a:r>
             <a:r>
-              <a:rPr lang="en-US" b="1" i="1" dirty="0"/>
+              <a:rPr lang="en-US" sz="2800" b="1" i="1" dirty="0"/>
               <a:t>31/400 observations removed from data set</a:t>
             </a:r>
           </a:p>
           <a:p>
             <a:r>
-              <a:rPr lang="en-US" dirty="0"/>
+              <a:rPr lang="en-US" sz="3200" dirty="0"/>
               <a:t>For predictor columns which had less than 12% of missing data: </a:t>
             </a:r>
           </a:p>
           <a:p>
             <a:pPr lvl="1"/>
             <a:r>
-              <a:rPr lang="en-US" dirty="0"/>
+              <a:rPr lang="en-US" sz="2800" dirty="0"/>
               <a:t>Numeric – imputed with the mean variable</a:t>
             </a:r>
           </a:p>
           <a:p>
             <a:pPr lvl="1"/>
             <a:r>
-              <a:rPr lang="en-US" dirty="0"/>
+              <a:rPr lang="en-US" sz="2800" dirty="0"/>
               <a:t>Categorical – imputed with most frequent value</a:t>
             </a:r>
           </a:p>
           <a:p>
             <a:pPr lvl="0"/>
             <a:r>
-              <a:rPr lang="en-US" dirty="0"/>
+              <a:rPr lang="en-US" sz="3200" dirty="0"/>
               <a:t>There were five columns in which we had to analyze further since more than 12% of the column included missing data</a:t>
             </a:r>
           </a:p>
